--- a/doc/trueskill_in_tennis/latex/tennis_trueskill_bn.pptx
+++ b/doc/trueskill_in_tennis/latex/tennis_trueskill_bn.pptx
@@ -6,7 +6,8 @@
   </p:sldMasterIdLst>
   <p:sldIdLst>
     <p:sldId id="256" r:id="rId2"/>
-    <p:sldId id="257" r:id="rId3"/>
+    <p:sldId id="258" r:id="rId3"/>
+    <p:sldId id="257" r:id="rId4"/>
   </p:sldIdLst>
   <p:sldSz cx="9144000" cy="6858000" type="screen4x3"/>
   <p:notesSz cx="6858000" cy="9144000"/>
@@ -289,7 +290,7 @@
           <a:p>
             <a:fld id="{A98C15C9-5E1F-4A8B-A2E2-3421159ECE54}" type="datetimeFigureOut">
               <a:rPr lang="en-GB" smtClean="0"/>
-              <a:t>19/03/2013</a:t>
+              <a:t>20/04/2013</a:t>
             </a:fld>
             <a:endParaRPr lang="en-GB"/>
           </a:p>
@@ -459,7 +460,7 @@
           <a:p>
             <a:fld id="{A98C15C9-5E1F-4A8B-A2E2-3421159ECE54}" type="datetimeFigureOut">
               <a:rPr lang="en-GB" smtClean="0"/>
-              <a:t>19/03/2013</a:t>
+              <a:t>20/04/2013</a:t>
             </a:fld>
             <a:endParaRPr lang="en-GB"/>
           </a:p>
@@ -639,7 +640,7 @@
           <a:p>
             <a:fld id="{A98C15C9-5E1F-4A8B-A2E2-3421159ECE54}" type="datetimeFigureOut">
               <a:rPr lang="en-GB" smtClean="0"/>
-              <a:t>19/03/2013</a:t>
+              <a:t>20/04/2013</a:t>
             </a:fld>
             <a:endParaRPr lang="en-GB"/>
           </a:p>
@@ -809,7 +810,7 @@
           <a:p>
             <a:fld id="{A98C15C9-5E1F-4A8B-A2E2-3421159ECE54}" type="datetimeFigureOut">
               <a:rPr lang="en-GB" smtClean="0"/>
-              <a:t>19/03/2013</a:t>
+              <a:t>20/04/2013</a:t>
             </a:fld>
             <a:endParaRPr lang="en-GB"/>
           </a:p>
@@ -1055,7 +1056,7 @@
           <a:p>
             <a:fld id="{A98C15C9-5E1F-4A8B-A2E2-3421159ECE54}" type="datetimeFigureOut">
               <a:rPr lang="en-GB" smtClean="0"/>
-              <a:t>19/03/2013</a:t>
+              <a:t>20/04/2013</a:t>
             </a:fld>
             <a:endParaRPr lang="en-GB"/>
           </a:p>
@@ -1343,7 +1344,7 @@
           <a:p>
             <a:fld id="{A98C15C9-5E1F-4A8B-A2E2-3421159ECE54}" type="datetimeFigureOut">
               <a:rPr lang="en-GB" smtClean="0"/>
-              <a:t>19/03/2013</a:t>
+              <a:t>20/04/2013</a:t>
             </a:fld>
             <a:endParaRPr lang="en-GB"/>
           </a:p>
@@ -1765,7 +1766,7 @@
           <a:p>
             <a:fld id="{A98C15C9-5E1F-4A8B-A2E2-3421159ECE54}" type="datetimeFigureOut">
               <a:rPr lang="en-GB" smtClean="0"/>
-              <a:t>19/03/2013</a:t>
+              <a:t>20/04/2013</a:t>
             </a:fld>
             <a:endParaRPr lang="en-GB"/>
           </a:p>
@@ -1883,7 +1884,7 @@
           <a:p>
             <a:fld id="{A98C15C9-5E1F-4A8B-A2E2-3421159ECE54}" type="datetimeFigureOut">
               <a:rPr lang="en-GB" smtClean="0"/>
-              <a:t>19/03/2013</a:t>
+              <a:t>20/04/2013</a:t>
             </a:fld>
             <a:endParaRPr lang="en-GB"/>
           </a:p>
@@ -1978,7 +1979,7 @@
           <a:p>
             <a:fld id="{A98C15C9-5E1F-4A8B-A2E2-3421159ECE54}" type="datetimeFigureOut">
               <a:rPr lang="en-GB" smtClean="0"/>
-              <a:t>19/03/2013</a:t>
+              <a:t>20/04/2013</a:t>
             </a:fld>
             <a:endParaRPr lang="en-GB"/>
           </a:p>
@@ -2255,7 +2256,7 @@
           <a:p>
             <a:fld id="{A98C15C9-5E1F-4A8B-A2E2-3421159ECE54}" type="datetimeFigureOut">
               <a:rPr lang="en-GB" smtClean="0"/>
-              <a:t>19/03/2013</a:t>
+              <a:t>20/04/2013</a:t>
             </a:fld>
             <a:endParaRPr lang="en-GB"/>
           </a:p>
@@ -2508,7 +2509,7 @@
           <a:p>
             <a:fld id="{A98C15C9-5E1F-4A8B-A2E2-3421159ECE54}" type="datetimeFigureOut">
               <a:rPr lang="en-GB" smtClean="0"/>
-              <a:t>19/03/2013</a:t>
+              <a:t>20/04/2013</a:t>
             </a:fld>
             <a:endParaRPr lang="en-GB"/>
           </a:p>
@@ -2721,7 +2722,7 @@
           <a:p>
             <a:fld id="{A98C15C9-5E1F-4A8B-A2E2-3421159ECE54}" type="datetimeFigureOut">
               <a:rPr lang="en-GB" smtClean="0"/>
-              <a:t>19/03/2013</a:t>
+              <a:t>20/04/2013</a:t>
             </a:fld>
             <a:endParaRPr lang="en-GB"/>
           </a:p>
@@ -4841,6 +4842,6976 @@
           <a:chExt cx="0" cy="0"/>
         </a:xfrm>
       </p:grpSpPr>
+      <p:cxnSp>
+        <p:nvCxnSpPr>
+          <p:cNvPr id="29" name="Straight Arrow Connector 28"/>
+          <p:cNvCxnSpPr>
+            <a:stCxn id="18" idx="6"/>
+            <a:endCxn id="19" idx="2"/>
+          </p:cNvCxnSpPr>
+          <p:nvPr/>
+        </p:nvCxnSpPr>
+        <p:spPr>
+          <a:xfrm>
+            <a:off x="2772288" y="557546"/>
+            <a:ext cx="823474" cy="0"/>
+          </a:xfrm>
+          <a:prstGeom prst="straightConnector1">
+            <a:avLst/>
+          </a:prstGeom>
+          <a:ln w="12700">
+            <a:solidFill>
+              <a:schemeClr val="tx1"/>
+            </a:solidFill>
+            <a:tailEnd type="arrow"/>
+          </a:ln>
+        </p:spPr>
+        <p:style>
+          <a:lnRef idx="1">
+            <a:schemeClr val="accent1"/>
+          </a:lnRef>
+          <a:fillRef idx="0">
+            <a:schemeClr val="accent1"/>
+          </a:fillRef>
+          <a:effectRef idx="0">
+            <a:schemeClr val="accent1"/>
+          </a:effectRef>
+          <a:fontRef idx="minor">
+            <a:schemeClr val="tx1"/>
+          </a:fontRef>
+        </p:style>
+      </p:cxnSp>
+      <mc:AlternateContent xmlns:mc="http://schemas.openxmlformats.org/markup-compatibility/2006">
+        <mc:Choice xmlns:a14="http://schemas.microsoft.com/office/drawing/2010/main" Requires="a14">
+          <p:sp>
+            <p:nvSpPr>
+              <p:cNvPr id="74" name="TextBox 73"/>
+              <p:cNvSpPr txBox="1"/>
+              <p:nvPr/>
+            </p:nvSpPr>
+            <p:spPr>
+              <a:xfrm>
+                <a:off x="1312306" y="419046"/>
+                <a:ext cx="1072665" cy="276999"/>
+              </a:xfrm>
+              <a:prstGeom prst="rect">
+                <a:avLst/>
+              </a:prstGeom>
+              <a:noFill/>
+            </p:spPr>
+            <p:txBody>
+              <a:bodyPr wrap="none" rtlCol="0">
+                <a:spAutoFit/>
+              </a:bodyPr>
+              <a:lstStyle/>
+              <a:p>
+                <a:pPr/>
+                <a14:m>
+                  <m:oMathPara xmlns:m="http://schemas.openxmlformats.org/officeDocument/2006/math">
+                    <m:oMathParaPr>
+                      <m:jc m:val="centerGroup"/>
+                    </m:oMathParaPr>
+                    <m:oMath xmlns:m="http://schemas.openxmlformats.org/officeDocument/2006/math">
+                      <m:r>
+                        <a:rPr lang="pl-PL" sz="1200" b="0" i="1" smtClean="0">
+                          <a:latin typeface="Cambria Math"/>
+                          <a:ea typeface="Cambria Math"/>
+                        </a:rPr>
+                        <m:t>𝑠</m:t>
+                      </m:r>
+                      <m:r>
+                        <a:rPr lang="pl-PL" sz="1200" b="0" i="1" smtClean="0">
+                          <a:latin typeface="Cambria Math"/>
+                          <a:ea typeface="Cambria Math"/>
+                        </a:rPr>
+                        <m:t>~</m:t>
+                      </m:r>
+                      <m:r>
+                        <a:rPr lang="en-GB" sz="1200" i="1" smtClean="0">
+                          <a:latin typeface="Cambria Math"/>
+                          <a:ea typeface="Cambria Math"/>
+                        </a:rPr>
+                        <m:t>𝒩</m:t>
+                      </m:r>
+                      <m:r>
+                        <a:rPr lang="pl-PL" sz="1200" b="0" i="1" smtClean="0">
+                          <a:latin typeface="Cambria Math"/>
+                          <a:ea typeface="Cambria Math"/>
+                        </a:rPr>
+                        <m:t>(</m:t>
+                      </m:r>
+                      <m:sSub>
+                        <m:sSubPr>
+                          <m:ctrlPr>
+                            <a:rPr lang="pl-PL" sz="1200" b="0" i="1" smtClean="0">
+                              <a:latin typeface="Cambria Math"/>
+                              <a:ea typeface="Cambria Math"/>
+                            </a:rPr>
+                          </m:ctrlPr>
+                        </m:sSubPr>
+                        <m:e>
+                          <m:r>
+                            <a:rPr lang="pl-PL" sz="1200" b="0" i="1" smtClean="0">
+                              <a:latin typeface="Cambria Math"/>
+                              <a:ea typeface="Cambria Math"/>
+                            </a:rPr>
+                            <m:t>𝑚</m:t>
+                          </m:r>
+                        </m:e>
+                        <m:sub>
+                          <m:r>
+                            <a:rPr lang="pl-PL" sz="1200" b="0" i="1" smtClean="0">
+                              <a:latin typeface="Cambria Math"/>
+                              <a:ea typeface="Cambria Math"/>
+                            </a:rPr>
+                            <m:t>𝑠</m:t>
+                          </m:r>
+                        </m:sub>
+                      </m:sSub>
+                      <m:r>
+                        <a:rPr lang="pl-PL" sz="1200" b="0" i="1" smtClean="0">
+                          <a:latin typeface="Cambria Math"/>
+                          <a:ea typeface="Cambria Math"/>
+                        </a:rPr>
+                        <m:t>,</m:t>
+                      </m:r>
+                      <m:sSub>
+                        <m:sSubPr>
+                          <m:ctrlPr>
+                            <a:rPr lang="pl-PL" sz="1200" b="0" i="1" smtClean="0">
+                              <a:latin typeface="Cambria Math"/>
+                              <a:ea typeface="Cambria Math"/>
+                            </a:rPr>
+                          </m:ctrlPr>
+                        </m:sSubPr>
+                        <m:e>
+                          <m:r>
+                            <a:rPr lang="pl-PL" sz="1200" b="0" i="1" smtClean="0">
+                              <a:latin typeface="Cambria Math"/>
+                              <a:ea typeface="Cambria Math"/>
+                            </a:rPr>
+                            <m:t>𝑣</m:t>
+                          </m:r>
+                        </m:e>
+                        <m:sub>
+                          <m:r>
+                            <a:rPr lang="pl-PL" sz="1200" b="0" i="1" smtClean="0">
+                              <a:latin typeface="Cambria Math"/>
+                              <a:ea typeface="Cambria Math"/>
+                            </a:rPr>
+                            <m:t>𝑠</m:t>
+                          </m:r>
+                        </m:sub>
+                      </m:sSub>
+                      <m:r>
+                        <a:rPr lang="pl-PL" sz="1200" b="0" i="1" smtClean="0">
+                          <a:latin typeface="Cambria Math"/>
+                          <a:ea typeface="Cambria Math"/>
+                        </a:rPr>
+                        <m:t>)</m:t>
+                      </m:r>
+                    </m:oMath>
+                  </m:oMathPara>
+                </a14:m>
+                <a:endParaRPr lang="en-GB" sz="1200" dirty="0"/>
+              </a:p>
+            </p:txBody>
+          </p:sp>
+        </mc:Choice>
+        <mc:Fallback>
+          <p:sp>
+            <p:nvSpPr>
+              <p:cNvPr id="74" name="TextBox 73"/>
+              <p:cNvSpPr txBox="1">
+                <a:spLocks noRot="1" noChangeAspect="1" noMove="1" noResize="1" noEditPoints="1" noAdjustHandles="1" noChangeArrowheads="1" noChangeShapeType="1" noTextEdit="1"/>
+              </p:cNvSpPr>
+              <p:nvPr/>
+            </p:nvSpPr>
+            <p:spPr>
+              <a:xfrm>
+                <a:off x="1312306" y="419046"/>
+                <a:ext cx="1072665" cy="276999"/>
+              </a:xfrm>
+              <a:prstGeom prst="rect">
+                <a:avLst/>
+              </a:prstGeom>
+              <a:blipFill rotWithShape="1">
+                <a:blip r:embed="rId2"/>
+                <a:stretch>
+                  <a:fillRect b="-8889"/>
+                </a:stretch>
+              </a:blipFill>
+            </p:spPr>
+            <p:txBody>
+              <a:bodyPr/>
+              <a:lstStyle/>
+              <a:p>
+                <a:r>
+                  <a:rPr lang="en-GB">
+                    <a:noFill/>
+                  </a:rPr>
+                  <a:t> </a:t>
+                </a:r>
+              </a:p>
+            </p:txBody>
+          </p:sp>
+        </mc:Fallback>
+      </mc:AlternateContent>
+      <mc:AlternateContent xmlns:mc="http://schemas.openxmlformats.org/markup-compatibility/2006">
+        <mc:Choice xmlns:a14="http://schemas.microsoft.com/office/drawing/2010/main" Requires="a14">
+          <p:sp>
+            <p:nvSpPr>
+              <p:cNvPr id="80" name="TextBox 79"/>
+              <p:cNvSpPr txBox="1"/>
+              <p:nvPr/>
+            </p:nvSpPr>
+            <p:spPr>
+              <a:xfrm>
+                <a:off x="1867110" y="5040551"/>
+                <a:ext cx="1077026" cy="291875"/>
+              </a:xfrm>
+              <a:prstGeom prst="rect">
+                <a:avLst/>
+              </a:prstGeom>
+              <a:noFill/>
+            </p:spPr>
+            <p:txBody>
+              <a:bodyPr wrap="none" rtlCol="0">
+                <a:spAutoFit/>
+              </a:bodyPr>
+              <a:lstStyle/>
+              <a:p>
+                <a:pPr/>
+                <a14:m>
+                  <m:oMathPara xmlns:m="http://schemas.openxmlformats.org/officeDocument/2006/math">
+                    <m:oMathParaPr>
+                      <m:jc m:val="centerGroup"/>
+                    </m:oMathParaPr>
+                    <m:oMath xmlns:m="http://schemas.openxmlformats.org/officeDocument/2006/math">
+                      <m:r>
+                        <a:rPr lang="pl-PL" sz="1200" b="0" i="1" smtClean="0">
+                          <a:latin typeface="Cambria Math"/>
+                          <a:ea typeface="Cambria Math"/>
+                        </a:rPr>
+                        <m:t>𝑑</m:t>
+                      </m:r>
+                      <m:r>
+                        <a:rPr lang="pl-PL" sz="1200" b="0" i="1" smtClean="0">
+                          <a:latin typeface="Cambria Math"/>
+                          <a:ea typeface="Cambria Math"/>
+                        </a:rPr>
+                        <m:t>~</m:t>
+                      </m:r>
+                      <m:r>
+                        <a:rPr lang="en-GB" sz="1200" i="1" smtClean="0">
+                          <a:latin typeface="Cambria Math"/>
+                          <a:ea typeface="Cambria Math"/>
+                        </a:rPr>
+                        <m:t>𝕀</m:t>
+                      </m:r>
+                      <m:r>
+                        <a:rPr lang="pl-PL" sz="1200" b="0" i="1" smtClean="0">
+                          <a:latin typeface="Cambria Math"/>
+                          <a:ea typeface="Cambria Math"/>
+                        </a:rPr>
+                        <m:t>(</m:t>
+                      </m:r>
+                      <m:sSub>
+                        <m:sSubPr>
+                          <m:ctrlPr>
+                            <a:rPr lang="pl-PL" sz="1200" b="0" i="1" smtClean="0">
+                              <a:latin typeface="Cambria Math"/>
+                              <a:ea typeface="Cambria Math"/>
+                            </a:rPr>
+                          </m:ctrlPr>
+                        </m:sSubPr>
+                        <m:e>
+                          <m:r>
+                            <a:rPr lang="pl-PL" sz="1200" b="0" i="1" smtClean="0">
+                              <a:latin typeface="Cambria Math"/>
+                              <a:ea typeface="Cambria Math"/>
+                            </a:rPr>
+                            <m:t>𝑝</m:t>
+                          </m:r>
+                        </m:e>
+                        <m:sub>
+                          <m:r>
+                            <a:rPr lang="pl-PL" sz="1200" b="0" i="1" smtClean="0">
+                              <a:latin typeface="Cambria Math"/>
+                              <a:ea typeface="Cambria Math"/>
+                            </a:rPr>
+                            <m:t>𝑖</m:t>
+                          </m:r>
+                        </m:sub>
+                      </m:sSub>
+                      <m:r>
+                        <a:rPr lang="pl-PL" sz="1200" b="0" i="1" smtClean="0">
+                          <a:latin typeface="Cambria Math"/>
+                          <a:ea typeface="Cambria Math"/>
+                        </a:rPr>
+                        <m:t>−</m:t>
+                      </m:r>
+                      <m:sSub>
+                        <m:sSubPr>
+                          <m:ctrlPr>
+                            <a:rPr lang="pl-PL" sz="1200" b="0" i="1" smtClean="0">
+                              <a:latin typeface="Cambria Math"/>
+                              <a:ea typeface="Cambria Math"/>
+                            </a:rPr>
+                          </m:ctrlPr>
+                        </m:sSubPr>
+                        <m:e>
+                          <m:r>
+                            <a:rPr lang="pl-PL" sz="1200" b="0" i="1" smtClean="0">
+                              <a:latin typeface="Cambria Math"/>
+                              <a:ea typeface="Cambria Math"/>
+                            </a:rPr>
+                            <m:t>𝑝</m:t>
+                          </m:r>
+                        </m:e>
+                        <m:sub>
+                          <m:r>
+                            <a:rPr lang="pl-PL" sz="1200" b="0" i="1" smtClean="0">
+                              <a:latin typeface="Cambria Math"/>
+                              <a:ea typeface="Cambria Math"/>
+                            </a:rPr>
+                            <m:t>𝑗</m:t>
+                          </m:r>
+                        </m:sub>
+                      </m:sSub>
+                      <m:r>
+                        <a:rPr lang="pl-PL" sz="1200" b="0" i="1" smtClean="0">
+                          <a:latin typeface="Cambria Math"/>
+                          <a:ea typeface="Cambria Math"/>
+                        </a:rPr>
+                        <m:t>)</m:t>
+                      </m:r>
+                    </m:oMath>
+                  </m:oMathPara>
+                </a14:m>
+                <a:endParaRPr lang="en-GB" sz="1200" dirty="0"/>
+              </a:p>
+            </p:txBody>
+          </p:sp>
+        </mc:Choice>
+        <mc:Fallback>
+          <p:sp>
+            <p:nvSpPr>
+              <p:cNvPr id="80" name="TextBox 79"/>
+              <p:cNvSpPr txBox="1">
+                <a:spLocks noRot="1" noChangeAspect="1" noMove="1" noResize="1" noEditPoints="1" noAdjustHandles="1" noChangeArrowheads="1" noChangeShapeType="1" noTextEdit="1"/>
+              </p:cNvSpPr>
+              <p:nvPr/>
+            </p:nvSpPr>
+            <p:spPr>
+              <a:xfrm>
+                <a:off x="1867110" y="5040551"/>
+                <a:ext cx="1077026" cy="291875"/>
+              </a:xfrm>
+              <a:prstGeom prst="rect">
+                <a:avLst/>
+              </a:prstGeom>
+              <a:blipFill rotWithShape="1">
+                <a:blip r:embed="rId3"/>
+                <a:stretch>
+                  <a:fillRect b="-4167"/>
+                </a:stretch>
+              </a:blipFill>
+            </p:spPr>
+            <p:txBody>
+              <a:bodyPr/>
+              <a:lstStyle/>
+              <a:p>
+                <a:r>
+                  <a:rPr lang="en-GB">
+                    <a:noFill/>
+                  </a:rPr>
+                  <a:t> </a:t>
+                </a:r>
+              </a:p>
+            </p:txBody>
+          </p:sp>
+        </mc:Fallback>
+      </mc:AlternateContent>
+      <mc:AlternateContent xmlns:mc="http://schemas.openxmlformats.org/markup-compatibility/2006">
+        <mc:Choice xmlns:a14="http://schemas.microsoft.com/office/drawing/2010/main" Requires="a14">
+          <p:sp>
+            <p:nvSpPr>
+              <p:cNvPr id="82" name="TextBox 81"/>
+              <p:cNvSpPr txBox="1"/>
+              <p:nvPr/>
+            </p:nvSpPr>
+            <p:spPr>
+              <a:xfrm>
+                <a:off x="1356292" y="1080400"/>
+                <a:ext cx="984692" cy="291298"/>
+              </a:xfrm>
+              <a:prstGeom prst="rect">
+                <a:avLst/>
+              </a:prstGeom>
+              <a:noFill/>
+            </p:spPr>
+            <p:txBody>
+              <a:bodyPr wrap="none" rtlCol="0">
+                <a:spAutoFit/>
+              </a:bodyPr>
+              <a:lstStyle/>
+              <a:p>
+                <a:pPr/>
+                <a14:m>
+                  <m:oMathPara xmlns:m="http://schemas.openxmlformats.org/officeDocument/2006/math">
+                    <m:oMathParaPr>
+                      <m:jc m:val="centerGroup"/>
+                    </m:oMathParaPr>
+                    <m:oMath xmlns:m="http://schemas.openxmlformats.org/officeDocument/2006/math">
+                      <m:r>
+                        <a:rPr lang="pl-PL" sz="1200" b="0" i="1" smtClean="0">
+                          <a:latin typeface="Cambria Math"/>
+                          <a:ea typeface="Cambria Math"/>
+                        </a:rPr>
+                        <m:t>𝑝</m:t>
+                      </m:r>
+                      <m:r>
+                        <a:rPr lang="pl-PL" sz="1200" b="0" i="1" smtClean="0">
+                          <a:latin typeface="Cambria Math"/>
+                          <a:ea typeface="Cambria Math"/>
+                        </a:rPr>
+                        <m:t>~</m:t>
+                      </m:r>
+                      <m:r>
+                        <a:rPr lang="en-GB" sz="1200" i="1" smtClean="0">
+                          <a:latin typeface="Cambria Math"/>
+                          <a:ea typeface="Cambria Math"/>
+                        </a:rPr>
+                        <m:t>𝒩</m:t>
+                      </m:r>
+                      <m:r>
+                        <a:rPr lang="pl-PL" sz="1200" b="0" i="1" smtClean="0">
+                          <a:latin typeface="Cambria Math"/>
+                          <a:ea typeface="Cambria Math"/>
+                        </a:rPr>
+                        <m:t>(</m:t>
+                      </m:r>
+                      <m:r>
+                        <a:rPr lang="pl-PL" sz="1200" b="0" i="1" smtClean="0">
+                          <a:latin typeface="Cambria Math"/>
+                          <a:ea typeface="Cambria Math"/>
+                        </a:rPr>
+                        <m:t>𝑠</m:t>
+                      </m:r>
+                      <m:r>
+                        <a:rPr lang="pl-PL" sz="1200" b="0" i="1" smtClean="0">
+                          <a:latin typeface="Cambria Math"/>
+                          <a:ea typeface="Cambria Math"/>
+                        </a:rPr>
+                        <m:t>,</m:t>
+                      </m:r>
+                      <m:sSub>
+                        <m:sSubPr>
+                          <m:ctrlPr>
+                            <a:rPr lang="pl-PL" sz="1200" b="0" i="1" smtClean="0">
+                              <a:latin typeface="Cambria Math"/>
+                              <a:ea typeface="Cambria Math"/>
+                            </a:rPr>
+                          </m:ctrlPr>
+                        </m:sSubPr>
+                        <m:e>
+                          <m:r>
+                            <a:rPr lang="pl-PL" sz="1200" b="0" i="1" smtClean="0">
+                              <a:latin typeface="Cambria Math"/>
+                              <a:ea typeface="Cambria Math"/>
+                            </a:rPr>
+                            <m:t>𝑣</m:t>
+                          </m:r>
+                        </m:e>
+                        <m:sub>
+                          <m:r>
+                            <a:rPr lang="pl-PL" sz="1200" b="0" i="1" smtClean="0">
+                              <a:latin typeface="Cambria Math"/>
+                              <a:ea typeface="Cambria Math"/>
+                            </a:rPr>
+                            <m:t>𝑝</m:t>
+                          </m:r>
+                        </m:sub>
+                      </m:sSub>
+                      <m:r>
+                        <a:rPr lang="pl-PL" sz="1200" b="0" i="1" smtClean="0">
+                          <a:latin typeface="Cambria Math"/>
+                          <a:ea typeface="Cambria Math"/>
+                        </a:rPr>
+                        <m:t>)</m:t>
+                      </m:r>
+                    </m:oMath>
+                  </m:oMathPara>
+                </a14:m>
+                <a:endParaRPr lang="en-GB" sz="1200" dirty="0"/>
+              </a:p>
+            </p:txBody>
+          </p:sp>
+        </mc:Choice>
+        <mc:Fallback>
+          <p:sp>
+            <p:nvSpPr>
+              <p:cNvPr id="82" name="TextBox 81"/>
+              <p:cNvSpPr txBox="1">
+                <a:spLocks noRot="1" noChangeAspect="1" noMove="1" noResize="1" noEditPoints="1" noAdjustHandles="1" noChangeArrowheads="1" noChangeShapeType="1" noTextEdit="1"/>
+              </p:cNvSpPr>
+              <p:nvPr/>
+            </p:nvSpPr>
+            <p:spPr>
+              <a:xfrm>
+                <a:off x="1356292" y="1080400"/>
+                <a:ext cx="984692" cy="291298"/>
+              </a:xfrm>
+              <a:prstGeom prst="rect">
+                <a:avLst/>
+              </a:prstGeom>
+              <a:blipFill rotWithShape="1">
+                <a:blip r:embed="rId4"/>
+                <a:stretch>
+                  <a:fillRect b="-4167"/>
+                </a:stretch>
+              </a:blipFill>
+            </p:spPr>
+            <p:txBody>
+              <a:bodyPr/>
+              <a:lstStyle/>
+              <a:p>
+                <a:r>
+                  <a:rPr lang="en-GB">
+                    <a:noFill/>
+                  </a:rPr>
+                  <a:t> </a:t>
+                </a:r>
+              </a:p>
+            </p:txBody>
+          </p:sp>
+        </mc:Fallback>
+      </mc:AlternateContent>
+      <mc:AlternateContent xmlns:mc="http://schemas.openxmlformats.org/markup-compatibility/2006">
+        <mc:Choice xmlns:a14="http://schemas.microsoft.com/office/drawing/2010/main" Requires="a14">
+          <p:sp>
+            <p:nvSpPr>
+              <p:cNvPr id="83" name="TextBox 82"/>
+              <p:cNvSpPr txBox="1"/>
+              <p:nvPr/>
+            </p:nvSpPr>
+            <p:spPr>
+              <a:xfrm>
+                <a:off x="1890669" y="5768069"/>
+                <a:ext cx="988604" cy="276999"/>
+              </a:xfrm>
+              <a:prstGeom prst="rect">
+                <a:avLst/>
+              </a:prstGeom>
+              <a:noFill/>
+            </p:spPr>
+            <p:txBody>
+              <a:bodyPr wrap="none" rtlCol="0">
+                <a:spAutoFit/>
+              </a:bodyPr>
+              <a:lstStyle/>
+              <a:p>
+                <a:pPr/>
+                <a14:m>
+                  <m:oMathPara xmlns:m="http://schemas.openxmlformats.org/officeDocument/2006/math">
+                    <m:oMathParaPr>
+                      <m:jc m:val="centerGroup"/>
+                    </m:oMathParaPr>
+                    <m:oMath xmlns:m="http://schemas.openxmlformats.org/officeDocument/2006/math">
+                      <m:r>
+                        <a:rPr lang="pl-PL" sz="1200" b="0" i="1" smtClean="0">
+                          <a:latin typeface="Cambria Math"/>
+                          <a:ea typeface="Cambria Math"/>
+                        </a:rPr>
+                        <m:t>𝑜</m:t>
+                      </m:r>
+                      <m:r>
+                        <a:rPr lang="pl-PL" sz="1200" b="0" i="1" smtClean="0">
+                          <a:latin typeface="Cambria Math"/>
+                          <a:ea typeface="Cambria Math"/>
+                        </a:rPr>
+                        <m:t>~</m:t>
+                      </m:r>
+                      <m:r>
+                        <a:rPr lang="en-GB" sz="1200" i="1" smtClean="0">
+                          <a:latin typeface="Cambria Math"/>
+                          <a:ea typeface="Cambria Math"/>
+                        </a:rPr>
+                        <m:t>𝕀</m:t>
+                      </m:r>
+                      <m:r>
+                        <a:rPr lang="pl-PL" sz="1200" b="0" i="1" smtClean="0">
+                          <a:latin typeface="Cambria Math"/>
+                          <a:ea typeface="Cambria Math"/>
+                        </a:rPr>
+                        <m:t>(</m:t>
+                      </m:r>
+                      <m:r>
+                        <a:rPr lang="pl-PL" sz="1200" b="0" i="1" smtClean="0">
+                          <a:latin typeface="Cambria Math"/>
+                          <a:ea typeface="Cambria Math"/>
+                        </a:rPr>
+                        <m:t>𝑑</m:t>
+                      </m:r>
+                      <m:r>
+                        <a:rPr lang="pl-PL" sz="1200" b="0" i="1" smtClean="0">
+                          <a:latin typeface="Cambria Math"/>
+                          <a:ea typeface="Cambria Math"/>
+                        </a:rPr>
+                        <m:t>&gt;0)</m:t>
+                      </m:r>
+                    </m:oMath>
+                  </m:oMathPara>
+                </a14:m>
+                <a:endParaRPr lang="en-GB" sz="1200" dirty="0"/>
+              </a:p>
+            </p:txBody>
+          </p:sp>
+        </mc:Choice>
+        <mc:Fallback>
+          <p:sp>
+            <p:nvSpPr>
+              <p:cNvPr id="83" name="TextBox 82"/>
+              <p:cNvSpPr txBox="1">
+                <a:spLocks noRot="1" noChangeAspect="1" noMove="1" noResize="1" noEditPoints="1" noAdjustHandles="1" noChangeArrowheads="1" noChangeShapeType="1" noTextEdit="1"/>
+              </p:cNvSpPr>
+              <p:nvPr/>
+            </p:nvSpPr>
+            <p:spPr>
+              <a:xfrm>
+                <a:off x="1890669" y="5768069"/>
+                <a:ext cx="988604" cy="276999"/>
+              </a:xfrm>
+              <a:prstGeom prst="rect">
+                <a:avLst/>
+              </a:prstGeom>
+              <a:blipFill rotWithShape="1">
+                <a:blip r:embed="rId5"/>
+                <a:stretch>
+                  <a:fillRect b="-6522"/>
+                </a:stretch>
+              </a:blipFill>
+            </p:spPr>
+            <p:txBody>
+              <a:bodyPr/>
+              <a:lstStyle/>
+              <a:p>
+                <a:r>
+                  <a:rPr lang="en-GB">
+                    <a:noFill/>
+                  </a:rPr>
+                  <a:t> </a:t>
+                </a:r>
+              </a:p>
+            </p:txBody>
+          </p:sp>
+        </mc:Fallback>
+      </mc:AlternateContent>
+      <mc:AlternateContent xmlns:mc="http://schemas.openxmlformats.org/markup-compatibility/2006">
+        <mc:Choice xmlns:a14="http://schemas.microsoft.com/office/drawing/2010/main" Requires="a14">
+          <p:sp>
+            <p:nvSpPr>
+              <p:cNvPr id="18" name="Oval 17"/>
+              <p:cNvSpPr>
+                <a:spLocks noChangeAspect="1"/>
+              </p:cNvSpPr>
+              <p:nvPr/>
+            </p:nvSpPr>
+            <p:spPr>
+              <a:xfrm>
+                <a:off x="2358009" y="350406"/>
+                <a:ext cx="414279" cy="414279"/>
+              </a:xfrm>
+              <a:prstGeom prst="ellipse">
+                <a:avLst/>
+              </a:prstGeom>
+              <a:solidFill>
+                <a:schemeClr val="accent1">
+                  <a:lumMod val="20000"/>
+                  <a:lumOff val="80000"/>
+                </a:schemeClr>
+              </a:solidFill>
+              <a:ln w="12700">
+                <a:solidFill>
+                  <a:schemeClr val="tx1"/>
+                </a:solidFill>
+              </a:ln>
+            </p:spPr>
+            <p:style>
+              <a:lnRef idx="2">
+                <a:schemeClr val="accent1">
+                  <a:shade val="50000"/>
+                </a:schemeClr>
+              </a:lnRef>
+              <a:fillRef idx="1">
+                <a:schemeClr val="accent1"/>
+              </a:fillRef>
+              <a:effectRef idx="0">
+                <a:schemeClr val="accent1"/>
+              </a:effectRef>
+              <a:fontRef idx="minor">
+                <a:schemeClr val="lt1"/>
+              </a:fontRef>
+            </p:style>
+            <p:txBody>
+              <a:bodyPr rtlCol="0" anchor="ctr"/>
+              <a:lstStyle/>
+              <a:p>
+                <a:pPr algn="ctr"/>
+                <a14:m>
+                  <m:oMathPara xmlns:m="http://schemas.openxmlformats.org/officeDocument/2006/math">
+                    <m:oMathParaPr>
+                      <m:jc m:val="centerGroup"/>
+                    </m:oMathParaPr>
+                    <m:oMath xmlns:m="http://schemas.openxmlformats.org/officeDocument/2006/math">
+                      <m:sSub>
+                        <m:sSubPr>
+                          <m:ctrlPr>
+                            <a:rPr lang="en-GB" sz="1400" i="1" smtClean="0">
+                              <a:solidFill>
+                                <a:schemeClr val="tx1"/>
+                              </a:solidFill>
+                              <a:latin typeface="Cambria Math"/>
+                            </a:rPr>
+                          </m:ctrlPr>
+                        </m:sSubPr>
+                        <m:e>
+                          <m:r>
+                            <a:rPr lang="pl-PL" sz="1400" b="0" i="1" smtClean="0">
+                              <a:solidFill>
+                                <a:schemeClr val="tx1"/>
+                              </a:solidFill>
+                              <a:latin typeface="Cambria Math"/>
+                            </a:rPr>
+                            <m:t> </m:t>
+                          </m:r>
+                          <m:r>
+                            <a:rPr lang="pl-PL" sz="1400" b="0" i="1" smtClean="0">
+                              <a:solidFill>
+                                <a:schemeClr val="tx1"/>
+                              </a:solidFill>
+                              <a:latin typeface="Cambria Math"/>
+                            </a:rPr>
+                            <m:t>𝑠</m:t>
+                          </m:r>
+                        </m:e>
+                        <m:sub>
+                          <m:r>
+                            <a:rPr lang="pl-PL" sz="1400" b="0" i="1" smtClean="0">
+                              <a:solidFill>
+                                <a:schemeClr val="tx1"/>
+                              </a:solidFill>
+                              <a:latin typeface="Cambria Math"/>
+                            </a:rPr>
+                            <m:t>1_</m:t>
+                          </m:r>
+                          <m:r>
+                            <a:rPr lang="pl-PL" sz="1400" b="0" i="1" smtClean="0">
+                              <a:solidFill>
+                                <a:schemeClr val="tx1"/>
+                              </a:solidFill>
+                              <a:latin typeface="Cambria Math"/>
+                            </a:rPr>
+                            <m:t>𝑡</m:t>
+                          </m:r>
+                          <m:r>
+                            <a:rPr lang="pl-PL" sz="1400" b="0" i="1" smtClean="0">
+                              <a:solidFill>
+                                <a:schemeClr val="tx1"/>
+                              </a:solidFill>
+                              <a:latin typeface="Cambria Math"/>
+                            </a:rPr>
+                            <m:t>0</m:t>
+                          </m:r>
+                        </m:sub>
+                      </m:sSub>
+                    </m:oMath>
+                  </m:oMathPara>
+                </a14:m>
+                <a:endParaRPr lang="en-GB" sz="1400" dirty="0">
+                  <a:solidFill>
+                    <a:schemeClr val="tx1"/>
+                  </a:solidFill>
+                </a:endParaRPr>
+              </a:p>
+            </p:txBody>
+          </p:sp>
+        </mc:Choice>
+        <mc:Fallback>
+          <p:sp>
+            <p:nvSpPr>
+              <p:cNvPr id="18" name="Oval 17"/>
+              <p:cNvSpPr>
+                <a:spLocks noRot="1" noChangeAspect="1" noMove="1" noResize="1" noEditPoints="1" noAdjustHandles="1" noChangeArrowheads="1" noChangeShapeType="1" noTextEdit="1"/>
+              </p:cNvSpPr>
+              <p:nvPr/>
+            </p:nvSpPr>
+            <p:spPr>
+              <a:xfrm>
+                <a:off x="2358009" y="350406"/>
+                <a:ext cx="414279" cy="414279"/>
+              </a:xfrm>
+              <a:prstGeom prst="ellipse">
+                <a:avLst/>
+              </a:prstGeom>
+              <a:blipFill rotWithShape="1">
+                <a:blip r:embed="rId6"/>
+                <a:stretch>
+                  <a:fillRect/>
+                </a:stretch>
+              </a:blipFill>
+              <a:ln w="12700">
+                <a:solidFill>
+                  <a:schemeClr val="tx1"/>
+                </a:solidFill>
+              </a:ln>
+            </p:spPr>
+            <p:txBody>
+              <a:bodyPr/>
+              <a:lstStyle/>
+              <a:p>
+                <a:r>
+                  <a:rPr lang="en-GB">
+                    <a:noFill/>
+                  </a:rPr>
+                  <a:t> </a:t>
+                </a:r>
+              </a:p>
+            </p:txBody>
+          </p:sp>
+        </mc:Fallback>
+      </mc:AlternateContent>
+      <mc:AlternateContent xmlns:mc="http://schemas.openxmlformats.org/markup-compatibility/2006">
+        <mc:Choice xmlns:a14="http://schemas.microsoft.com/office/drawing/2010/main" Requires="a14">
+          <p:sp>
+            <p:nvSpPr>
+              <p:cNvPr id="19" name="Oval 18"/>
+              <p:cNvSpPr>
+                <a:spLocks noChangeAspect="1"/>
+              </p:cNvSpPr>
+              <p:nvPr/>
+            </p:nvSpPr>
+            <p:spPr>
+              <a:xfrm>
+                <a:off x="3595762" y="350406"/>
+                <a:ext cx="414279" cy="414279"/>
+              </a:xfrm>
+              <a:prstGeom prst="ellipse">
+                <a:avLst/>
+              </a:prstGeom>
+              <a:solidFill>
+                <a:schemeClr val="accent1">
+                  <a:lumMod val="20000"/>
+                  <a:lumOff val="80000"/>
+                </a:schemeClr>
+              </a:solidFill>
+              <a:ln w="12700">
+                <a:solidFill>
+                  <a:schemeClr val="tx1"/>
+                </a:solidFill>
+              </a:ln>
+            </p:spPr>
+            <p:style>
+              <a:lnRef idx="2">
+                <a:schemeClr val="accent1">
+                  <a:shade val="50000"/>
+                </a:schemeClr>
+              </a:lnRef>
+              <a:fillRef idx="1">
+                <a:schemeClr val="accent1"/>
+              </a:fillRef>
+              <a:effectRef idx="0">
+                <a:schemeClr val="accent1"/>
+              </a:effectRef>
+              <a:fontRef idx="minor">
+                <a:schemeClr val="lt1"/>
+              </a:fontRef>
+            </p:style>
+            <p:txBody>
+              <a:bodyPr rtlCol="0" anchor="ctr"/>
+              <a:lstStyle/>
+              <a:p>
+                <a:pPr algn="ctr"/>
+                <a14:m>
+                  <m:oMathPara xmlns:m="http://schemas.openxmlformats.org/officeDocument/2006/math">
+                    <m:oMathParaPr>
+                      <m:jc m:val="centerGroup"/>
+                    </m:oMathParaPr>
+                    <m:oMath xmlns:m="http://schemas.openxmlformats.org/officeDocument/2006/math">
+                      <m:sSub>
+                        <m:sSubPr>
+                          <m:ctrlPr>
+                            <a:rPr lang="en-GB" sz="1400" i="1" smtClean="0">
+                              <a:solidFill>
+                                <a:schemeClr val="tx1"/>
+                              </a:solidFill>
+                              <a:latin typeface="Cambria Math"/>
+                            </a:rPr>
+                          </m:ctrlPr>
+                        </m:sSubPr>
+                        <m:e>
+                          <m:r>
+                            <a:rPr lang="pl-PL" sz="1400" b="0" i="1" smtClean="0">
+                              <a:solidFill>
+                                <a:schemeClr val="tx1"/>
+                              </a:solidFill>
+                              <a:latin typeface="Cambria Math"/>
+                            </a:rPr>
+                            <m:t> </m:t>
+                          </m:r>
+                          <m:r>
+                            <a:rPr lang="pl-PL" sz="1400" b="0" i="1" smtClean="0">
+                              <a:solidFill>
+                                <a:schemeClr val="tx1"/>
+                              </a:solidFill>
+                              <a:latin typeface="Cambria Math"/>
+                            </a:rPr>
+                            <m:t>𝑠</m:t>
+                          </m:r>
+                        </m:e>
+                        <m:sub>
+                          <m:r>
+                            <a:rPr lang="pl-PL" sz="1400" b="0" i="1" smtClean="0">
+                              <a:solidFill>
+                                <a:schemeClr val="tx1"/>
+                              </a:solidFill>
+                              <a:latin typeface="Cambria Math"/>
+                            </a:rPr>
+                            <m:t>1_</m:t>
+                          </m:r>
+                          <m:r>
+                            <a:rPr lang="pl-PL" sz="1400" b="0" i="1" smtClean="0">
+                              <a:solidFill>
+                                <a:schemeClr val="tx1"/>
+                              </a:solidFill>
+                              <a:latin typeface="Cambria Math"/>
+                            </a:rPr>
+                            <m:t>𝑡</m:t>
+                          </m:r>
+                          <m:r>
+                            <a:rPr lang="pl-PL" sz="1400" b="0" i="1" smtClean="0">
+                              <a:solidFill>
+                                <a:schemeClr val="tx1"/>
+                              </a:solidFill>
+                              <a:latin typeface="Cambria Math"/>
+                            </a:rPr>
+                            <m:t>1</m:t>
+                          </m:r>
+                        </m:sub>
+                      </m:sSub>
+                    </m:oMath>
+                  </m:oMathPara>
+                </a14:m>
+                <a:endParaRPr lang="en-GB" sz="1400" dirty="0">
+                  <a:solidFill>
+                    <a:schemeClr val="tx1"/>
+                  </a:solidFill>
+                </a:endParaRPr>
+              </a:p>
+            </p:txBody>
+          </p:sp>
+        </mc:Choice>
+        <mc:Fallback>
+          <p:sp>
+            <p:nvSpPr>
+              <p:cNvPr id="19" name="Oval 18"/>
+              <p:cNvSpPr>
+                <a:spLocks noRot="1" noChangeAspect="1" noMove="1" noResize="1" noEditPoints="1" noAdjustHandles="1" noChangeArrowheads="1" noChangeShapeType="1" noTextEdit="1"/>
+              </p:cNvSpPr>
+              <p:nvPr/>
+            </p:nvSpPr>
+            <p:spPr>
+              <a:xfrm>
+                <a:off x="3595762" y="350406"/>
+                <a:ext cx="414279" cy="414279"/>
+              </a:xfrm>
+              <a:prstGeom prst="ellipse">
+                <a:avLst/>
+              </a:prstGeom>
+              <a:blipFill rotWithShape="1">
+                <a:blip r:embed="rId7"/>
+                <a:stretch>
+                  <a:fillRect/>
+                </a:stretch>
+              </a:blipFill>
+              <a:ln w="12700">
+                <a:solidFill>
+                  <a:schemeClr val="tx1"/>
+                </a:solidFill>
+              </a:ln>
+            </p:spPr>
+            <p:txBody>
+              <a:bodyPr/>
+              <a:lstStyle/>
+              <a:p>
+                <a:r>
+                  <a:rPr lang="en-GB">
+                    <a:noFill/>
+                  </a:rPr>
+                  <a:t> </a:t>
+                </a:r>
+              </a:p>
+            </p:txBody>
+          </p:sp>
+        </mc:Fallback>
+      </mc:AlternateContent>
+      <mc:AlternateContent xmlns:mc="http://schemas.openxmlformats.org/markup-compatibility/2006">
+        <mc:Choice xmlns:a14="http://schemas.microsoft.com/office/drawing/2010/main" Requires="a14">
+          <p:sp>
+            <p:nvSpPr>
+              <p:cNvPr id="20" name="Oval 19"/>
+              <p:cNvSpPr>
+                <a:spLocks noChangeAspect="1"/>
+              </p:cNvSpPr>
+              <p:nvPr/>
+            </p:nvSpPr>
+            <p:spPr>
+              <a:xfrm>
+                <a:off x="5472088" y="350406"/>
+                <a:ext cx="414279" cy="414279"/>
+              </a:xfrm>
+              <a:prstGeom prst="ellipse">
+                <a:avLst/>
+              </a:prstGeom>
+              <a:solidFill>
+                <a:schemeClr val="accent1">
+                  <a:lumMod val="20000"/>
+                  <a:lumOff val="80000"/>
+                </a:schemeClr>
+              </a:solidFill>
+              <a:ln w="12700">
+                <a:solidFill>
+                  <a:schemeClr val="tx1"/>
+                </a:solidFill>
+              </a:ln>
+            </p:spPr>
+            <p:style>
+              <a:lnRef idx="2">
+                <a:schemeClr val="accent1">
+                  <a:shade val="50000"/>
+                </a:schemeClr>
+              </a:lnRef>
+              <a:fillRef idx="1">
+                <a:schemeClr val="accent1"/>
+              </a:fillRef>
+              <a:effectRef idx="0">
+                <a:schemeClr val="accent1"/>
+              </a:effectRef>
+              <a:fontRef idx="minor">
+                <a:schemeClr val="lt1"/>
+              </a:fontRef>
+            </p:style>
+            <p:txBody>
+              <a:bodyPr rtlCol="0" anchor="ctr"/>
+              <a:lstStyle/>
+              <a:p>
+                <a:pPr algn="ctr"/>
+                <a14:m>
+                  <m:oMathPara xmlns:m="http://schemas.openxmlformats.org/officeDocument/2006/math">
+                    <m:oMathParaPr>
+                      <m:jc m:val="centerGroup"/>
+                    </m:oMathParaPr>
+                    <m:oMath xmlns:m="http://schemas.openxmlformats.org/officeDocument/2006/math">
+                      <m:sSub>
+                        <m:sSubPr>
+                          <m:ctrlPr>
+                            <a:rPr lang="en-GB" sz="1400" i="1" smtClean="0">
+                              <a:solidFill>
+                                <a:schemeClr val="tx1"/>
+                              </a:solidFill>
+                              <a:latin typeface="Cambria Math"/>
+                            </a:rPr>
+                          </m:ctrlPr>
+                        </m:sSubPr>
+                        <m:e>
+                          <m:r>
+                            <a:rPr lang="pl-PL" sz="1400" b="0" i="1" smtClean="0">
+                              <a:solidFill>
+                                <a:schemeClr val="tx1"/>
+                              </a:solidFill>
+                              <a:latin typeface="Cambria Math"/>
+                            </a:rPr>
+                            <m:t> </m:t>
+                          </m:r>
+                          <m:r>
+                            <a:rPr lang="pl-PL" sz="1400" b="0" i="1" smtClean="0">
+                              <a:solidFill>
+                                <a:schemeClr val="tx1"/>
+                              </a:solidFill>
+                              <a:latin typeface="Cambria Math"/>
+                            </a:rPr>
+                            <m:t>𝑠</m:t>
+                          </m:r>
+                        </m:e>
+                        <m:sub>
+                          <m:r>
+                            <a:rPr lang="pl-PL" sz="1400" b="0" i="1" smtClean="0">
+                              <a:solidFill>
+                                <a:schemeClr val="tx1"/>
+                              </a:solidFill>
+                              <a:latin typeface="Cambria Math"/>
+                            </a:rPr>
+                            <m:t>1_</m:t>
+                          </m:r>
+                          <m:r>
+                            <a:rPr lang="pl-PL" sz="1400" b="0" i="1" smtClean="0">
+                              <a:solidFill>
+                                <a:schemeClr val="tx1"/>
+                              </a:solidFill>
+                              <a:latin typeface="Cambria Math"/>
+                            </a:rPr>
+                            <m:t>𝑡</m:t>
+                          </m:r>
+                          <m:r>
+                            <a:rPr lang="pl-PL" sz="1400" b="0" i="1" smtClean="0">
+                              <a:solidFill>
+                                <a:schemeClr val="tx1"/>
+                              </a:solidFill>
+                              <a:latin typeface="Cambria Math"/>
+                            </a:rPr>
+                            <m:t>2</m:t>
+                          </m:r>
+                        </m:sub>
+                      </m:sSub>
+                    </m:oMath>
+                  </m:oMathPara>
+                </a14:m>
+                <a:endParaRPr lang="en-GB" sz="1400" dirty="0">
+                  <a:solidFill>
+                    <a:schemeClr val="tx1"/>
+                  </a:solidFill>
+                </a:endParaRPr>
+              </a:p>
+            </p:txBody>
+          </p:sp>
+        </mc:Choice>
+        <mc:Fallback>
+          <p:sp>
+            <p:nvSpPr>
+              <p:cNvPr id="20" name="Oval 19"/>
+              <p:cNvSpPr>
+                <a:spLocks noRot="1" noChangeAspect="1" noMove="1" noResize="1" noEditPoints="1" noAdjustHandles="1" noChangeArrowheads="1" noChangeShapeType="1" noTextEdit="1"/>
+              </p:cNvSpPr>
+              <p:nvPr/>
+            </p:nvSpPr>
+            <p:spPr>
+              <a:xfrm>
+                <a:off x="5472088" y="350406"/>
+                <a:ext cx="414279" cy="414279"/>
+              </a:xfrm>
+              <a:prstGeom prst="ellipse">
+                <a:avLst/>
+              </a:prstGeom>
+              <a:blipFill rotWithShape="1">
+                <a:blip r:embed="rId8"/>
+                <a:stretch>
+                  <a:fillRect/>
+                </a:stretch>
+              </a:blipFill>
+              <a:ln w="12700">
+                <a:solidFill>
+                  <a:schemeClr val="tx1"/>
+                </a:solidFill>
+              </a:ln>
+            </p:spPr>
+            <p:txBody>
+              <a:bodyPr/>
+              <a:lstStyle/>
+              <a:p>
+                <a:r>
+                  <a:rPr lang="en-GB">
+                    <a:noFill/>
+                  </a:rPr>
+                  <a:t> </a:t>
+                </a:r>
+              </a:p>
+            </p:txBody>
+          </p:sp>
+        </mc:Fallback>
+      </mc:AlternateContent>
+      <p:cxnSp>
+        <p:nvCxnSpPr>
+          <p:cNvPr id="28" name="Straight Arrow Connector 27"/>
+          <p:cNvCxnSpPr>
+            <a:stCxn id="19" idx="6"/>
+            <a:endCxn id="20" idx="2"/>
+          </p:cNvCxnSpPr>
+          <p:nvPr/>
+        </p:nvCxnSpPr>
+        <p:spPr>
+          <a:xfrm>
+            <a:off x="4010041" y="557546"/>
+            <a:ext cx="1462047" cy="0"/>
+          </a:xfrm>
+          <a:prstGeom prst="straightConnector1">
+            <a:avLst/>
+          </a:prstGeom>
+          <a:ln w="12700">
+            <a:solidFill>
+              <a:schemeClr val="tx1"/>
+            </a:solidFill>
+            <a:tailEnd type="arrow"/>
+          </a:ln>
+        </p:spPr>
+        <p:style>
+          <a:lnRef idx="1">
+            <a:schemeClr val="accent1"/>
+          </a:lnRef>
+          <a:fillRef idx="0">
+            <a:schemeClr val="accent1"/>
+          </a:fillRef>
+          <a:effectRef idx="0">
+            <a:schemeClr val="accent1"/>
+          </a:effectRef>
+          <a:fontRef idx="minor">
+            <a:schemeClr val="tx1"/>
+          </a:fontRef>
+        </p:style>
+      </p:cxnSp>
+      <mc:AlternateContent xmlns:mc="http://schemas.openxmlformats.org/markup-compatibility/2006">
+        <mc:Choice xmlns:a14="http://schemas.microsoft.com/office/drawing/2010/main" Requires="a14">
+          <p:sp>
+            <p:nvSpPr>
+              <p:cNvPr id="49" name="Oval 48"/>
+              <p:cNvSpPr>
+                <a:spLocks noChangeAspect="1"/>
+              </p:cNvSpPr>
+              <p:nvPr/>
+            </p:nvSpPr>
+            <p:spPr>
+              <a:xfrm>
+                <a:off x="2358009" y="1018910"/>
+                <a:ext cx="414279" cy="414279"/>
+              </a:xfrm>
+              <a:prstGeom prst="ellipse">
+                <a:avLst/>
+              </a:prstGeom>
+              <a:solidFill>
+                <a:schemeClr val="accent1">
+                  <a:lumMod val="20000"/>
+                  <a:lumOff val="80000"/>
+                </a:schemeClr>
+              </a:solidFill>
+              <a:ln w="12700">
+                <a:solidFill>
+                  <a:schemeClr val="tx1"/>
+                </a:solidFill>
+              </a:ln>
+            </p:spPr>
+            <p:style>
+              <a:lnRef idx="2">
+                <a:schemeClr val="accent1">
+                  <a:shade val="50000"/>
+                </a:schemeClr>
+              </a:lnRef>
+              <a:fillRef idx="1">
+                <a:schemeClr val="accent1"/>
+              </a:fillRef>
+              <a:effectRef idx="0">
+                <a:schemeClr val="accent1"/>
+              </a:effectRef>
+              <a:fontRef idx="minor">
+                <a:schemeClr val="lt1"/>
+              </a:fontRef>
+            </p:style>
+            <p:txBody>
+              <a:bodyPr rtlCol="0" anchor="ctr"/>
+              <a:lstStyle/>
+              <a:p>
+                <a:pPr algn="ctr"/>
+                <a14:m>
+                  <m:oMathPara xmlns:m="http://schemas.openxmlformats.org/officeDocument/2006/math">
+                    <m:oMathParaPr>
+                      <m:jc m:val="centerGroup"/>
+                    </m:oMathParaPr>
+                    <m:oMath xmlns:m="http://schemas.openxmlformats.org/officeDocument/2006/math">
+                      <m:sSub>
+                        <m:sSubPr>
+                          <m:ctrlPr>
+                            <a:rPr lang="en-GB" sz="1400" i="1" smtClean="0">
+                              <a:solidFill>
+                                <a:schemeClr val="tx1"/>
+                              </a:solidFill>
+                              <a:latin typeface="Cambria Math"/>
+                            </a:rPr>
+                          </m:ctrlPr>
+                        </m:sSubPr>
+                        <m:e>
+                          <m:r>
+                            <a:rPr lang="pl-PL" sz="1400" b="0" i="1" smtClean="0">
+                              <a:solidFill>
+                                <a:schemeClr val="tx1"/>
+                              </a:solidFill>
+                              <a:latin typeface="Cambria Math"/>
+                            </a:rPr>
+                            <m:t> </m:t>
+                          </m:r>
+                          <m:r>
+                            <a:rPr lang="pl-PL" sz="1400" b="0" i="1" smtClean="0">
+                              <a:solidFill>
+                                <a:schemeClr val="tx1"/>
+                              </a:solidFill>
+                              <a:latin typeface="Cambria Math"/>
+                            </a:rPr>
+                            <m:t>𝑝</m:t>
+                          </m:r>
+                        </m:e>
+                        <m:sub>
+                          <m:r>
+                            <a:rPr lang="pl-PL" sz="1400" b="0" i="1" smtClean="0">
+                              <a:solidFill>
+                                <a:schemeClr val="tx1"/>
+                              </a:solidFill>
+                              <a:latin typeface="Cambria Math"/>
+                            </a:rPr>
+                            <m:t>1_</m:t>
+                          </m:r>
+                          <m:r>
+                            <a:rPr lang="pl-PL" sz="1400" b="0" i="1" smtClean="0">
+                              <a:solidFill>
+                                <a:schemeClr val="tx1"/>
+                              </a:solidFill>
+                              <a:latin typeface="Cambria Math"/>
+                            </a:rPr>
+                            <m:t>𝑡</m:t>
+                          </m:r>
+                          <m:r>
+                            <a:rPr lang="pl-PL" sz="1400" b="0" i="1" smtClean="0">
+                              <a:solidFill>
+                                <a:schemeClr val="tx1"/>
+                              </a:solidFill>
+                              <a:latin typeface="Cambria Math"/>
+                            </a:rPr>
+                            <m:t>0</m:t>
+                          </m:r>
+                        </m:sub>
+                      </m:sSub>
+                    </m:oMath>
+                  </m:oMathPara>
+                </a14:m>
+                <a:endParaRPr lang="en-GB" sz="1400" dirty="0">
+                  <a:solidFill>
+                    <a:schemeClr val="tx1"/>
+                  </a:solidFill>
+                </a:endParaRPr>
+              </a:p>
+            </p:txBody>
+          </p:sp>
+        </mc:Choice>
+        <mc:Fallback>
+          <p:sp>
+            <p:nvSpPr>
+              <p:cNvPr id="49" name="Oval 48"/>
+              <p:cNvSpPr>
+                <a:spLocks noRot="1" noChangeAspect="1" noMove="1" noResize="1" noEditPoints="1" noAdjustHandles="1" noChangeArrowheads="1" noChangeShapeType="1" noTextEdit="1"/>
+              </p:cNvSpPr>
+              <p:nvPr/>
+            </p:nvSpPr>
+            <p:spPr>
+              <a:xfrm>
+                <a:off x="2358009" y="1018910"/>
+                <a:ext cx="414279" cy="414279"/>
+              </a:xfrm>
+              <a:prstGeom prst="ellipse">
+                <a:avLst/>
+              </a:prstGeom>
+              <a:blipFill rotWithShape="1">
+                <a:blip r:embed="rId9"/>
+                <a:stretch>
+                  <a:fillRect l="-5714"/>
+                </a:stretch>
+              </a:blipFill>
+              <a:ln w="12700">
+                <a:solidFill>
+                  <a:schemeClr val="tx1"/>
+                </a:solidFill>
+              </a:ln>
+            </p:spPr>
+            <p:txBody>
+              <a:bodyPr/>
+              <a:lstStyle/>
+              <a:p>
+                <a:r>
+                  <a:rPr lang="en-GB">
+                    <a:noFill/>
+                  </a:rPr>
+                  <a:t> </a:t>
+                </a:r>
+              </a:p>
+            </p:txBody>
+          </p:sp>
+        </mc:Fallback>
+      </mc:AlternateContent>
+      <p:cxnSp>
+        <p:nvCxnSpPr>
+          <p:cNvPr id="50" name="Straight Arrow Connector 49"/>
+          <p:cNvCxnSpPr>
+            <a:stCxn id="18" idx="4"/>
+            <a:endCxn id="49" idx="0"/>
+          </p:cNvCxnSpPr>
+          <p:nvPr/>
+        </p:nvCxnSpPr>
+        <p:spPr>
+          <a:xfrm>
+            <a:off x="2565149" y="764685"/>
+            <a:ext cx="0" cy="254225"/>
+          </a:xfrm>
+          <a:prstGeom prst="straightConnector1">
+            <a:avLst/>
+          </a:prstGeom>
+          <a:ln w="12700">
+            <a:solidFill>
+              <a:schemeClr val="tx1"/>
+            </a:solidFill>
+            <a:tailEnd type="arrow"/>
+          </a:ln>
+        </p:spPr>
+        <p:style>
+          <a:lnRef idx="1">
+            <a:schemeClr val="accent1"/>
+          </a:lnRef>
+          <a:fillRef idx="0">
+            <a:schemeClr val="accent1"/>
+          </a:fillRef>
+          <a:effectRef idx="0">
+            <a:schemeClr val="accent1"/>
+          </a:effectRef>
+          <a:fontRef idx="minor">
+            <a:schemeClr val="tx1"/>
+          </a:fontRef>
+        </p:style>
+      </p:cxnSp>
+      <mc:AlternateContent xmlns:mc="http://schemas.openxmlformats.org/markup-compatibility/2006">
+        <mc:Choice xmlns:a14="http://schemas.microsoft.com/office/drawing/2010/main" Requires="a14">
+          <p:sp>
+            <p:nvSpPr>
+              <p:cNvPr id="53" name="Oval 52"/>
+              <p:cNvSpPr>
+                <a:spLocks noChangeAspect="1"/>
+              </p:cNvSpPr>
+              <p:nvPr/>
+            </p:nvSpPr>
+            <p:spPr>
+              <a:xfrm>
+                <a:off x="3595762" y="1018910"/>
+                <a:ext cx="414279" cy="414279"/>
+              </a:xfrm>
+              <a:prstGeom prst="ellipse">
+                <a:avLst/>
+              </a:prstGeom>
+              <a:solidFill>
+                <a:schemeClr val="accent1">
+                  <a:lumMod val="20000"/>
+                  <a:lumOff val="80000"/>
+                </a:schemeClr>
+              </a:solidFill>
+              <a:ln w="12700">
+                <a:solidFill>
+                  <a:schemeClr val="tx1"/>
+                </a:solidFill>
+              </a:ln>
+            </p:spPr>
+            <p:style>
+              <a:lnRef idx="2">
+                <a:schemeClr val="accent1">
+                  <a:shade val="50000"/>
+                </a:schemeClr>
+              </a:lnRef>
+              <a:fillRef idx="1">
+                <a:schemeClr val="accent1"/>
+              </a:fillRef>
+              <a:effectRef idx="0">
+                <a:schemeClr val="accent1"/>
+              </a:effectRef>
+              <a:fontRef idx="minor">
+                <a:schemeClr val="lt1"/>
+              </a:fontRef>
+            </p:style>
+            <p:txBody>
+              <a:bodyPr rtlCol="0" anchor="ctr"/>
+              <a:lstStyle/>
+              <a:p>
+                <a:pPr algn="ctr"/>
+                <a14:m>
+                  <m:oMathPara xmlns:m="http://schemas.openxmlformats.org/officeDocument/2006/math">
+                    <m:oMathParaPr>
+                      <m:jc m:val="centerGroup"/>
+                    </m:oMathParaPr>
+                    <m:oMath xmlns:m="http://schemas.openxmlformats.org/officeDocument/2006/math">
+                      <m:sSub>
+                        <m:sSubPr>
+                          <m:ctrlPr>
+                            <a:rPr lang="en-GB" sz="1400" i="1" smtClean="0">
+                              <a:solidFill>
+                                <a:schemeClr val="tx1"/>
+                              </a:solidFill>
+                              <a:latin typeface="Cambria Math"/>
+                            </a:rPr>
+                          </m:ctrlPr>
+                        </m:sSubPr>
+                        <m:e>
+                          <m:r>
+                            <a:rPr lang="pl-PL" sz="1400" b="0" i="1" smtClean="0">
+                              <a:solidFill>
+                                <a:schemeClr val="tx1"/>
+                              </a:solidFill>
+                              <a:latin typeface="Cambria Math"/>
+                            </a:rPr>
+                            <m:t> </m:t>
+                          </m:r>
+                          <m:r>
+                            <a:rPr lang="pl-PL" sz="1400" b="0" i="1" smtClean="0">
+                              <a:solidFill>
+                                <a:schemeClr val="tx1"/>
+                              </a:solidFill>
+                              <a:latin typeface="Cambria Math"/>
+                            </a:rPr>
+                            <m:t>𝑝</m:t>
+                          </m:r>
+                        </m:e>
+                        <m:sub>
+                          <m:r>
+                            <a:rPr lang="pl-PL" sz="1400" b="0" i="1" smtClean="0">
+                              <a:solidFill>
+                                <a:schemeClr val="tx1"/>
+                              </a:solidFill>
+                              <a:latin typeface="Cambria Math"/>
+                            </a:rPr>
+                            <m:t>1_</m:t>
+                          </m:r>
+                          <m:r>
+                            <a:rPr lang="pl-PL" sz="1400" b="0" i="1" smtClean="0">
+                              <a:solidFill>
+                                <a:schemeClr val="tx1"/>
+                              </a:solidFill>
+                              <a:latin typeface="Cambria Math"/>
+                            </a:rPr>
+                            <m:t>𝑡</m:t>
+                          </m:r>
+                          <m:r>
+                            <a:rPr lang="pl-PL" sz="1400" b="0" i="1" smtClean="0">
+                              <a:solidFill>
+                                <a:schemeClr val="tx1"/>
+                              </a:solidFill>
+                              <a:latin typeface="Cambria Math"/>
+                            </a:rPr>
+                            <m:t>1</m:t>
+                          </m:r>
+                        </m:sub>
+                      </m:sSub>
+                    </m:oMath>
+                  </m:oMathPara>
+                </a14:m>
+                <a:endParaRPr lang="en-GB" sz="1400" dirty="0">
+                  <a:solidFill>
+                    <a:schemeClr val="tx1"/>
+                  </a:solidFill>
+                </a:endParaRPr>
+              </a:p>
+            </p:txBody>
+          </p:sp>
+        </mc:Choice>
+        <mc:Fallback>
+          <p:sp>
+            <p:nvSpPr>
+              <p:cNvPr id="53" name="Oval 52"/>
+              <p:cNvSpPr>
+                <a:spLocks noRot="1" noChangeAspect="1" noMove="1" noResize="1" noEditPoints="1" noAdjustHandles="1" noChangeArrowheads="1" noChangeShapeType="1" noTextEdit="1"/>
+              </p:cNvSpPr>
+              <p:nvPr/>
+            </p:nvSpPr>
+            <p:spPr>
+              <a:xfrm>
+                <a:off x="3595762" y="1018910"/>
+                <a:ext cx="414279" cy="414279"/>
+              </a:xfrm>
+              <a:prstGeom prst="ellipse">
+                <a:avLst/>
+              </a:prstGeom>
+              <a:blipFill rotWithShape="1">
+                <a:blip r:embed="rId10"/>
+                <a:stretch>
+                  <a:fillRect l="-5714"/>
+                </a:stretch>
+              </a:blipFill>
+              <a:ln w="12700">
+                <a:solidFill>
+                  <a:schemeClr val="tx1"/>
+                </a:solidFill>
+              </a:ln>
+            </p:spPr>
+            <p:txBody>
+              <a:bodyPr/>
+              <a:lstStyle/>
+              <a:p>
+                <a:r>
+                  <a:rPr lang="en-GB">
+                    <a:noFill/>
+                  </a:rPr>
+                  <a:t> </a:t>
+                </a:r>
+              </a:p>
+            </p:txBody>
+          </p:sp>
+        </mc:Fallback>
+      </mc:AlternateContent>
+      <mc:AlternateContent xmlns:mc="http://schemas.openxmlformats.org/markup-compatibility/2006">
+        <mc:Choice xmlns:a14="http://schemas.microsoft.com/office/drawing/2010/main" Requires="a14">
+          <p:sp>
+            <p:nvSpPr>
+              <p:cNvPr id="54" name="Oval 53"/>
+              <p:cNvSpPr>
+                <a:spLocks noChangeAspect="1"/>
+              </p:cNvSpPr>
+              <p:nvPr/>
+            </p:nvSpPr>
+            <p:spPr>
+              <a:xfrm>
+                <a:off x="5462699" y="1018909"/>
+                <a:ext cx="414279" cy="414279"/>
+              </a:xfrm>
+              <a:prstGeom prst="ellipse">
+                <a:avLst/>
+              </a:prstGeom>
+              <a:solidFill>
+                <a:schemeClr val="accent1">
+                  <a:lumMod val="20000"/>
+                  <a:lumOff val="80000"/>
+                </a:schemeClr>
+              </a:solidFill>
+              <a:ln w="12700">
+                <a:solidFill>
+                  <a:schemeClr val="tx1"/>
+                </a:solidFill>
+              </a:ln>
+            </p:spPr>
+            <p:style>
+              <a:lnRef idx="2">
+                <a:schemeClr val="accent1">
+                  <a:shade val="50000"/>
+                </a:schemeClr>
+              </a:lnRef>
+              <a:fillRef idx="1">
+                <a:schemeClr val="accent1"/>
+              </a:fillRef>
+              <a:effectRef idx="0">
+                <a:schemeClr val="accent1"/>
+              </a:effectRef>
+              <a:fontRef idx="minor">
+                <a:schemeClr val="lt1"/>
+              </a:fontRef>
+            </p:style>
+            <p:txBody>
+              <a:bodyPr rtlCol="0" anchor="ctr"/>
+              <a:lstStyle/>
+              <a:p>
+                <a:pPr algn="ctr"/>
+                <a14:m>
+                  <m:oMathPara xmlns:m="http://schemas.openxmlformats.org/officeDocument/2006/math">
+                    <m:oMathParaPr>
+                      <m:jc m:val="centerGroup"/>
+                    </m:oMathParaPr>
+                    <m:oMath xmlns:m="http://schemas.openxmlformats.org/officeDocument/2006/math">
+                      <m:sSub>
+                        <m:sSubPr>
+                          <m:ctrlPr>
+                            <a:rPr lang="en-GB" sz="1400" i="1" smtClean="0">
+                              <a:solidFill>
+                                <a:schemeClr val="tx1"/>
+                              </a:solidFill>
+                              <a:latin typeface="Cambria Math"/>
+                            </a:rPr>
+                          </m:ctrlPr>
+                        </m:sSubPr>
+                        <m:e>
+                          <m:r>
+                            <a:rPr lang="pl-PL" sz="1400" b="0" i="1" smtClean="0">
+                              <a:solidFill>
+                                <a:schemeClr val="tx1"/>
+                              </a:solidFill>
+                              <a:latin typeface="Cambria Math"/>
+                            </a:rPr>
+                            <m:t> </m:t>
+                          </m:r>
+                          <m:r>
+                            <a:rPr lang="pl-PL" sz="1400" b="0" i="1" smtClean="0">
+                              <a:solidFill>
+                                <a:schemeClr val="tx1"/>
+                              </a:solidFill>
+                              <a:latin typeface="Cambria Math"/>
+                            </a:rPr>
+                            <m:t>𝑝</m:t>
+                          </m:r>
+                        </m:e>
+                        <m:sub>
+                          <m:r>
+                            <a:rPr lang="pl-PL" sz="1400" b="0" i="1" smtClean="0">
+                              <a:solidFill>
+                                <a:schemeClr val="tx1"/>
+                              </a:solidFill>
+                              <a:latin typeface="Cambria Math"/>
+                            </a:rPr>
+                            <m:t>1_</m:t>
+                          </m:r>
+                          <m:r>
+                            <a:rPr lang="pl-PL" sz="1400" b="0" i="1" smtClean="0">
+                              <a:solidFill>
+                                <a:schemeClr val="tx1"/>
+                              </a:solidFill>
+                              <a:latin typeface="Cambria Math"/>
+                            </a:rPr>
+                            <m:t>𝑡</m:t>
+                          </m:r>
+                          <m:r>
+                            <a:rPr lang="pl-PL" sz="1400" b="0" i="1" smtClean="0">
+                              <a:solidFill>
+                                <a:schemeClr val="tx1"/>
+                              </a:solidFill>
+                              <a:latin typeface="Cambria Math"/>
+                            </a:rPr>
+                            <m:t>2</m:t>
+                          </m:r>
+                        </m:sub>
+                      </m:sSub>
+                    </m:oMath>
+                  </m:oMathPara>
+                </a14:m>
+                <a:endParaRPr lang="en-GB" sz="1400" dirty="0">
+                  <a:solidFill>
+                    <a:schemeClr val="tx1"/>
+                  </a:solidFill>
+                </a:endParaRPr>
+              </a:p>
+            </p:txBody>
+          </p:sp>
+        </mc:Choice>
+        <mc:Fallback>
+          <p:sp>
+            <p:nvSpPr>
+              <p:cNvPr id="54" name="Oval 53"/>
+              <p:cNvSpPr>
+                <a:spLocks noRot="1" noChangeAspect="1" noMove="1" noResize="1" noEditPoints="1" noAdjustHandles="1" noChangeArrowheads="1" noChangeShapeType="1" noTextEdit="1"/>
+              </p:cNvSpPr>
+              <p:nvPr/>
+            </p:nvSpPr>
+            <p:spPr>
+              <a:xfrm>
+                <a:off x="5462699" y="1018909"/>
+                <a:ext cx="414279" cy="414279"/>
+              </a:xfrm>
+              <a:prstGeom prst="ellipse">
+                <a:avLst/>
+              </a:prstGeom>
+              <a:blipFill rotWithShape="1">
+                <a:blip r:embed="rId11"/>
+                <a:stretch>
+                  <a:fillRect l="-5714"/>
+                </a:stretch>
+              </a:blipFill>
+              <a:ln w="12700">
+                <a:solidFill>
+                  <a:schemeClr val="tx1"/>
+                </a:solidFill>
+              </a:ln>
+            </p:spPr>
+            <p:txBody>
+              <a:bodyPr/>
+              <a:lstStyle/>
+              <a:p>
+                <a:r>
+                  <a:rPr lang="en-GB">
+                    <a:noFill/>
+                  </a:rPr>
+                  <a:t> </a:t>
+                </a:r>
+              </a:p>
+            </p:txBody>
+          </p:sp>
+        </mc:Fallback>
+      </mc:AlternateContent>
+      <p:cxnSp>
+        <p:nvCxnSpPr>
+          <p:cNvPr id="55" name="Straight Arrow Connector 54"/>
+          <p:cNvCxnSpPr>
+            <a:stCxn id="19" idx="4"/>
+            <a:endCxn id="53" idx="0"/>
+          </p:cNvCxnSpPr>
+          <p:nvPr/>
+        </p:nvCxnSpPr>
+        <p:spPr>
+          <a:xfrm>
+            <a:off x="3802902" y="764685"/>
+            <a:ext cx="0" cy="254225"/>
+          </a:xfrm>
+          <a:prstGeom prst="straightConnector1">
+            <a:avLst/>
+          </a:prstGeom>
+          <a:ln w="12700">
+            <a:solidFill>
+              <a:schemeClr val="tx1"/>
+            </a:solidFill>
+            <a:tailEnd type="arrow"/>
+          </a:ln>
+        </p:spPr>
+        <p:style>
+          <a:lnRef idx="1">
+            <a:schemeClr val="accent1"/>
+          </a:lnRef>
+          <a:fillRef idx="0">
+            <a:schemeClr val="accent1"/>
+          </a:fillRef>
+          <a:effectRef idx="0">
+            <a:schemeClr val="accent1"/>
+          </a:effectRef>
+          <a:fontRef idx="minor">
+            <a:schemeClr val="tx1"/>
+          </a:fontRef>
+        </p:style>
+      </p:cxnSp>
+      <p:cxnSp>
+        <p:nvCxnSpPr>
+          <p:cNvPr id="58" name="Straight Arrow Connector 57"/>
+          <p:cNvCxnSpPr>
+            <a:stCxn id="20" idx="4"/>
+            <a:endCxn id="54" idx="0"/>
+          </p:cNvCxnSpPr>
+          <p:nvPr/>
+        </p:nvCxnSpPr>
+        <p:spPr>
+          <a:xfrm flipH="1">
+            <a:off x="5669839" y="764685"/>
+            <a:ext cx="9389" cy="254224"/>
+          </a:xfrm>
+          <a:prstGeom prst="straightConnector1">
+            <a:avLst/>
+          </a:prstGeom>
+          <a:ln w="12700">
+            <a:solidFill>
+              <a:schemeClr val="tx1"/>
+            </a:solidFill>
+            <a:tailEnd type="arrow"/>
+          </a:ln>
+        </p:spPr>
+        <p:style>
+          <a:lnRef idx="1">
+            <a:schemeClr val="accent1"/>
+          </a:lnRef>
+          <a:fillRef idx="0">
+            <a:schemeClr val="accent1"/>
+          </a:fillRef>
+          <a:effectRef idx="0">
+            <a:schemeClr val="accent1"/>
+          </a:effectRef>
+          <a:fontRef idx="minor">
+            <a:schemeClr val="tx1"/>
+          </a:fontRef>
+        </p:style>
+      </p:cxnSp>
+      <p:cxnSp>
+        <p:nvCxnSpPr>
+          <p:cNvPr id="61" name="Straight Arrow Connector 60"/>
+          <p:cNvCxnSpPr>
+            <a:stCxn id="62" idx="6"/>
+            <a:endCxn id="63" idx="2"/>
+          </p:cNvCxnSpPr>
+          <p:nvPr/>
+        </p:nvCxnSpPr>
+        <p:spPr>
+          <a:xfrm>
+            <a:off x="2772288" y="2244984"/>
+            <a:ext cx="823474" cy="0"/>
+          </a:xfrm>
+          <a:prstGeom prst="straightConnector1">
+            <a:avLst/>
+          </a:prstGeom>
+          <a:ln w="12700">
+            <a:solidFill>
+              <a:schemeClr val="tx1"/>
+            </a:solidFill>
+            <a:tailEnd type="arrow"/>
+          </a:ln>
+        </p:spPr>
+        <p:style>
+          <a:lnRef idx="1">
+            <a:schemeClr val="accent1"/>
+          </a:lnRef>
+          <a:fillRef idx="0">
+            <a:schemeClr val="accent1"/>
+          </a:fillRef>
+          <a:effectRef idx="0">
+            <a:schemeClr val="accent1"/>
+          </a:effectRef>
+          <a:fontRef idx="minor">
+            <a:schemeClr val="tx1"/>
+          </a:fontRef>
+        </p:style>
+      </p:cxnSp>
+      <mc:AlternateContent xmlns:mc="http://schemas.openxmlformats.org/markup-compatibility/2006">
+        <mc:Choice xmlns:a14="http://schemas.microsoft.com/office/drawing/2010/main" Requires="a14">
+          <p:sp>
+            <p:nvSpPr>
+              <p:cNvPr id="62" name="Oval 61"/>
+              <p:cNvSpPr>
+                <a:spLocks noChangeAspect="1"/>
+              </p:cNvSpPr>
+              <p:nvPr/>
+            </p:nvSpPr>
+            <p:spPr>
+              <a:xfrm>
+                <a:off x="2358009" y="2037844"/>
+                <a:ext cx="414279" cy="414279"/>
+              </a:xfrm>
+              <a:prstGeom prst="ellipse">
+                <a:avLst/>
+              </a:prstGeom>
+              <a:solidFill>
+                <a:schemeClr val="accent1">
+                  <a:lumMod val="20000"/>
+                  <a:lumOff val="80000"/>
+                </a:schemeClr>
+              </a:solidFill>
+              <a:ln w="12700">
+                <a:solidFill>
+                  <a:schemeClr val="tx1"/>
+                </a:solidFill>
+              </a:ln>
+            </p:spPr>
+            <p:style>
+              <a:lnRef idx="2">
+                <a:schemeClr val="accent1">
+                  <a:shade val="50000"/>
+                </a:schemeClr>
+              </a:lnRef>
+              <a:fillRef idx="1">
+                <a:schemeClr val="accent1"/>
+              </a:fillRef>
+              <a:effectRef idx="0">
+                <a:schemeClr val="accent1"/>
+              </a:effectRef>
+              <a:fontRef idx="minor">
+                <a:schemeClr val="lt1"/>
+              </a:fontRef>
+            </p:style>
+            <p:txBody>
+              <a:bodyPr rtlCol="0" anchor="ctr"/>
+              <a:lstStyle/>
+              <a:p>
+                <a:pPr algn="ctr"/>
+                <a14:m>
+                  <m:oMathPara xmlns:m="http://schemas.openxmlformats.org/officeDocument/2006/math">
+                    <m:oMathParaPr>
+                      <m:jc m:val="centerGroup"/>
+                    </m:oMathParaPr>
+                    <m:oMath xmlns:m="http://schemas.openxmlformats.org/officeDocument/2006/math">
+                      <m:sSub>
+                        <m:sSubPr>
+                          <m:ctrlPr>
+                            <a:rPr lang="en-GB" sz="1400" i="1" smtClean="0">
+                              <a:solidFill>
+                                <a:schemeClr val="tx1"/>
+                              </a:solidFill>
+                              <a:latin typeface="Cambria Math"/>
+                            </a:rPr>
+                          </m:ctrlPr>
+                        </m:sSubPr>
+                        <m:e>
+                          <m:r>
+                            <a:rPr lang="pl-PL" sz="1400" b="0" i="1" smtClean="0">
+                              <a:solidFill>
+                                <a:schemeClr val="tx1"/>
+                              </a:solidFill>
+                              <a:latin typeface="Cambria Math"/>
+                            </a:rPr>
+                            <m:t> </m:t>
+                          </m:r>
+                          <m:r>
+                            <a:rPr lang="pl-PL" sz="1400" b="0" i="1" smtClean="0">
+                              <a:solidFill>
+                                <a:schemeClr val="tx1"/>
+                              </a:solidFill>
+                              <a:latin typeface="Cambria Math"/>
+                            </a:rPr>
+                            <m:t>𝑠</m:t>
+                          </m:r>
+                        </m:e>
+                        <m:sub>
+                          <m:r>
+                            <a:rPr lang="pl-PL" sz="1400" b="0" i="1" smtClean="0">
+                              <a:solidFill>
+                                <a:schemeClr val="tx1"/>
+                              </a:solidFill>
+                              <a:latin typeface="Cambria Math"/>
+                            </a:rPr>
+                            <m:t>2_</m:t>
+                          </m:r>
+                          <m:r>
+                            <a:rPr lang="pl-PL" sz="1400" b="0" i="1" smtClean="0">
+                              <a:solidFill>
+                                <a:schemeClr val="tx1"/>
+                              </a:solidFill>
+                              <a:latin typeface="Cambria Math"/>
+                            </a:rPr>
+                            <m:t>𝑡</m:t>
+                          </m:r>
+                          <m:r>
+                            <a:rPr lang="pl-PL" sz="1400" b="0" i="1" smtClean="0">
+                              <a:solidFill>
+                                <a:schemeClr val="tx1"/>
+                              </a:solidFill>
+                              <a:latin typeface="Cambria Math"/>
+                            </a:rPr>
+                            <m:t>0</m:t>
+                          </m:r>
+                        </m:sub>
+                      </m:sSub>
+                    </m:oMath>
+                  </m:oMathPara>
+                </a14:m>
+                <a:endParaRPr lang="en-GB" sz="1400" dirty="0">
+                  <a:solidFill>
+                    <a:schemeClr val="tx1"/>
+                  </a:solidFill>
+                </a:endParaRPr>
+              </a:p>
+            </p:txBody>
+          </p:sp>
+        </mc:Choice>
+        <mc:Fallback>
+          <p:sp>
+            <p:nvSpPr>
+              <p:cNvPr id="62" name="Oval 61"/>
+              <p:cNvSpPr>
+                <a:spLocks noRot="1" noChangeAspect="1" noMove="1" noResize="1" noEditPoints="1" noAdjustHandles="1" noChangeArrowheads="1" noChangeShapeType="1" noTextEdit="1"/>
+              </p:cNvSpPr>
+              <p:nvPr/>
+            </p:nvSpPr>
+            <p:spPr>
+              <a:xfrm>
+                <a:off x="2358009" y="2037844"/>
+                <a:ext cx="414279" cy="414279"/>
+              </a:xfrm>
+              <a:prstGeom prst="ellipse">
+                <a:avLst/>
+              </a:prstGeom>
+              <a:blipFill rotWithShape="1">
+                <a:blip r:embed="rId12"/>
+                <a:stretch>
+                  <a:fillRect/>
+                </a:stretch>
+              </a:blipFill>
+              <a:ln w="12700">
+                <a:solidFill>
+                  <a:schemeClr val="tx1"/>
+                </a:solidFill>
+              </a:ln>
+            </p:spPr>
+            <p:txBody>
+              <a:bodyPr/>
+              <a:lstStyle/>
+              <a:p>
+                <a:r>
+                  <a:rPr lang="en-GB">
+                    <a:noFill/>
+                  </a:rPr>
+                  <a:t> </a:t>
+                </a:r>
+              </a:p>
+            </p:txBody>
+          </p:sp>
+        </mc:Fallback>
+      </mc:AlternateContent>
+      <mc:AlternateContent xmlns:mc="http://schemas.openxmlformats.org/markup-compatibility/2006">
+        <mc:Choice xmlns:a14="http://schemas.microsoft.com/office/drawing/2010/main" Requires="a14">
+          <p:sp>
+            <p:nvSpPr>
+              <p:cNvPr id="63" name="Oval 62"/>
+              <p:cNvSpPr>
+                <a:spLocks noChangeAspect="1"/>
+              </p:cNvSpPr>
+              <p:nvPr/>
+            </p:nvSpPr>
+            <p:spPr>
+              <a:xfrm>
+                <a:off x="3595762" y="2037844"/>
+                <a:ext cx="414279" cy="414279"/>
+              </a:xfrm>
+              <a:prstGeom prst="ellipse">
+                <a:avLst/>
+              </a:prstGeom>
+              <a:solidFill>
+                <a:schemeClr val="accent1">
+                  <a:lumMod val="20000"/>
+                  <a:lumOff val="80000"/>
+                </a:schemeClr>
+              </a:solidFill>
+              <a:ln w="12700">
+                <a:solidFill>
+                  <a:schemeClr val="tx1"/>
+                </a:solidFill>
+              </a:ln>
+            </p:spPr>
+            <p:style>
+              <a:lnRef idx="2">
+                <a:schemeClr val="accent1">
+                  <a:shade val="50000"/>
+                </a:schemeClr>
+              </a:lnRef>
+              <a:fillRef idx="1">
+                <a:schemeClr val="accent1"/>
+              </a:fillRef>
+              <a:effectRef idx="0">
+                <a:schemeClr val="accent1"/>
+              </a:effectRef>
+              <a:fontRef idx="minor">
+                <a:schemeClr val="lt1"/>
+              </a:fontRef>
+            </p:style>
+            <p:txBody>
+              <a:bodyPr rtlCol="0" anchor="ctr"/>
+              <a:lstStyle/>
+              <a:p>
+                <a:pPr algn="ctr"/>
+                <a14:m>
+                  <m:oMathPara xmlns:m="http://schemas.openxmlformats.org/officeDocument/2006/math">
+                    <m:oMathParaPr>
+                      <m:jc m:val="centerGroup"/>
+                    </m:oMathParaPr>
+                    <m:oMath xmlns:m="http://schemas.openxmlformats.org/officeDocument/2006/math">
+                      <m:sSub>
+                        <m:sSubPr>
+                          <m:ctrlPr>
+                            <a:rPr lang="en-GB" sz="1400" i="1" smtClean="0">
+                              <a:solidFill>
+                                <a:schemeClr val="tx1"/>
+                              </a:solidFill>
+                              <a:latin typeface="Cambria Math"/>
+                            </a:rPr>
+                          </m:ctrlPr>
+                        </m:sSubPr>
+                        <m:e>
+                          <m:r>
+                            <a:rPr lang="pl-PL" sz="1400" b="0" i="1" smtClean="0">
+                              <a:solidFill>
+                                <a:schemeClr val="tx1"/>
+                              </a:solidFill>
+                              <a:latin typeface="Cambria Math"/>
+                            </a:rPr>
+                            <m:t> </m:t>
+                          </m:r>
+                          <m:r>
+                            <a:rPr lang="pl-PL" sz="1400" b="0" i="1" smtClean="0">
+                              <a:solidFill>
+                                <a:schemeClr val="tx1"/>
+                              </a:solidFill>
+                              <a:latin typeface="Cambria Math"/>
+                            </a:rPr>
+                            <m:t>𝑠</m:t>
+                          </m:r>
+                        </m:e>
+                        <m:sub>
+                          <m:r>
+                            <a:rPr lang="pl-PL" sz="1400" b="0" i="1" smtClean="0">
+                              <a:solidFill>
+                                <a:schemeClr val="tx1"/>
+                              </a:solidFill>
+                              <a:latin typeface="Cambria Math"/>
+                            </a:rPr>
+                            <m:t>2_</m:t>
+                          </m:r>
+                          <m:r>
+                            <a:rPr lang="pl-PL" sz="1400" b="0" i="1" smtClean="0">
+                              <a:solidFill>
+                                <a:schemeClr val="tx1"/>
+                              </a:solidFill>
+                              <a:latin typeface="Cambria Math"/>
+                            </a:rPr>
+                            <m:t>𝑡</m:t>
+                          </m:r>
+                          <m:r>
+                            <a:rPr lang="pl-PL" sz="1400" b="0" i="1" smtClean="0">
+                              <a:solidFill>
+                                <a:schemeClr val="tx1"/>
+                              </a:solidFill>
+                              <a:latin typeface="Cambria Math"/>
+                            </a:rPr>
+                            <m:t>1</m:t>
+                          </m:r>
+                        </m:sub>
+                      </m:sSub>
+                    </m:oMath>
+                  </m:oMathPara>
+                </a14:m>
+                <a:endParaRPr lang="en-GB" sz="1400" dirty="0">
+                  <a:solidFill>
+                    <a:schemeClr val="tx1"/>
+                  </a:solidFill>
+                </a:endParaRPr>
+              </a:p>
+            </p:txBody>
+          </p:sp>
+        </mc:Choice>
+        <mc:Fallback>
+          <p:sp>
+            <p:nvSpPr>
+              <p:cNvPr id="63" name="Oval 62"/>
+              <p:cNvSpPr>
+                <a:spLocks noRot="1" noChangeAspect="1" noMove="1" noResize="1" noEditPoints="1" noAdjustHandles="1" noChangeArrowheads="1" noChangeShapeType="1" noTextEdit="1"/>
+              </p:cNvSpPr>
+              <p:nvPr/>
+            </p:nvSpPr>
+            <p:spPr>
+              <a:xfrm>
+                <a:off x="3595762" y="2037844"/>
+                <a:ext cx="414279" cy="414279"/>
+              </a:xfrm>
+              <a:prstGeom prst="ellipse">
+                <a:avLst/>
+              </a:prstGeom>
+              <a:blipFill rotWithShape="1">
+                <a:blip r:embed="rId13"/>
+                <a:stretch>
+                  <a:fillRect/>
+                </a:stretch>
+              </a:blipFill>
+              <a:ln w="12700">
+                <a:solidFill>
+                  <a:schemeClr val="tx1"/>
+                </a:solidFill>
+              </a:ln>
+            </p:spPr>
+            <p:txBody>
+              <a:bodyPr/>
+              <a:lstStyle/>
+              <a:p>
+                <a:r>
+                  <a:rPr lang="en-GB">
+                    <a:noFill/>
+                  </a:rPr>
+                  <a:t> </a:t>
+                </a:r>
+              </a:p>
+            </p:txBody>
+          </p:sp>
+        </mc:Fallback>
+      </mc:AlternateContent>
+      <mc:AlternateContent xmlns:mc="http://schemas.openxmlformats.org/markup-compatibility/2006">
+        <mc:Choice xmlns:a14="http://schemas.microsoft.com/office/drawing/2010/main" Requires="a14">
+          <p:sp>
+            <p:nvSpPr>
+              <p:cNvPr id="64" name="Oval 63"/>
+              <p:cNvSpPr>
+                <a:spLocks noChangeAspect="1"/>
+              </p:cNvSpPr>
+              <p:nvPr/>
+            </p:nvSpPr>
+            <p:spPr>
+              <a:xfrm>
+                <a:off x="5472088" y="2037844"/>
+                <a:ext cx="414279" cy="414279"/>
+              </a:xfrm>
+              <a:prstGeom prst="ellipse">
+                <a:avLst/>
+              </a:prstGeom>
+              <a:solidFill>
+                <a:schemeClr val="accent1">
+                  <a:lumMod val="20000"/>
+                  <a:lumOff val="80000"/>
+                </a:schemeClr>
+              </a:solidFill>
+              <a:ln w="12700">
+                <a:solidFill>
+                  <a:schemeClr val="tx1"/>
+                </a:solidFill>
+              </a:ln>
+            </p:spPr>
+            <p:style>
+              <a:lnRef idx="2">
+                <a:schemeClr val="accent1">
+                  <a:shade val="50000"/>
+                </a:schemeClr>
+              </a:lnRef>
+              <a:fillRef idx="1">
+                <a:schemeClr val="accent1"/>
+              </a:fillRef>
+              <a:effectRef idx="0">
+                <a:schemeClr val="accent1"/>
+              </a:effectRef>
+              <a:fontRef idx="minor">
+                <a:schemeClr val="lt1"/>
+              </a:fontRef>
+            </p:style>
+            <p:txBody>
+              <a:bodyPr rtlCol="0" anchor="ctr"/>
+              <a:lstStyle/>
+              <a:p>
+                <a:pPr algn="ctr"/>
+                <a14:m>
+                  <m:oMathPara xmlns:m="http://schemas.openxmlformats.org/officeDocument/2006/math">
+                    <m:oMathParaPr>
+                      <m:jc m:val="centerGroup"/>
+                    </m:oMathParaPr>
+                    <m:oMath xmlns:m="http://schemas.openxmlformats.org/officeDocument/2006/math">
+                      <m:sSub>
+                        <m:sSubPr>
+                          <m:ctrlPr>
+                            <a:rPr lang="en-GB" sz="1400" i="1" smtClean="0">
+                              <a:solidFill>
+                                <a:schemeClr val="tx1"/>
+                              </a:solidFill>
+                              <a:latin typeface="Cambria Math"/>
+                            </a:rPr>
+                          </m:ctrlPr>
+                        </m:sSubPr>
+                        <m:e>
+                          <m:r>
+                            <a:rPr lang="pl-PL" sz="1400" b="0" i="1" smtClean="0">
+                              <a:solidFill>
+                                <a:schemeClr val="tx1"/>
+                              </a:solidFill>
+                              <a:latin typeface="Cambria Math"/>
+                            </a:rPr>
+                            <m:t> </m:t>
+                          </m:r>
+                          <m:r>
+                            <a:rPr lang="pl-PL" sz="1400" b="0" i="1" smtClean="0">
+                              <a:solidFill>
+                                <a:schemeClr val="tx1"/>
+                              </a:solidFill>
+                              <a:latin typeface="Cambria Math"/>
+                            </a:rPr>
+                            <m:t>𝑠</m:t>
+                          </m:r>
+                        </m:e>
+                        <m:sub>
+                          <m:r>
+                            <a:rPr lang="pl-PL" sz="1400" b="0" i="1" smtClean="0">
+                              <a:solidFill>
+                                <a:schemeClr val="tx1"/>
+                              </a:solidFill>
+                              <a:latin typeface="Cambria Math"/>
+                            </a:rPr>
+                            <m:t>2_</m:t>
+                          </m:r>
+                          <m:r>
+                            <a:rPr lang="pl-PL" sz="1400" b="0" i="1" smtClean="0">
+                              <a:solidFill>
+                                <a:schemeClr val="tx1"/>
+                              </a:solidFill>
+                              <a:latin typeface="Cambria Math"/>
+                            </a:rPr>
+                            <m:t>𝑡</m:t>
+                          </m:r>
+                          <m:r>
+                            <a:rPr lang="pl-PL" sz="1400" b="0" i="1" smtClean="0">
+                              <a:solidFill>
+                                <a:schemeClr val="tx1"/>
+                              </a:solidFill>
+                              <a:latin typeface="Cambria Math"/>
+                            </a:rPr>
+                            <m:t>2</m:t>
+                          </m:r>
+                        </m:sub>
+                      </m:sSub>
+                    </m:oMath>
+                  </m:oMathPara>
+                </a14:m>
+                <a:endParaRPr lang="en-GB" sz="1400" dirty="0">
+                  <a:solidFill>
+                    <a:schemeClr val="tx1"/>
+                  </a:solidFill>
+                </a:endParaRPr>
+              </a:p>
+            </p:txBody>
+          </p:sp>
+        </mc:Choice>
+        <mc:Fallback>
+          <p:sp>
+            <p:nvSpPr>
+              <p:cNvPr id="64" name="Oval 63"/>
+              <p:cNvSpPr>
+                <a:spLocks noRot="1" noChangeAspect="1" noMove="1" noResize="1" noEditPoints="1" noAdjustHandles="1" noChangeArrowheads="1" noChangeShapeType="1" noTextEdit="1"/>
+              </p:cNvSpPr>
+              <p:nvPr/>
+            </p:nvSpPr>
+            <p:spPr>
+              <a:xfrm>
+                <a:off x="5472088" y="2037844"/>
+                <a:ext cx="414279" cy="414279"/>
+              </a:xfrm>
+              <a:prstGeom prst="ellipse">
+                <a:avLst/>
+              </a:prstGeom>
+              <a:blipFill rotWithShape="1">
+                <a:blip r:embed="rId14"/>
+                <a:stretch>
+                  <a:fillRect/>
+                </a:stretch>
+              </a:blipFill>
+              <a:ln w="12700">
+                <a:solidFill>
+                  <a:schemeClr val="tx1"/>
+                </a:solidFill>
+              </a:ln>
+            </p:spPr>
+            <p:txBody>
+              <a:bodyPr/>
+              <a:lstStyle/>
+              <a:p>
+                <a:r>
+                  <a:rPr lang="en-GB">
+                    <a:noFill/>
+                  </a:rPr>
+                  <a:t> </a:t>
+                </a:r>
+              </a:p>
+            </p:txBody>
+          </p:sp>
+        </mc:Fallback>
+      </mc:AlternateContent>
+      <p:cxnSp>
+        <p:nvCxnSpPr>
+          <p:cNvPr id="65" name="Straight Arrow Connector 64"/>
+          <p:cNvCxnSpPr>
+            <a:stCxn id="63" idx="6"/>
+            <a:endCxn id="64" idx="2"/>
+          </p:cNvCxnSpPr>
+          <p:nvPr/>
+        </p:nvCxnSpPr>
+        <p:spPr>
+          <a:xfrm>
+            <a:off x="4010041" y="2244984"/>
+            <a:ext cx="1462047" cy="0"/>
+          </a:xfrm>
+          <a:prstGeom prst="straightConnector1">
+            <a:avLst/>
+          </a:prstGeom>
+          <a:ln w="12700">
+            <a:solidFill>
+              <a:schemeClr val="tx1"/>
+            </a:solidFill>
+            <a:tailEnd type="arrow"/>
+          </a:ln>
+        </p:spPr>
+        <p:style>
+          <a:lnRef idx="1">
+            <a:schemeClr val="accent1"/>
+          </a:lnRef>
+          <a:fillRef idx="0">
+            <a:schemeClr val="accent1"/>
+          </a:fillRef>
+          <a:effectRef idx="0">
+            <a:schemeClr val="accent1"/>
+          </a:effectRef>
+          <a:fontRef idx="minor">
+            <a:schemeClr val="tx1"/>
+          </a:fontRef>
+        </p:style>
+      </p:cxnSp>
+      <mc:AlternateContent xmlns:mc="http://schemas.openxmlformats.org/markup-compatibility/2006">
+        <mc:Choice xmlns:a14="http://schemas.microsoft.com/office/drawing/2010/main" Requires="a14">
+          <p:sp>
+            <p:nvSpPr>
+              <p:cNvPr id="66" name="Oval 65"/>
+              <p:cNvSpPr>
+                <a:spLocks noChangeAspect="1"/>
+              </p:cNvSpPr>
+              <p:nvPr/>
+            </p:nvSpPr>
+            <p:spPr>
+              <a:xfrm>
+                <a:off x="2358009" y="2706348"/>
+                <a:ext cx="414279" cy="414279"/>
+              </a:xfrm>
+              <a:prstGeom prst="ellipse">
+                <a:avLst/>
+              </a:prstGeom>
+              <a:solidFill>
+                <a:schemeClr val="accent1">
+                  <a:lumMod val="20000"/>
+                  <a:lumOff val="80000"/>
+                </a:schemeClr>
+              </a:solidFill>
+              <a:ln w="12700">
+                <a:solidFill>
+                  <a:schemeClr val="tx1"/>
+                </a:solidFill>
+              </a:ln>
+            </p:spPr>
+            <p:style>
+              <a:lnRef idx="2">
+                <a:schemeClr val="accent1">
+                  <a:shade val="50000"/>
+                </a:schemeClr>
+              </a:lnRef>
+              <a:fillRef idx="1">
+                <a:schemeClr val="accent1"/>
+              </a:fillRef>
+              <a:effectRef idx="0">
+                <a:schemeClr val="accent1"/>
+              </a:effectRef>
+              <a:fontRef idx="minor">
+                <a:schemeClr val="lt1"/>
+              </a:fontRef>
+            </p:style>
+            <p:txBody>
+              <a:bodyPr rtlCol="0" anchor="ctr"/>
+              <a:lstStyle/>
+              <a:p>
+                <a:pPr algn="ctr"/>
+                <a14:m>
+                  <m:oMathPara xmlns:m="http://schemas.openxmlformats.org/officeDocument/2006/math">
+                    <m:oMathParaPr>
+                      <m:jc m:val="centerGroup"/>
+                    </m:oMathParaPr>
+                    <m:oMath xmlns:m="http://schemas.openxmlformats.org/officeDocument/2006/math">
+                      <m:sSub>
+                        <m:sSubPr>
+                          <m:ctrlPr>
+                            <a:rPr lang="en-GB" sz="1400" i="1" smtClean="0">
+                              <a:solidFill>
+                                <a:schemeClr val="tx1"/>
+                              </a:solidFill>
+                              <a:latin typeface="Cambria Math"/>
+                            </a:rPr>
+                          </m:ctrlPr>
+                        </m:sSubPr>
+                        <m:e>
+                          <m:r>
+                            <a:rPr lang="pl-PL" sz="1400" b="0" i="1" smtClean="0">
+                              <a:solidFill>
+                                <a:schemeClr val="tx1"/>
+                              </a:solidFill>
+                              <a:latin typeface="Cambria Math"/>
+                            </a:rPr>
+                            <m:t> </m:t>
+                          </m:r>
+                          <m:r>
+                            <a:rPr lang="pl-PL" sz="1400" b="0" i="1" smtClean="0">
+                              <a:solidFill>
+                                <a:schemeClr val="tx1"/>
+                              </a:solidFill>
+                              <a:latin typeface="Cambria Math"/>
+                            </a:rPr>
+                            <m:t>𝑝</m:t>
+                          </m:r>
+                        </m:e>
+                        <m:sub>
+                          <m:r>
+                            <a:rPr lang="pl-PL" sz="1400" b="0" i="1" smtClean="0">
+                              <a:solidFill>
+                                <a:schemeClr val="tx1"/>
+                              </a:solidFill>
+                              <a:latin typeface="Cambria Math"/>
+                            </a:rPr>
+                            <m:t>2_</m:t>
+                          </m:r>
+                          <m:r>
+                            <a:rPr lang="pl-PL" sz="1400" b="0" i="1" smtClean="0">
+                              <a:solidFill>
+                                <a:schemeClr val="tx1"/>
+                              </a:solidFill>
+                              <a:latin typeface="Cambria Math"/>
+                            </a:rPr>
+                            <m:t>𝑡</m:t>
+                          </m:r>
+                          <m:r>
+                            <a:rPr lang="pl-PL" sz="1400" b="0" i="1" smtClean="0">
+                              <a:solidFill>
+                                <a:schemeClr val="tx1"/>
+                              </a:solidFill>
+                              <a:latin typeface="Cambria Math"/>
+                            </a:rPr>
+                            <m:t>0</m:t>
+                          </m:r>
+                        </m:sub>
+                      </m:sSub>
+                    </m:oMath>
+                  </m:oMathPara>
+                </a14:m>
+                <a:endParaRPr lang="en-GB" sz="1400" dirty="0">
+                  <a:solidFill>
+                    <a:schemeClr val="tx1"/>
+                  </a:solidFill>
+                </a:endParaRPr>
+              </a:p>
+            </p:txBody>
+          </p:sp>
+        </mc:Choice>
+        <mc:Fallback>
+          <p:sp>
+            <p:nvSpPr>
+              <p:cNvPr id="66" name="Oval 65"/>
+              <p:cNvSpPr>
+                <a:spLocks noRot="1" noChangeAspect="1" noMove="1" noResize="1" noEditPoints="1" noAdjustHandles="1" noChangeArrowheads="1" noChangeShapeType="1" noTextEdit="1"/>
+              </p:cNvSpPr>
+              <p:nvPr/>
+            </p:nvSpPr>
+            <p:spPr>
+              <a:xfrm>
+                <a:off x="2358009" y="2706348"/>
+                <a:ext cx="414279" cy="414279"/>
+              </a:xfrm>
+              <a:prstGeom prst="ellipse">
+                <a:avLst/>
+              </a:prstGeom>
+              <a:blipFill rotWithShape="1">
+                <a:blip r:embed="rId15"/>
+                <a:stretch>
+                  <a:fillRect l="-5714"/>
+                </a:stretch>
+              </a:blipFill>
+              <a:ln w="12700">
+                <a:solidFill>
+                  <a:schemeClr val="tx1"/>
+                </a:solidFill>
+              </a:ln>
+            </p:spPr>
+            <p:txBody>
+              <a:bodyPr/>
+              <a:lstStyle/>
+              <a:p>
+                <a:r>
+                  <a:rPr lang="en-GB">
+                    <a:noFill/>
+                  </a:rPr>
+                  <a:t> </a:t>
+                </a:r>
+              </a:p>
+            </p:txBody>
+          </p:sp>
+        </mc:Fallback>
+      </mc:AlternateContent>
+      <p:cxnSp>
+        <p:nvCxnSpPr>
+          <p:cNvPr id="67" name="Straight Arrow Connector 66"/>
+          <p:cNvCxnSpPr>
+            <a:stCxn id="62" idx="4"/>
+            <a:endCxn id="66" idx="0"/>
+          </p:cNvCxnSpPr>
+          <p:nvPr/>
+        </p:nvCxnSpPr>
+        <p:spPr>
+          <a:xfrm>
+            <a:off x="2565149" y="2452123"/>
+            <a:ext cx="0" cy="254225"/>
+          </a:xfrm>
+          <a:prstGeom prst="straightConnector1">
+            <a:avLst/>
+          </a:prstGeom>
+          <a:ln w="12700">
+            <a:solidFill>
+              <a:schemeClr val="tx1"/>
+            </a:solidFill>
+            <a:tailEnd type="arrow"/>
+          </a:ln>
+        </p:spPr>
+        <p:style>
+          <a:lnRef idx="1">
+            <a:schemeClr val="accent1"/>
+          </a:lnRef>
+          <a:fillRef idx="0">
+            <a:schemeClr val="accent1"/>
+          </a:fillRef>
+          <a:effectRef idx="0">
+            <a:schemeClr val="accent1"/>
+          </a:effectRef>
+          <a:fontRef idx="minor">
+            <a:schemeClr val="tx1"/>
+          </a:fontRef>
+        </p:style>
+      </p:cxnSp>
+      <mc:AlternateContent xmlns:mc="http://schemas.openxmlformats.org/markup-compatibility/2006">
+        <mc:Choice xmlns:a14="http://schemas.microsoft.com/office/drawing/2010/main" Requires="a14">
+          <p:sp>
+            <p:nvSpPr>
+              <p:cNvPr id="68" name="Oval 67"/>
+              <p:cNvSpPr>
+                <a:spLocks noChangeAspect="1"/>
+              </p:cNvSpPr>
+              <p:nvPr/>
+            </p:nvSpPr>
+            <p:spPr>
+              <a:xfrm>
+                <a:off x="3595762" y="2706348"/>
+                <a:ext cx="414279" cy="414279"/>
+              </a:xfrm>
+              <a:prstGeom prst="ellipse">
+                <a:avLst/>
+              </a:prstGeom>
+              <a:solidFill>
+                <a:schemeClr val="accent1">
+                  <a:lumMod val="20000"/>
+                  <a:lumOff val="80000"/>
+                </a:schemeClr>
+              </a:solidFill>
+              <a:ln w="12700">
+                <a:solidFill>
+                  <a:schemeClr val="tx1"/>
+                </a:solidFill>
+              </a:ln>
+            </p:spPr>
+            <p:style>
+              <a:lnRef idx="2">
+                <a:schemeClr val="accent1">
+                  <a:shade val="50000"/>
+                </a:schemeClr>
+              </a:lnRef>
+              <a:fillRef idx="1">
+                <a:schemeClr val="accent1"/>
+              </a:fillRef>
+              <a:effectRef idx="0">
+                <a:schemeClr val="accent1"/>
+              </a:effectRef>
+              <a:fontRef idx="minor">
+                <a:schemeClr val="lt1"/>
+              </a:fontRef>
+            </p:style>
+            <p:txBody>
+              <a:bodyPr rtlCol="0" anchor="ctr"/>
+              <a:lstStyle/>
+              <a:p>
+                <a:pPr algn="ctr"/>
+                <a14:m>
+                  <m:oMathPara xmlns:m="http://schemas.openxmlformats.org/officeDocument/2006/math">
+                    <m:oMathParaPr>
+                      <m:jc m:val="centerGroup"/>
+                    </m:oMathParaPr>
+                    <m:oMath xmlns:m="http://schemas.openxmlformats.org/officeDocument/2006/math">
+                      <m:sSub>
+                        <m:sSubPr>
+                          <m:ctrlPr>
+                            <a:rPr lang="en-GB" sz="1400" i="1" smtClean="0">
+                              <a:solidFill>
+                                <a:schemeClr val="tx1"/>
+                              </a:solidFill>
+                              <a:latin typeface="Cambria Math"/>
+                            </a:rPr>
+                          </m:ctrlPr>
+                        </m:sSubPr>
+                        <m:e>
+                          <m:r>
+                            <a:rPr lang="pl-PL" sz="1400" b="0" i="1" smtClean="0">
+                              <a:solidFill>
+                                <a:schemeClr val="tx1"/>
+                              </a:solidFill>
+                              <a:latin typeface="Cambria Math"/>
+                            </a:rPr>
+                            <m:t> </m:t>
+                          </m:r>
+                          <m:r>
+                            <a:rPr lang="pl-PL" sz="1400" b="0" i="1" smtClean="0">
+                              <a:solidFill>
+                                <a:schemeClr val="tx1"/>
+                              </a:solidFill>
+                              <a:latin typeface="Cambria Math"/>
+                            </a:rPr>
+                            <m:t>𝑝</m:t>
+                          </m:r>
+                        </m:e>
+                        <m:sub>
+                          <m:r>
+                            <a:rPr lang="pl-PL" sz="1400" b="0" i="1" smtClean="0">
+                              <a:solidFill>
+                                <a:schemeClr val="tx1"/>
+                              </a:solidFill>
+                              <a:latin typeface="Cambria Math"/>
+                            </a:rPr>
+                            <m:t>2_</m:t>
+                          </m:r>
+                          <m:r>
+                            <a:rPr lang="pl-PL" sz="1400" b="0" i="1" smtClean="0">
+                              <a:solidFill>
+                                <a:schemeClr val="tx1"/>
+                              </a:solidFill>
+                              <a:latin typeface="Cambria Math"/>
+                            </a:rPr>
+                            <m:t>𝑡</m:t>
+                          </m:r>
+                          <m:r>
+                            <a:rPr lang="pl-PL" sz="1400" b="0" i="1" smtClean="0">
+                              <a:solidFill>
+                                <a:schemeClr val="tx1"/>
+                              </a:solidFill>
+                              <a:latin typeface="Cambria Math"/>
+                            </a:rPr>
+                            <m:t>1</m:t>
+                          </m:r>
+                        </m:sub>
+                      </m:sSub>
+                    </m:oMath>
+                  </m:oMathPara>
+                </a14:m>
+                <a:endParaRPr lang="en-GB" sz="1400" dirty="0">
+                  <a:solidFill>
+                    <a:schemeClr val="tx1"/>
+                  </a:solidFill>
+                </a:endParaRPr>
+              </a:p>
+            </p:txBody>
+          </p:sp>
+        </mc:Choice>
+        <mc:Fallback>
+          <p:sp>
+            <p:nvSpPr>
+              <p:cNvPr id="68" name="Oval 67"/>
+              <p:cNvSpPr>
+                <a:spLocks noRot="1" noChangeAspect="1" noMove="1" noResize="1" noEditPoints="1" noAdjustHandles="1" noChangeArrowheads="1" noChangeShapeType="1" noTextEdit="1"/>
+              </p:cNvSpPr>
+              <p:nvPr/>
+            </p:nvSpPr>
+            <p:spPr>
+              <a:xfrm>
+                <a:off x="3595762" y="2706348"/>
+                <a:ext cx="414279" cy="414279"/>
+              </a:xfrm>
+              <a:prstGeom prst="ellipse">
+                <a:avLst/>
+              </a:prstGeom>
+              <a:blipFill rotWithShape="1">
+                <a:blip r:embed="rId16"/>
+                <a:stretch>
+                  <a:fillRect l="-5714"/>
+                </a:stretch>
+              </a:blipFill>
+              <a:ln w="12700">
+                <a:solidFill>
+                  <a:schemeClr val="tx1"/>
+                </a:solidFill>
+              </a:ln>
+            </p:spPr>
+            <p:txBody>
+              <a:bodyPr/>
+              <a:lstStyle/>
+              <a:p>
+                <a:r>
+                  <a:rPr lang="en-GB">
+                    <a:noFill/>
+                  </a:rPr>
+                  <a:t> </a:t>
+                </a:r>
+              </a:p>
+            </p:txBody>
+          </p:sp>
+        </mc:Fallback>
+      </mc:AlternateContent>
+      <mc:AlternateContent xmlns:mc="http://schemas.openxmlformats.org/markup-compatibility/2006">
+        <mc:Choice xmlns:a14="http://schemas.microsoft.com/office/drawing/2010/main" Requires="a14">
+          <p:sp>
+            <p:nvSpPr>
+              <p:cNvPr id="69" name="Oval 68"/>
+              <p:cNvSpPr>
+                <a:spLocks noChangeAspect="1"/>
+              </p:cNvSpPr>
+              <p:nvPr/>
+            </p:nvSpPr>
+            <p:spPr>
+              <a:xfrm>
+                <a:off x="5462699" y="2706347"/>
+                <a:ext cx="414279" cy="414279"/>
+              </a:xfrm>
+              <a:prstGeom prst="ellipse">
+                <a:avLst/>
+              </a:prstGeom>
+              <a:solidFill>
+                <a:schemeClr val="accent1">
+                  <a:lumMod val="20000"/>
+                  <a:lumOff val="80000"/>
+                </a:schemeClr>
+              </a:solidFill>
+              <a:ln w="12700">
+                <a:solidFill>
+                  <a:schemeClr val="tx1"/>
+                </a:solidFill>
+              </a:ln>
+            </p:spPr>
+            <p:style>
+              <a:lnRef idx="2">
+                <a:schemeClr val="accent1">
+                  <a:shade val="50000"/>
+                </a:schemeClr>
+              </a:lnRef>
+              <a:fillRef idx="1">
+                <a:schemeClr val="accent1"/>
+              </a:fillRef>
+              <a:effectRef idx="0">
+                <a:schemeClr val="accent1"/>
+              </a:effectRef>
+              <a:fontRef idx="minor">
+                <a:schemeClr val="lt1"/>
+              </a:fontRef>
+            </p:style>
+            <p:txBody>
+              <a:bodyPr rtlCol="0" anchor="ctr"/>
+              <a:lstStyle/>
+              <a:p>
+                <a:pPr algn="ctr"/>
+                <a14:m>
+                  <m:oMathPara xmlns:m="http://schemas.openxmlformats.org/officeDocument/2006/math">
+                    <m:oMathParaPr>
+                      <m:jc m:val="centerGroup"/>
+                    </m:oMathParaPr>
+                    <m:oMath xmlns:m="http://schemas.openxmlformats.org/officeDocument/2006/math">
+                      <m:sSub>
+                        <m:sSubPr>
+                          <m:ctrlPr>
+                            <a:rPr lang="en-GB" sz="1400" i="1" smtClean="0">
+                              <a:solidFill>
+                                <a:schemeClr val="tx1"/>
+                              </a:solidFill>
+                              <a:latin typeface="Cambria Math"/>
+                            </a:rPr>
+                          </m:ctrlPr>
+                        </m:sSubPr>
+                        <m:e>
+                          <m:r>
+                            <a:rPr lang="pl-PL" sz="1400" b="0" i="1" smtClean="0">
+                              <a:solidFill>
+                                <a:schemeClr val="tx1"/>
+                              </a:solidFill>
+                              <a:latin typeface="Cambria Math"/>
+                            </a:rPr>
+                            <m:t> </m:t>
+                          </m:r>
+                          <m:r>
+                            <a:rPr lang="pl-PL" sz="1400" b="0" i="1" smtClean="0">
+                              <a:solidFill>
+                                <a:schemeClr val="tx1"/>
+                              </a:solidFill>
+                              <a:latin typeface="Cambria Math"/>
+                            </a:rPr>
+                            <m:t>𝑝</m:t>
+                          </m:r>
+                        </m:e>
+                        <m:sub>
+                          <m:r>
+                            <a:rPr lang="pl-PL" sz="1400" b="0" i="1" smtClean="0">
+                              <a:solidFill>
+                                <a:schemeClr val="tx1"/>
+                              </a:solidFill>
+                              <a:latin typeface="Cambria Math"/>
+                            </a:rPr>
+                            <m:t>2_</m:t>
+                          </m:r>
+                          <m:r>
+                            <a:rPr lang="pl-PL" sz="1400" b="0" i="1" smtClean="0">
+                              <a:solidFill>
+                                <a:schemeClr val="tx1"/>
+                              </a:solidFill>
+                              <a:latin typeface="Cambria Math"/>
+                            </a:rPr>
+                            <m:t>𝑡</m:t>
+                          </m:r>
+                          <m:r>
+                            <a:rPr lang="pl-PL" sz="1400" b="0" i="1" smtClean="0">
+                              <a:solidFill>
+                                <a:schemeClr val="tx1"/>
+                              </a:solidFill>
+                              <a:latin typeface="Cambria Math"/>
+                            </a:rPr>
+                            <m:t>2</m:t>
+                          </m:r>
+                        </m:sub>
+                      </m:sSub>
+                    </m:oMath>
+                  </m:oMathPara>
+                </a14:m>
+                <a:endParaRPr lang="en-GB" sz="1400" dirty="0">
+                  <a:solidFill>
+                    <a:schemeClr val="tx1"/>
+                  </a:solidFill>
+                </a:endParaRPr>
+              </a:p>
+            </p:txBody>
+          </p:sp>
+        </mc:Choice>
+        <mc:Fallback>
+          <p:sp>
+            <p:nvSpPr>
+              <p:cNvPr id="69" name="Oval 68"/>
+              <p:cNvSpPr>
+                <a:spLocks noRot="1" noChangeAspect="1" noMove="1" noResize="1" noEditPoints="1" noAdjustHandles="1" noChangeArrowheads="1" noChangeShapeType="1" noTextEdit="1"/>
+              </p:cNvSpPr>
+              <p:nvPr/>
+            </p:nvSpPr>
+            <p:spPr>
+              <a:xfrm>
+                <a:off x="5462699" y="2706347"/>
+                <a:ext cx="414279" cy="414279"/>
+              </a:xfrm>
+              <a:prstGeom prst="ellipse">
+                <a:avLst/>
+              </a:prstGeom>
+              <a:blipFill rotWithShape="1">
+                <a:blip r:embed="rId17"/>
+                <a:stretch>
+                  <a:fillRect l="-5714"/>
+                </a:stretch>
+              </a:blipFill>
+              <a:ln w="12700">
+                <a:solidFill>
+                  <a:schemeClr val="tx1"/>
+                </a:solidFill>
+              </a:ln>
+            </p:spPr>
+            <p:txBody>
+              <a:bodyPr/>
+              <a:lstStyle/>
+              <a:p>
+                <a:r>
+                  <a:rPr lang="en-GB">
+                    <a:noFill/>
+                  </a:rPr>
+                  <a:t> </a:t>
+                </a:r>
+              </a:p>
+            </p:txBody>
+          </p:sp>
+        </mc:Fallback>
+      </mc:AlternateContent>
+      <p:cxnSp>
+        <p:nvCxnSpPr>
+          <p:cNvPr id="70" name="Straight Arrow Connector 69"/>
+          <p:cNvCxnSpPr>
+            <a:stCxn id="63" idx="4"/>
+            <a:endCxn id="68" idx="0"/>
+          </p:cNvCxnSpPr>
+          <p:nvPr/>
+        </p:nvCxnSpPr>
+        <p:spPr>
+          <a:xfrm>
+            <a:off x="3802902" y="2452123"/>
+            <a:ext cx="0" cy="254225"/>
+          </a:xfrm>
+          <a:prstGeom prst="straightConnector1">
+            <a:avLst/>
+          </a:prstGeom>
+          <a:ln w="12700">
+            <a:solidFill>
+              <a:schemeClr val="tx1"/>
+            </a:solidFill>
+            <a:tailEnd type="arrow"/>
+          </a:ln>
+        </p:spPr>
+        <p:style>
+          <a:lnRef idx="1">
+            <a:schemeClr val="accent1"/>
+          </a:lnRef>
+          <a:fillRef idx="0">
+            <a:schemeClr val="accent1"/>
+          </a:fillRef>
+          <a:effectRef idx="0">
+            <a:schemeClr val="accent1"/>
+          </a:effectRef>
+          <a:fontRef idx="minor">
+            <a:schemeClr val="tx1"/>
+          </a:fontRef>
+        </p:style>
+      </p:cxnSp>
+      <p:cxnSp>
+        <p:nvCxnSpPr>
+          <p:cNvPr id="71" name="Straight Arrow Connector 70"/>
+          <p:cNvCxnSpPr>
+            <a:stCxn id="64" idx="4"/>
+            <a:endCxn id="69" idx="0"/>
+          </p:cNvCxnSpPr>
+          <p:nvPr/>
+        </p:nvCxnSpPr>
+        <p:spPr>
+          <a:xfrm flipH="1">
+            <a:off x="5669839" y="2452123"/>
+            <a:ext cx="9389" cy="254224"/>
+          </a:xfrm>
+          <a:prstGeom prst="straightConnector1">
+            <a:avLst/>
+          </a:prstGeom>
+          <a:ln w="12700">
+            <a:solidFill>
+              <a:schemeClr val="tx1"/>
+            </a:solidFill>
+            <a:tailEnd type="arrow"/>
+          </a:ln>
+        </p:spPr>
+        <p:style>
+          <a:lnRef idx="1">
+            <a:schemeClr val="accent1"/>
+          </a:lnRef>
+          <a:fillRef idx="0">
+            <a:schemeClr val="accent1"/>
+          </a:fillRef>
+          <a:effectRef idx="0">
+            <a:schemeClr val="accent1"/>
+          </a:effectRef>
+          <a:fontRef idx="minor">
+            <a:schemeClr val="tx1"/>
+          </a:fontRef>
+        </p:style>
+      </p:cxnSp>
+      <p:cxnSp>
+        <p:nvCxnSpPr>
+          <p:cNvPr id="72" name="Straight Arrow Connector 71"/>
+          <p:cNvCxnSpPr>
+            <a:stCxn id="73" idx="6"/>
+            <a:endCxn id="75" idx="2"/>
+          </p:cNvCxnSpPr>
+          <p:nvPr/>
+        </p:nvCxnSpPr>
+        <p:spPr>
+          <a:xfrm>
+            <a:off x="2762898" y="3890346"/>
+            <a:ext cx="823474" cy="0"/>
+          </a:xfrm>
+          <a:prstGeom prst="straightConnector1">
+            <a:avLst/>
+          </a:prstGeom>
+          <a:ln w="12700">
+            <a:solidFill>
+              <a:schemeClr val="tx1"/>
+            </a:solidFill>
+            <a:tailEnd type="arrow"/>
+          </a:ln>
+        </p:spPr>
+        <p:style>
+          <a:lnRef idx="1">
+            <a:schemeClr val="accent1"/>
+          </a:lnRef>
+          <a:fillRef idx="0">
+            <a:schemeClr val="accent1"/>
+          </a:fillRef>
+          <a:effectRef idx="0">
+            <a:schemeClr val="accent1"/>
+          </a:effectRef>
+          <a:fontRef idx="minor">
+            <a:schemeClr val="tx1"/>
+          </a:fontRef>
+        </p:style>
+      </p:cxnSp>
+      <mc:AlternateContent xmlns:mc="http://schemas.openxmlformats.org/markup-compatibility/2006">
+        <mc:Choice xmlns:a14="http://schemas.microsoft.com/office/drawing/2010/main" Requires="a14">
+          <p:sp>
+            <p:nvSpPr>
+              <p:cNvPr id="73" name="Oval 72"/>
+              <p:cNvSpPr>
+                <a:spLocks noChangeAspect="1"/>
+              </p:cNvSpPr>
+              <p:nvPr/>
+            </p:nvSpPr>
+            <p:spPr>
+              <a:xfrm>
+                <a:off x="2348619" y="3683206"/>
+                <a:ext cx="414279" cy="414279"/>
+              </a:xfrm>
+              <a:prstGeom prst="ellipse">
+                <a:avLst/>
+              </a:prstGeom>
+              <a:solidFill>
+                <a:schemeClr val="accent1">
+                  <a:lumMod val="20000"/>
+                  <a:lumOff val="80000"/>
+                </a:schemeClr>
+              </a:solidFill>
+              <a:ln w="12700">
+                <a:solidFill>
+                  <a:schemeClr val="tx1"/>
+                </a:solidFill>
+              </a:ln>
+            </p:spPr>
+            <p:style>
+              <a:lnRef idx="2">
+                <a:schemeClr val="accent1">
+                  <a:shade val="50000"/>
+                </a:schemeClr>
+              </a:lnRef>
+              <a:fillRef idx="1">
+                <a:schemeClr val="accent1"/>
+              </a:fillRef>
+              <a:effectRef idx="0">
+                <a:schemeClr val="accent1"/>
+              </a:effectRef>
+              <a:fontRef idx="minor">
+                <a:schemeClr val="lt1"/>
+              </a:fontRef>
+            </p:style>
+            <p:txBody>
+              <a:bodyPr rtlCol="0" anchor="ctr"/>
+              <a:lstStyle/>
+              <a:p>
+                <a:pPr algn="ctr"/>
+                <a14:m>
+                  <m:oMathPara xmlns:m="http://schemas.openxmlformats.org/officeDocument/2006/math">
+                    <m:oMathParaPr>
+                      <m:jc m:val="centerGroup"/>
+                    </m:oMathParaPr>
+                    <m:oMath xmlns:m="http://schemas.openxmlformats.org/officeDocument/2006/math">
+                      <m:sSub>
+                        <m:sSubPr>
+                          <m:ctrlPr>
+                            <a:rPr lang="en-GB" sz="1400" i="1" smtClean="0">
+                              <a:solidFill>
+                                <a:schemeClr val="tx1"/>
+                              </a:solidFill>
+                              <a:latin typeface="Cambria Math"/>
+                            </a:rPr>
+                          </m:ctrlPr>
+                        </m:sSubPr>
+                        <m:e>
+                          <m:r>
+                            <a:rPr lang="pl-PL" sz="1400" b="0" i="1" smtClean="0">
+                              <a:solidFill>
+                                <a:schemeClr val="tx1"/>
+                              </a:solidFill>
+                              <a:latin typeface="Cambria Math"/>
+                            </a:rPr>
+                            <m:t> </m:t>
+                          </m:r>
+                          <m:r>
+                            <a:rPr lang="pl-PL" sz="1400" b="0" i="1" smtClean="0">
+                              <a:solidFill>
+                                <a:schemeClr val="tx1"/>
+                              </a:solidFill>
+                              <a:latin typeface="Cambria Math"/>
+                            </a:rPr>
+                            <m:t>𝑠</m:t>
+                          </m:r>
+                        </m:e>
+                        <m:sub>
+                          <m:r>
+                            <a:rPr lang="pl-PL" sz="1400" b="0" i="1" smtClean="0">
+                              <a:solidFill>
+                                <a:schemeClr val="tx1"/>
+                              </a:solidFill>
+                              <a:latin typeface="Cambria Math"/>
+                            </a:rPr>
+                            <m:t>3_</m:t>
+                          </m:r>
+                          <m:r>
+                            <a:rPr lang="pl-PL" sz="1400" b="0" i="1" smtClean="0">
+                              <a:solidFill>
+                                <a:schemeClr val="tx1"/>
+                              </a:solidFill>
+                              <a:latin typeface="Cambria Math"/>
+                            </a:rPr>
+                            <m:t>𝑡</m:t>
+                          </m:r>
+                          <m:r>
+                            <a:rPr lang="pl-PL" sz="1400" b="0" i="1" smtClean="0">
+                              <a:solidFill>
+                                <a:schemeClr val="tx1"/>
+                              </a:solidFill>
+                              <a:latin typeface="Cambria Math"/>
+                            </a:rPr>
+                            <m:t>0</m:t>
+                          </m:r>
+                        </m:sub>
+                      </m:sSub>
+                    </m:oMath>
+                  </m:oMathPara>
+                </a14:m>
+                <a:endParaRPr lang="en-GB" sz="1400" dirty="0">
+                  <a:solidFill>
+                    <a:schemeClr val="tx1"/>
+                  </a:solidFill>
+                </a:endParaRPr>
+              </a:p>
+            </p:txBody>
+          </p:sp>
+        </mc:Choice>
+        <mc:Fallback>
+          <p:sp>
+            <p:nvSpPr>
+              <p:cNvPr id="73" name="Oval 72"/>
+              <p:cNvSpPr>
+                <a:spLocks noRot="1" noChangeAspect="1" noMove="1" noResize="1" noEditPoints="1" noAdjustHandles="1" noChangeArrowheads="1" noChangeShapeType="1" noTextEdit="1"/>
+              </p:cNvSpPr>
+              <p:nvPr/>
+            </p:nvSpPr>
+            <p:spPr>
+              <a:xfrm>
+                <a:off x="2348619" y="3683206"/>
+                <a:ext cx="414279" cy="414279"/>
+              </a:xfrm>
+              <a:prstGeom prst="ellipse">
+                <a:avLst/>
+              </a:prstGeom>
+              <a:blipFill rotWithShape="1">
+                <a:blip r:embed="rId18"/>
+                <a:stretch>
+                  <a:fillRect/>
+                </a:stretch>
+              </a:blipFill>
+              <a:ln w="12700">
+                <a:solidFill>
+                  <a:schemeClr val="tx1"/>
+                </a:solidFill>
+              </a:ln>
+            </p:spPr>
+            <p:txBody>
+              <a:bodyPr/>
+              <a:lstStyle/>
+              <a:p>
+                <a:r>
+                  <a:rPr lang="en-GB">
+                    <a:noFill/>
+                  </a:rPr>
+                  <a:t> </a:t>
+                </a:r>
+              </a:p>
+            </p:txBody>
+          </p:sp>
+        </mc:Fallback>
+      </mc:AlternateContent>
+      <mc:AlternateContent xmlns:mc="http://schemas.openxmlformats.org/markup-compatibility/2006">
+        <mc:Choice xmlns:a14="http://schemas.microsoft.com/office/drawing/2010/main" Requires="a14">
+          <p:sp>
+            <p:nvSpPr>
+              <p:cNvPr id="75" name="Oval 74"/>
+              <p:cNvSpPr>
+                <a:spLocks noChangeAspect="1"/>
+              </p:cNvSpPr>
+              <p:nvPr/>
+            </p:nvSpPr>
+            <p:spPr>
+              <a:xfrm>
+                <a:off x="3586372" y="3683206"/>
+                <a:ext cx="414279" cy="414279"/>
+              </a:xfrm>
+              <a:prstGeom prst="ellipse">
+                <a:avLst/>
+              </a:prstGeom>
+              <a:solidFill>
+                <a:schemeClr val="accent1">
+                  <a:lumMod val="20000"/>
+                  <a:lumOff val="80000"/>
+                </a:schemeClr>
+              </a:solidFill>
+              <a:ln w="12700">
+                <a:solidFill>
+                  <a:schemeClr val="tx1"/>
+                </a:solidFill>
+              </a:ln>
+            </p:spPr>
+            <p:style>
+              <a:lnRef idx="2">
+                <a:schemeClr val="accent1">
+                  <a:shade val="50000"/>
+                </a:schemeClr>
+              </a:lnRef>
+              <a:fillRef idx="1">
+                <a:schemeClr val="accent1"/>
+              </a:fillRef>
+              <a:effectRef idx="0">
+                <a:schemeClr val="accent1"/>
+              </a:effectRef>
+              <a:fontRef idx="minor">
+                <a:schemeClr val="lt1"/>
+              </a:fontRef>
+            </p:style>
+            <p:txBody>
+              <a:bodyPr rtlCol="0" anchor="ctr"/>
+              <a:lstStyle/>
+              <a:p>
+                <a:pPr algn="ctr"/>
+                <a14:m>
+                  <m:oMathPara xmlns:m="http://schemas.openxmlformats.org/officeDocument/2006/math">
+                    <m:oMathParaPr>
+                      <m:jc m:val="centerGroup"/>
+                    </m:oMathParaPr>
+                    <m:oMath xmlns:m="http://schemas.openxmlformats.org/officeDocument/2006/math">
+                      <m:sSub>
+                        <m:sSubPr>
+                          <m:ctrlPr>
+                            <a:rPr lang="en-GB" sz="1400" i="1" smtClean="0">
+                              <a:solidFill>
+                                <a:schemeClr val="tx1"/>
+                              </a:solidFill>
+                              <a:latin typeface="Cambria Math"/>
+                            </a:rPr>
+                          </m:ctrlPr>
+                        </m:sSubPr>
+                        <m:e>
+                          <m:r>
+                            <a:rPr lang="pl-PL" sz="1400" b="0" i="1" smtClean="0">
+                              <a:solidFill>
+                                <a:schemeClr val="tx1"/>
+                              </a:solidFill>
+                              <a:latin typeface="Cambria Math"/>
+                            </a:rPr>
+                            <m:t> </m:t>
+                          </m:r>
+                          <m:r>
+                            <a:rPr lang="pl-PL" sz="1400" b="0" i="1" smtClean="0">
+                              <a:solidFill>
+                                <a:schemeClr val="tx1"/>
+                              </a:solidFill>
+                              <a:latin typeface="Cambria Math"/>
+                            </a:rPr>
+                            <m:t>𝑠</m:t>
+                          </m:r>
+                        </m:e>
+                        <m:sub>
+                          <m:r>
+                            <a:rPr lang="pl-PL" sz="1400" b="0" i="1" smtClean="0">
+                              <a:solidFill>
+                                <a:schemeClr val="tx1"/>
+                              </a:solidFill>
+                              <a:latin typeface="Cambria Math"/>
+                            </a:rPr>
+                            <m:t>3_</m:t>
+                          </m:r>
+                          <m:r>
+                            <a:rPr lang="pl-PL" sz="1400" b="0" i="1" smtClean="0">
+                              <a:solidFill>
+                                <a:schemeClr val="tx1"/>
+                              </a:solidFill>
+                              <a:latin typeface="Cambria Math"/>
+                            </a:rPr>
+                            <m:t>𝑡</m:t>
+                          </m:r>
+                          <m:r>
+                            <a:rPr lang="pl-PL" sz="1400" b="0" i="1" smtClean="0">
+                              <a:solidFill>
+                                <a:schemeClr val="tx1"/>
+                              </a:solidFill>
+                              <a:latin typeface="Cambria Math"/>
+                            </a:rPr>
+                            <m:t>1</m:t>
+                          </m:r>
+                        </m:sub>
+                      </m:sSub>
+                    </m:oMath>
+                  </m:oMathPara>
+                </a14:m>
+                <a:endParaRPr lang="en-GB" sz="1400" dirty="0">
+                  <a:solidFill>
+                    <a:schemeClr val="tx1"/>
+                  </a:solidFill>
+                </a:endParaRPr>
+              </a:p>
+            </p:txBody>
+          </p:sp>
+        </mc:Choice>
+        <mc:Fallback>
+          <p:sp>
+            <p:nvSpPr>
+              <p:cNvPr id="75" name="Oval 74"/>
+              <p:cNvSpPr>
+                <a:spLocks noRot="1" noChangeAspect="1" noMove="1" noResize="1" noEditPoints="1" noAdjustHandles="1" noChangeArrowheads="1" noChangeShapeType="1" noTextEdit="1"/>
+              </p:cNvSpPr>
+              <p:nvPr/>
+            </p:nvSpPr>
+            <p:spPr>
+              <a:xfrm>
+                <a:off x="3586372" y="3683206"/>
+                <a:ext cx="414279" cy="414279"/>
+              </a:xfrm>
+              <a:prstGeom prst="ellipse">
+                <a:avLst/>
+              </a:prstGeom>
+              <a:blipFill rotWithShape="1">
+                <a:blip r:embed="rId19"/>
+                <a:stretch>
+                  <a:fillRect/>
+                </a:stretch>
+              </a:blipFill>
+              <a:ln w="12700">
+                <a:solidFill>
+                  <a:schemeClr val="tx1"/>
+                </a:solidFill>
+              </a:ln>
+            </p:spPr>
+            <p:txBody>
+              <a:bodyPr/>
+              <a:lstStyle/>
+              <a:p>
+                <a:r>
+                  <a:rPr lang="en-GB">
+                    <a:noFill/>
+                  </a:rPr>
+                  <a:t> </a:t>
+                </a:r>
+              </a:p>
+            </p:txBody>
+          </p:sp>
+        </mc:Fallback>
+      </mc:AlternateContent>
+      <mc:AlternateContent xmlns:mc="http://schemas.openxmlformats.org/markup-compatibility/2006">
+        <mc:Choice xmlns:a14="http://schemas.microsoft.com/office/drawing/2010/main" Requires="a14">
+          <p:sp>
+            <p:nvSpPr>
+              <p:cNvPr id="76" name="Oval 75"/>
+              <p:cNvSpPr>
+                <a:spLocks noChangeAspect="1"/>
+              </p:cNvSpPr>
+              <p:nvPr/>
+            </p:nvSpPr>
+            <p:spPr>
+              <a:xfrm>
+                <a:off x="5462698" y="3683206"/>
+                <a:ext cx="414279" cy="414279"/>
+              </a:xfrm>
+              <a:prstGeom prst="ellipse">
+                <a:avLst/>
+              </a:prstGeom>
+              <a:solidFill>
+                <a:schemeClr val="accent1">
+                  <a:lumMod val="20000"/>
+                  <a:lumOff val="80000"/>
+                </a:schemeClr>
+              </a:solidFill>
+              <a:ln w="12700">
+                <a:solidFill>
+                  <a:schemeClr val="tx1"/>
+                </a:solidFill>
+              </a:ln>
+            </p:spPr>
+            <p:style>
+              <a:lnRef idx="2">
+                <a:schemeClr val="accent1">
+                  <a:shade val="50000"/>
+                </a:schemeClr>
+              </a:lnRef>
+              <a:fillRef idx="1">
+                <a:schemeClr val="accent1"/>
+              </a:fillRef>
+              <a:effectRef idx="0">
+                <a:schemeClr val="accent1"/>
+              </a:effectRef>
+              <a:fontRef idx="minor">
+                <a:schemeClr val="lt1"/>
+              </a:fontRef>
+            </p:style>
+            <p:txBody>
+              <a:bodyPr rtlCol="0" anchor="ctr"/>
+              <a:lstStyle/>
+              <a:p>
+                <a:pPr algn="ctr"/>
+                <a14:m>
+                  <m:oMathPara xmlns:m="http://schemas.openxmlformats.org/officeDocument/2006/math">
+                    <m:oMathParaPr>
+                      <m:jc m:val="centerGroup"/>
+                    </m:oMathParaPr>
+                    <m:oMath xmlns:m="http://schemas.openxmlformats.org/officeDocument/2006/math">
+                      <m:sSub>
+                        <m:sSubPr>
+                          <m:ctrlPr>
+                            <a:rPr lang="en-GB" sz="1400" i="1" smtClean="0">
+                              <a:solidFill>
+                                <a:schemeClr val="tx1"/>
+                              </a:solidFill>
+                              <a:latin typeface="Cambria Math"/>
+                            </a:rPr>
+                          </m:ctrlPr>
+                        </m:sSubPr>
+                        <m:e>
+                          <m:r>
+                            <a:rPr lang="pl-PL" sz="1400" b="0" i="1" smtClean="0">
+                              <a:solidFill>
+                                <a:schemeClr val="tx1"/>
+                              </a:solidFill>
+                              <a:latin typeface="Cambria Math"/>
+                            </a:rPr>
+                            <m:t> </m:t>
+                          </m:r>
+                          <m:r>
+                            <a:rPr lang="pl-PL" sz="1400" b="0" i="1" smtClean="0">
+                              <a:solidFill>
+                                <a:schemeClr val="tx1"/>
+                              </a:solidFill>
+                              <a:latin typeface="Cambria Math"/>
+                            </a:rPr>
+                            <m:t>𝑠</m:t>
+                          </m:r>
+                        </m:e>
+                        <m:sub>
+                          <m:r>
+                            <a:rPr lang="pl-PL" sz="1400" b="0" i="1" smtClean="0">
+                              <a:solidFill>
+                                <a:schemeClr val="tx1"/>
+                              </a:solidFill>
+                              <a:latin typeface="Cambria Math"/>
+                            </a:rPr>
+                            <m:t>3_</m:t>
+                          </m:r>
+                          <m:r>
+                            <a:rPr lang="pl-PL" sz="1400" b="0" i="1" smtClean="0">
+                              <a:solidFill>
+                                <a:schemeClr val="tx1"/>
+                              </a:solidFill>
+                              <a:latin typeface="Cambria Math"/>
+                            </a:rPr>
+                            <m:t>𝑡</m:t>
+                          </m:r>
+                          <m:r>
+                            <a:rPr lang="pl-PL" sz="1400" b="0" i="1" smtClean="0">
+                              <a:solidFill>
+                                <a:schemeClr val="tx1"/>
+                              </a:solidFill>
+                              <a:latin typeface="Cambria Math"/>
+                            </a:rPr>
+                            <m:t>2</m:t>
+                          </m:r>
+                        </m:sub>
+                      </m:sSub>
+                    </m:oMath>
+                  </m:oMathPara>
+                </a14:m>
+                <a:endParaRPr lang="en-GB" sz="1400" dirty="0">
+                  <a:solidFill>
+                    <a:schemeClr val="tx1"/>
+                  </a:solidFill>
+                </a:endParaRPr>
+              </a:p>
+            </p:txBody>
+          </p:sp>
+        </mc:Choice>
+        <mc:Fallback>
+          <p:sp>
+            <p:nvSpPr>
+              <p:cNvPr id="76" name="Oval 75"/>
+              <p:cNvSpPr>
+                <a:spLocks noRot="1" noChangeAspect="1" noMove="1" noResize="1" noEditPoints="1" noAdjustHandles="1" noChangeArrowheads="1" noChangeShapeType="1" noTextEdit="1"/>
+              </p:cNvSpPr>
+              <p:nvPr/>
+            </p:nvSpPr>
+            <p:spPr>
+              <a:xfrm>
+                <a:off x="5462698" y="3683206"/>
+                <a:ext cx="414279" cy="414279"/>
+              </a:xfrm>
+              <a:prstGeom prst="ellipse">
+                <a:avLst/>
+              </a:prstGeom>
+              <a:blipFill rotWithShape="1">
+                <a:blip r:embed="rId20"/>
+                <a:stretch>
+                  <a:fillRect/>
+                </a:stretch>
+              </a:blipFill>
+              <a:ln w="12700">
+                <a:solidFill>
+                  <a:schemeClr val="tx1"/>
+                </a:solidFill>
+              </a:ln>
+            </p:spPr>
+            <p:txBody>
+              <a:bodyPr/>
+              <a:lstStyle/>
+              <a:p>
+                <a:r>
+                  <a:rPr lang="en-GB">
+                    <a:noFill/>
+                  </a:rPr>
+                  <a:t> </a:t>
+                </a:r>
+              </a:p>
+            </p:txBody>
+          </p:sp>
+        </mc:Fallback>
+      </mc:AlternateContent>
+      <p:cxnSp>
+        <p:nvCxnSpPr>
+          <p:cNvPr id="77" name="Straight Arrow Connector 76"/>
+          <p:cNvCxnSpPr>
+            <a:stCxn id="75" idx="6"/>
+            <a:endCxn id="76" idx="2"/>
+          </p:cNvCxnSpPr>
+          <p:nvPr/>
+        </p:nvCxnSpPr>
+        <p:spPr>
+          <a:xfrm>
+            <a:off x="4000651" y="3890346"/>
+            <a:ext cx="1462047" cy="0"/>
+          </a:xfrm>
+          <a:prstGeom prst="straightConnector1">
+            <a:avLst/>
+          </a:prstGeom>
+          <a:ln w="12700">
+            <a:solidFill>
+              <a:schemeClr val="tx1"/>
+            </a:solidFill>
+            <a:tailEnd type="arrow"/>
+          </a:ln>
+        </p:spPr>
+        <p:style>
+          <a:lnRef idx="1">
+            <a:schemeClr val="accent1"/>
+          </a:lnRef>
+          <a:fillRef idx="0">
+            <a:schemeClr val="accent1"/>
+          </a:fillRef>
+          <a:effectRef idx="0">
+            <a:schemeClr val="accent1"/>
+          </a:effectRef>
+          <a:fontRef idx="minor">
+            <a:schemeClr val="tx1"/>
+          </a:fontRef>
+        </p:style>
+      </p:cxnSp>
+      <mc:AlternateContent xmlns:mc="http://schemas.openxmlformats.org/markup-compatibility/2006">
+        <mc:Choice xmlns:a14="http://schemas.microsoft.com/office/drawing/2010/main" Requires="a14">
+          <p:sp>
+            <p:nvSpPr>
+              <p:cNvPr id="78" name="Oval 77"/>
+              <p:cNvSpPr>
+                <a:spLocks noChangeAspect="1"/>
+              </p:cNvSpPr>
+              <p:nvPr/>
+            </p:nvSpPr>
+            <p:spPr>
+              <a:xfrm>
+                <a:off x="2348619" y="4351710"/>
+                <a:ext cx="414279" cy="414279"/>
+              </a:xfrm>
+              <a:prstGeom prst="ellipse">
+                <a:avLst/>
+              </a:prstGeom>
+              <a:solidFill>
+                <a:schemeClr val="accent1">
+                  <a:lumMod val="20000"/>
+                  <a:lumOff val="80000"/>
+                </a:schemeClr>
+              </a:solidFill>
+              <a:ln w="12700">
+                <a:solidFill>
+                  <a:schemeClr val="tx1"/>
+                </a:solidFill>
+              </a:ln>
+            </p:spPr>
+            <p:style>
+              <a:lnRef idx="2">
+                <a:schemeClr val="accent1">
+                  <a:shade val="50000"/>
+                </a:schemeClr>
+              </a:lnRef>
+              <a:fillRef idx="1">
+                <a:schemeClr val="accent1"/>
+              </a:fillRef>
+              <a:effectRef idx="0">
+                <a:schemeClr val="accent1"/>
+              </a:effectRef>
+              <a:fontRef idx="minor">
+                <a:schemeClr val="lt1"/>
+              </a:fontRef>
+            </p:style>
+            <p:txBody>
+              <a:bodyPr rtlCol="0" anchor="ctr"/>
+              <a:lstStyle/>
+              <a:p>
+                <a:pPr algn="ctr"/>
+                <a14:m>
+                  <m:oMathPara xmlns:m="http://schemas.openxmlformats.org/officeDocument/2006/math">
+                    <m:oMathParaPr>
+                      <m:jc m:val="centerGroup"/>
+                    </m:oMathParaPr>
+                    <m:oMath xmlns:m="http://schemas.openxmlformats.org/officeDocument/2006/math">
+                      <m:sSub>
+                        <m:sSubPr>
+                          <m:ctrlPr>
+                            <a:rPr lang="en-GB" sz="1400" i="1" smtClean="0">
+                              <a:solidFill>
+                                <a:schemeClr val="tx1"/>
+                              </a:solidFill>
+                              <a:latin typeface="Cambria Math"/>
+                            </a:rPr>
+                          </m:ctrlPr>
+                        </m:sSubPr>
+                        <m:e>
+                          <m:r>
+                            <a:rPr lang="pl-PL" sz="1400" b="0" i="1" smtClean="0">
+                              <a:solidFill>
+                                <a:schemeClr val="tx1"/>
+                              </a:solidFill>
+                              <a:latin typeface="Cambria Math"/>
+                            </a:rPr>
+                            <m:t> </m:t>
+                          </m:r>
+                          <m:r>
+                            <a:rPr lang="pl-PL" sz="1400" b="0" i="1" smtClean="0">
+                              <a:solidFill>
+                                <a:schemeClr val="tx1"/>
+                              </a:solidFill>
+                              <a:latin typeface="Cambria Math"/>
+                            </a:rPr>
+                            <m:t>𝑝</m:t>
+                          </m:r>
+                        </m:e>
+                        <m:sub>
+                          <m:r>
+                            <a:rPr lang="pl-PL" sz="1400" b="0" i="1" smtClean="0">
+                              <a:solidFill>
+                                <a:schemeClr val="tx1"/>
+                              </a:solidFill>
+                              <a:latin typeface="Cambria Math"/>
+                            </a:rPr>
+                            <m:t>3_</m:t>
+                          </m:r>
+                          <m:r>
+                            <a:rPr lang="pl-PL" sz="1400" b="0" i="1" smtClean="0">
+                              <a:solidFill>
+                                <a:schemeClr val="tx1"/>
+                              </a:solidFill>
+                              <a:latin typeface="Cambria Math"/>
+                            </a:rPr>
+                            <m:t>𝑡</m:t>
+                          </m:r>
+                          <m:r>
+                            <a:rPr lang="pl-PL" sz="1400" b="0" i="1" smtClean="0">
+                              <a:solidFill>
+                                <a:schemeClr val="tx1"/>
+                              </a:solidFill>
+                              <a:latin typeface="Cambria Math"/>
+                            </a:rPr>
+                            <m:t>0</m:t>
+                          </m:r>
+                        </m:sub>
+                      </m:sSub>
+                    </m:oMath>
+                  </m:oMathPara>
+                </a14:m>
+                <a:endParaRPr lang="en-GB" sz="1400" dirty="0">
+                  <a:solidFill>
+                    <a:schemeClr val="tx1"/>
+                  </a:solidFill>
+                </a:endParaRPr>
+              </a:p>
+            </p:txBody>
+          </p:sp>
+        </mc:Choice>
+        <mc:Fallback>
+          <p:sp>
+            <p:nvSpPr>
+              <p:cNvPr id="78" name="Oval 77"/>
+              <p:cNvSpPr>
+                <a:spLocks noRot="1" noChangeAspect="1" noMove="1" noResize="1" noEditPoints="1" noAdjustHandles="1" noChangeArrowheads="1" noChangeShapeType="1" noTextEdit="1"/>
+              </p:cNvSpPr>
+              <p:nvPr/>
+            </p:nvSpPr>
+            <p:spPr>
+              <a:xfrm>
+                <a:off x="2348619" y="4351710"/>
+                <a:ext cx="414279" cy="414279"/>
+              </a:xfrm>
+              <a:prstGeom prst="ellipse">
+                <a:avLst/>
+              </a:prstGeom>
+              <a:blipFill rotWithShape="1">
+                <a:blip r:embed="rId21"/>
+                <a:stretch>
+                  <a:fillRect l="-5714"/>
+                </a:stretch>
+              </a:blipFill>
+              <a:ln w="12700">
+                <a:solidFill>
+                  <a:schemeClr val="tx1"/>
+                </a:solidFill>
+              </a:ln>
+            </p:spPr>
+            <p:txBody>
+              <a:bodyPr/>
+              <a:lstStyle/>
+              <a:p>
+                <a:r>
+                  <a:rPr lang="en-GB">
+                    <a:noFill/>
+                  </a:rPr>
+                  <a:t> </a:t>
+                </a:r>
+              </a:p>
+            </p:txBody>
+          </p:sp>
+        </mc:Fallback>
+      </mc:AlternateContent>
+      <p:cxnSp>
+        <p:nvCxnSpPr>
+          <p:cNvPr id="79" name="Straight Arrow Connector 78"/>
+          <p:cNvCxnSpPr>
+            <a:stCxn id="73" idx="4"/>
+            <a:endCxn id="78" idx="0"/>
+          </p:cNvCxnSpPr>
+          <p:nvPr/>
+        </p:nvCxnSpPr>
+        <p:spPr>
+          <a:xfrm>
+            <a:off x="2555759" y="4097485"/>
+            <a:ext cx="0" cy="254225"/>
+          </a:xfrm>
+          <a:prstGeom prst="straightConnector1">
+            <a:avLst/>
+          </a:prstGeom>
+          <a:ln w="12700">
+            <a:solidFill>
+              <a:schemeClr val="tx1"/>
+            </a:solidFill>
+            <a:tailEnd type="arrow"/>
+          </a:ln>
+        </p:spPr>
+        <p:style>
+          <a:lnRef idx="1">
+            <a:schemeClr val="accent1"/>
+          </a:lnRef>
+          <a:fillRef idx="0">
+            <a:schemeClr val="accent1"/>
+          </a:fillRef>
+          <a:effectRef idx="0">
+            <a:schemeClr val="accent1"/>
+          </a:effectRef>
+          <a:fontRef idx="minor">
+            <a:schemeClr val="tx1"/>
+          </a:fontRef>
+        </p:style>
+      </p:cxnSp>
+      <mc:AlternateContent xmlns:mc="http://schemas.openxmlformats.org/markup-compatibility/2006">
+        <mc:Choice xmlns:a14="http://schemas.microsoft.com/office/drawing/2010/main" Requires="a14">
+          <p:sp>
+            <p:nvSpPr>
+              <p:cNvPr id="81" name="Oval 80"/>
+              <p:cNvSpPr>
+                <a:spLocks noChangeAspect="1"/>
+              </p:cNvSpPr>
+              <p:nvPr/>
+            </p:nvSpPr>
+            <p:spPr>
+              <a:xfrm>
+                <a:off x="3586372" y="4351710"/>
+                <a:ext cx="414279" cy="414279"/>
+              </a:xfrm>
+              <a:prstGeom prst="ellipse">
+                <a:avLst/>
+              </a:prstGeom>
+              <a:solidFill>
+                <a:schemeClr val="accent1">
+                  <a:lumMod val="20000"/>
+                  <a:lumOff val="80000"/>
+                </a:schemeClr>
+              </a:solidFill>
+              <a:ln w="12700">
+                <a:solidFill>
+                  <a:schemeClr val="tx1"/>
+                </a:solidFill>
+              </a:ln>
+            </p:spPr>
+            <p:style>
+              <a:lnRef idx="2">
+                <a:schemeClr val="accent1">
+                  <a:shade val="50000"/>
+                </a:schemeClr>
+              </a:lnRef>
+              <a:fillRef idx="1">
+                <a:schemeClr val="accent1"/>
+              </a:fillRef>
+              <a:effectRef idx="0">
+                <a:schemeClr val="accent1"/>
+              </a:effectRef>
+              <a:fontRef idx="minor">
+                <a:schemeClr val="lt1"/>
+              </a:fontRef>
+            </p:style>
+            <p:txBody>
+              <a:bodyPr rtlCol="0" anchor="ctr"/>
+              <a:lstStyle/>
+              <a:p>
+                <a:pPr algn="ctr"/>
+                <a14:m>
+                  <m:oMathPara xmlns:m="http://schemas.openxmlformats.org/officeDocument/2006/math">
+                    <m:oMathParaPr>
+                      <m:jc m:val="centerGroup"/>
+                    </m:oMathParaPr>
+                    <m:oMath xmlns:m="http://schemas.openxmlformats.org/officeDocument/2006/math">
+                      <m:sSub>
+                        <m:sSubPr>
+                          <m:ctrlPr>
+                            <a:rPr lang="en-GB" sz="1400" i="1" smtClean="0">
+                              <a:solidFill>
+                                <a:schemeClr val="tx1"/>
+                              </a:solidFill>
+                              <a:latin typeface="Cambria Math"/>
+                            </a:rPr>
+                          </m:ctrlPr>
+                        </m:sSubPr>
+                        <m:e>
+                          <m:r>
+                            <a:rPr lang="pl-PL" sz="1400" b="0" i="1" smtClean="0">
+                              <a:solidFill>
+                                <a:schemeClr val="tx1"/>
+                              </a:solidFill>
+                              <a:latin typeface="Cambria Math"/>
+                            </a:rPr>
+                            <m:t> </m:t>
+                          </m:r>
+                          <m:r>
+                            <a:rPr lang="pl-PL" sz="1400" b="0" i="1" smtClean="0">
+                              <a:solidFill>
+                                <a:schemeClr val="tx1"/>
+                              </a:solidFill>
+                              <a:latin typeface="Cambria Math"/>
+                            </a:rPr>
+                            <m:t>𝑝</m:t>
+                          </m:r>
+                        </m:e>
+                        <m:sub>
+                          <m:r>
+                            <a:rPr lang="pl-PL" sz="1400" b="0" i="1" smtClean="0">
+                              <a:solidFill>
+                                <a:schemeClr val="tx1"/>
+                              </a:solidFill>
+                              <a:latin typeface="Cambria Math"/>
+                            </a:rPr>
+                            <m:t>3_</m:t>
+                          </m:r>
+                          <m:r>
+                            <a:rPr lang="pl-PL" sz="1400" b="0" i="1" smtClean="0">
+                              <a:solidFill>
+                                <a:schemeClr val="tx1"/>
+                              </a:solidFill>
+                              <a:latin typeface="Cambria Math"/>
+                            </a:rPr>
+                            <m:t>𝑡</m:t>
+                          </m:r>
+                          <m:r>
+                            <a:rPr lang="pl-PL" sz="1400" b="0" i="1" smtClean="0">
+                              <a:solidFill>
+                                <a:schemeClr val="tx1"/>
+                              </a:solidFill>
+                              <a:latin typeface="Cambria Math"/>
+                            </a:rPr>
+                            <m:t>1</m:t>
+                          </m:r>
+                        </m:sub>
+                      </m:sSub>
+                    </m:oMath>
+                  </m:oMathPara>
+                </a14:m>
+                <a:endParaRPr lang="en-GB" sz="1400" dirty="0">
+                  <a:solidFill>
+                    <a:schemeClr val="tx1"/>
+                  </a:solidFill>
+                </a:endParaRPr>
+              </a:p>
+            </p:txBody>
+          </p:sp>
+        </mc:Choice>
+        <mc:Fallback>
+          <p:sp>
+            <p:nvSpPr>
+              <p:cNvPr id="81" name="Oval 80"/>
+              <p:cNvSpPr>
+                <a:spLocks noRot="1" noChangeAspect="1" noMove="1" noResize="1" noEditPoints="1" noAdjustHandles="1" noChangeArrowheads="1" noChangeShapeType="1" noTextEdit="1"/>
+              </p:cNvSpPr>
+              <p:nvPr/>
+            </p:nvSpPr>
+            <p:spPr>
+              <a:xfrm>
+                <a:off x="3586372" y="4351710"/>
+                <a:ext cx="414279" cy="414279"/>
+              </a:xfrm>
+              <a:prstGeom prst="ellipse">
+                <a:avLst/>
+              </a:prstGeom>
+              <a:blipFill rotWithShape="1">
+                <a:blip r:embed="rId22"/>
+                <a:stretch>
+                  <a:fillRect l="-5714"/>
+                </a:stretch>
+              </a:blipFill>
+              <a:ln w="12700">
+                <a:solidFill>
+                  <a:schemeClr val="tx1"/>
+                </a:solidFill>
+              </a:ln>
+            </p:spPr>
+            <p:txBody>
+              <a:bodyPr/>
+              <a:lstStyle/>
+              <a:p>
+                <a:r>
+                  <a:rPr lang="en-GB">
+                    <a:noFill/>
+                  </a:rPr>
+                  <a:t> </a:t>
+                </a:r>
+              </a:p>
+            </p:txBody>
+          </p:sp>
+        </mc:Fallback>
+      </mc:AlternateContent>
+      <mc:AlternateContent xmlns:mc="http://schemas.openxmlformats.org/markup-compatibility/2006">
+        <mc:Choice xmlns:a14="http://schemas.microsoft.com/office/drawing/2010/main" Requires="a14">
+          <p:sp>
+            <p:nvSpPr>
+              <p:cNvPr id="84" name="Oval 83"/>
+              <p:cNvSpPr>
+                <a:spLocks noChangeAspect="1"/>
+              </p:cNvSpPr>
+              <p:nvPr/>
+            </p:nvSpPr>
+            <p:spPr>
+              <a:xfrm>
+                <a:off x="5453309" y="4351709"/>
+                <a:ext cx="414279" cy="414279"/>
+              </a:xfrm>
+              <a:prstGeom prst="ellipse">
+                <a:avLst/>
+              </a:prstGeom>
+              <a:solidFill>
+                <a:schemeClr val="accent1">
+                  <a:lumMod val="20000"/>
+                  <a:lumOff val="80000"/>
+                </a:schemeClr>
+              </a:solidFill>
+              <a:ln w="12700">
+                <a:solidFill>
+                  <a:schemeClr val="tx1"/>
+                </a:solidFill>
+              </a:ln>
+            </p:spPr>
+            <p:style>
+              <a:lnRef idx="2">
+                <a:schemeClr val="accent1">
+                  <a:shade val="50000"/>
+                </a:schemeClr>
+              </a:lnRef>
+              <a:fillRef idx="1">
+                <a:schemeClr val="accent1"/>
+              </a:fillRef>
+              <a:effectRef idx="0">
+                <a:schemeClr val="accent1"/>
+              </a:effectRef>
+              <a:fontRef idx="minor">
+                <a:schemeClr val="lt1"/>
+              </a:fontRef>
+            </p:style>
+            <p:txBody>
+              <a:bodyPr rtlCol="0" anchor="ctr"/>
+              <a:lstStyle/>
+              <a:p>
+                <a:pPr algn="ctr"/>
+                <a14:m>
+                  <m:oMathPara xmlns:m="http://schemas.openxmlformats.org/officeDocument/2006/math">
+                    <m:oMathParaPr>
+                      <m:jc m:val="centerGroup"/>
+                    </m:oMathParaPr>
+                    <m:oMath xmlns:m="http://schemas.openxmlformats.org/officeDocument/2006/math">
+                      <m:sSub>
+                        <m:sSubPr>
+                          <m:ctrlPr>
+                            <a:rPr lang="en-GB" sz="1400" i="1" smtClean="0">
+                              <a:solidFill>
+                                <a:schemeClr val="tx1"/>
+                              </a:solidFill>
+                              <a:latin typeface="Cambria Math"/>
+                            </a:rPr>
+                          </m:ctrlPr>
+                        </m:sSubPr>
+                        <m:e>
+                          <m:r>
+                            <a:rPr lang="pl-PL" sz="1400" b="0" i="1" smtClean="0">
+                              <a:solidFill>
+                                <a:schemeClr val="tx1"/>
+                              </a:solidFill>
+                              <a:latin typeface="Cambria Math"/>
+                            </a:rPr>
+                            <m:t> </m:t>
+                          </m:r>
+                          <m:r>
+                            <a:rPr lang="pl-PL" sz="1400" b="0" i="1" smtClean="0">
+                              <a:solidFill>
+                                <a:schemeClr val="tx1"/>
+                              </a:solidFill>
+                              <a:latin typeface="Cambria Math"/>
+                            </a:rPr>
+                            <m:t>𝑝</m:t>
+                          </m:r>
+                        </m:e>
+                        <m:sub>
+                          <m:r>
+                            <a:rPr lang="pl-PL" sz="1400" b="0" i="1" smtClean="0">
+                              <a:solidFill>
+                                <a:schemeClr val="tx1"/>
+                              </a:solidFill>
+                              <a:latin typeface="Cambria Math"/>
+                            </a:rPr>
+                            <m:t>3_</m:t>
+                          </m:r>
+                          <m:r>
+                            <a:rPr lang="pl-PL" sz="1400" b="0" i="1" smtClean="0">
+                              <a:solidFill>
+                                <a:schemeClr val="tx1"/>
+                              </a:solidFill>
+                              <a:latin typeface="Cambria Math"/>
+                            </a:rPr>
+                            <m:t>𝑡</m:t>
+                          </m:r>
+                          <m:r>
+                            <a:rPr lang="pl-PL" sz="1400" b="0" i="1" smtClean="0">
+                              <a:solidFill>
+                                <a:schemeClr val="tx1"/>
+                              </a:solidFill>
+                              <a:latin typeface="Cambria Math"/>
+                            </a:rPr>
+                            <m:t>2</m:t>
+                          </m:r>
+                        </m:sub>
+                      </m:sSub>
+                    </m:oMath>
+                  </m:oMathPara>
+                </a14:m>
+                <a:endParaRPr lang="en-GB" sz="1400" dirty="0">
+                  <a:solidFill>
+                    <a:schemeClr val="tx1"/>
+                  </a:solidFill>
+                </a:endParaRPr>
+              </a:p>
+            </p:txBody>
+          </p:sp>
+        </mc:Choice>
+        <mc:Fallback>
+          <p:sp>
+            <p:nvSpPr>
+              <p:cNvPr id="84" name="Oval 83"/>
+              <p:cNvSpPr>
+                <a:spLocks noRot="1" noChangeAspect="1" noMove="1" noResize="1" noEditPoints="1" noAdjustHandles="1" noChangeArrowheads="1" noChangeShapeType="1" noTextEdit="1"/>
+              </p:cNvSpPr>
+              <p:nvPr/>
+            </p:nvSpPr>
+            <p:spPr>
+              <a:xfrm>
+                <a:off x="5453309" y="4351709"/>
+                <a:ext cx="414279" cy="414279"/>
+              </a:xfrm>
+              <a:prstGeom prst="ellipse">
+                <a:avLst/>
+              </a:prstGeom>
+              <a:blipFill rotWithShape="1">
+                <a:blip r:embed="rId23"/>
+                <a:stretch>
+                  <a:fillRect l="-7143"/>
+                </a:stretch>
+              </a:blipFill>
+              <a:ln w="12700">
+                <a:solidFill>
+                  <a:schemeClr val="tx1"/>
+                </a:solidFill>
+              </a:ln>
+            </p:spPr>
+            <p:txBody>
+              <a:bodyPr/>
+              <a:lstStyle/>
+              <a:p>
+                <a:r>
+                  <a:rPr lang="en-GB">
+                    <a:noFill/>
+                  </a:rPr>
+                  <a:t> </a:t>
+                </a:r>
+              </a:p>
+            </p:txBody>
+          </p:sp>
+        </mc:Fallback>
+      </mc:AlternateContent>
+      <p:cxnSp>
+        <p:nvCxnSpPr>
+          <p:cNvPr id="85" name="Straight Arrow Connector 84"/>
+          <p:cNvCxnSpPr>
+            <a:stCxn id="75" idx="4"/>
+            <a:endCxn id="81" idx="0"/>
+          </p:cNvCxnSpPr>
+          <p:nvPr/>
+        </p:nvCxnSpPr>
+        <p:spPr>
+          <a:xfrm>
+            <a:off x="3793512" y="4097485"/>
+            <a:ext cx="0" cy="254225"/>
+          </a:xfrm>
+          <a:prstGeom prst="straightConnector1">
+            <a:avLst/>
+          </a:prstGeom>
+          <a:ln w="12700">
+            <a:solidFill>
+              <a:schemeClr val="tx1"/>
+            </a:solidFill>
+            <a:tailEnd type="arrow"/>
+          </a:ln>
+        </p:spPr>
+        <p:style>
+          <a:lnRef idx="1">
+            <a:schemeClr val="accent1"/>
+          </a:lnRef>
+          <a:fillRef idx="0">
+            <a:schemeClr val="accent1"/>
+          </a:fillRef>
+          <a:effectRef idx="0">
+            <a:schemeClr val="accent1"/>
+          </a:effectRef>
+          <a:fontRef idx="minor">
+            <a:schemeClr val="tx1"/>
+          </a:fontRef>
+        </p:style>
+      </p:cxnSp>
+      <p:cxnSp>
+        <p:nvCxnSpPr>
+          <p:cNvPr id="86" name="Straight Arrow Connector 85"/>
+          <p:cNvCxnSpPr>
+            <a:stCxn id="76" idx="4"/>
+            <a:endCxn id="84" idx="0"/>
+          </p:cNvCxnSpPr>
+          <p:nvPr/>
+        </p:nvCxnSpPr>
+        <p:spPr>
+          <a:xfrm flipH="1">
+            <a:off x="5660449" y="4097485"/>
+            <a:ext cx="9389" cy="254224"/>
+          </a:xfrm>
+          <a:prstGeom prst="straightConnector1">
+            <a:avLst/>
+          </a:prstGeom>
+          <a:ln w="12700">
+            <a:solidFill>
+              <a:schemeClr val="tx1"/>
+            </a:solidFill>
+            <a:tailEnd type="arrow"/>
+          </a:ln>
+        </p:spPr>
+        <p:style>
+          <a:lnRef idx="1">
+            <a:schemeClr val="accent1"/>
+          </a:lnRef>
+          <a:fillRef idx="0">
+            <a:schemeClr val="accent1"/>
+          </a:fillRef>
+          <a:effectRef idx="0">
+            <a:schemeClr val="accent1"/>
+          </a:effectRef>
+          <a:fontRef idx="minor">
+            <a:schemeClr val="tx1"/>
+          </a:fontRef>
+        </p:style>
+      </p:cxnSp>
+      <mc:AlternateContent xmlns:mc="http://schemas.openxmlformats.org/markup-compatibility/2006">
+        <mc:Choice xmlns:a14="http://schemas.microsoft.com/office/drawing/2010/main" Requires="a14">
+          <p:sp>
+            <p:nvSpPr>
+              <p:cNvPr id="87" name="Oval 86"/>
+              <p:cNvSpPr>
+                <a:spLocks noChangeAspect="1"/>
+              </p:cNvSpPr>
+              <p:nvPr/>
+            </p:nvSpPr>
+            <p:spPr>
+              <a:xfrm>
+                <a:off x="2896483" y="4979350"/>
+                <a:ext cx="414279" cy="414279"/>
+              </a:xfrm>
+              <a:prstGeom prst="ellipse">
+                <a:avLst/>
+              </a:prstGeom>
+              <a:solidFill>
+                <a:schemeClr val="accent1">
+                  <a:lumMod val="20000"/>
+                  <a:lumOff val="80000"/>
+                </a:schemeClr>
+              </a:solidFill>
+              <a:ln w="12700">
+                <a:solidFill>
+                  <a:schemeClr val="tx1"/>
+                </a:solidFill>
+              </a:ln>
+            </p:spPr>
+            <p:style>
+              <a:lnRef idx="2">
+                <a:schemeClr val="accent1">
+                  <a:shade val="50000"/>
+                </a:schemeClr>
+              </a:lnRef>
+              <a:fillRef idx="1">
+                <a:schemeClr val="accent1"/>
+              </a:fillRef>
+              <a:effectRef idx="0">
+                <a:schemeClr val="accent1"/>
+              </a:effectRef>
+              <a:fontRef idx="minor">
+                <a:schemeClr val="lt1"/>
+              </a:fontRef>
+            </p:style>
+            <p:txBody>
+              <a:bodyPr rtlCol="0" anchor="ctr"/>
+              <a:lstStyle/>
+              <a:p>
+                <a:pPr algn="ctr"/>
+                <a14:m>
+                  <m:oMathPara xmlns:m="http://schemas.openxmlformats.org/officeDocument/2006/math">
+                    <m:oMathParaPr>
+                      <m:jc m:val="centerGroup"/>
+                    </m:oMathParaPr>
+                    <m:oMath xmlns:m="http://schemas.openxmlformats.org/officeDocument/2006/math">
+                      <m:r>
+                        <a:rPr lang="pl-PL" sz="1400" b="0" i="1" smtClean="0">
+                          <a:solidFill>
+                            <a:schemeClr val="tx1"/>
+                          </a:solidFill>
+                          <a:latin typeface="Cambria Math"/>
+                        </a:rPr>
+                        <m:t> </m:t>
+                      </m:r>
+                      <m:sSub>
+                        <m:sSubPr>
+                          <m:ctrlPr>
+                            <a:rPr lang="pl-PL" sz="1400" b="0" i="1" smtClean="0">
+                              <a:solidFill>
+                                <a:schemeClr val="tx1"/>
+                              </a:solidFill>
+                              <a:latin typeface="Cambria Math"/>
+                            </a:rPr>
+                          </m:ctrlPr>
+                        </m:sSubPr>
+                        <m:e>
+                          <m:r>
+                            <a:rPr lang="pl-PL" sz="1400" b="0" i="1" smtClean="0">
+                              <a:solidFill>
+                                <a:schemeClr val="tx1"/>
+                              </a:solidFill>
+                              <a:latin typeface="Cambria Math"/>
+                            </a:rPr>
+                            <m:t>𝑑</m:t>
+                          </m:r>
+                        </m:e>
+                        <m:sub>
+                          <m:r>
+                            <a:rPr lang="pl-PL" sz="1400" b="0" i="1" smtClean="0">
+                              <a:solidFill>
+                                <a:schemeClr val="tx1"/>
+                              </a:solidFill>
+                              <a:latin typeface="Cambria Math"/>
+                            </a:rPr>
+                            <m:t>1_2</m:t>
+                          </m:r>
+                        </m:sub>
+                      </m:sSub>
+                    </m:oMath>
+                  </m:oMathPara>
+                </a14:m>
+                <a:endParaRPr lang="en-GB" sz="1400" dirty="0">
+                  <a:solidFill>
+                    <a:schemeClr val="tx1"/>
+                  </a:solidFill>
+                </a:endParaRPr>
+              </a:p>
+            </p:txBody>
+          </p:sp>
+        </mc:Choice>
+        <mc:Fallback>
+          <p:sp>
+            <p:nvSpPr>
+              <p:cNvPr id="87" name="Oval 86"/>
+              <p:cNvSpPr>
+                <a:spLocks noRot="1" noChangeAspect="1" noMove="1" noResize="1" noEditPoints="1" noAdjustHandles="1" noChangeArrowheads="1" noChangeShapeType="1" noTextEdit="1"/>
+              </p:cNvSpPr>
+              <p:nvPr/>
+            </p:nvSpPr>
+            <p:spPr>
+              <a:xfrm>
+                <a:off x="2896483" y="4979350"/>
+                <a:ext cx="414279" cy="414279"/>
+              </a:xfrm>
+              <a:prstGeom prst="ellipse">
+                <a:avLst/>
+              </a:prstGeom>
+              <a:blipFill rotWithShape="1">
+                <a:blip r:embed="rId24"/>
+                <a:stretch>
+                  <a:fillRect/>
+                </a:stretch>
+              </a:blipFill>
+              <a:ln w="12700">
+                <a:solidFill>
+                  <a:schemeClr val="tx1"/>
+                </a:solidFill>
+              </a:ln>
+            </p:spPr>
+            <p:txBody>
+              <a:bodyPr/>
+              <a:lstStyle/>
+              <a:p>
+                <a:r>
+                  <a:rPr lang="en-GB">
+                    <a:noFill/>
+                  </a:rPr>
+                  <a:t> </a:t>
+                </a:r>
+              </a:p>
+            </p:txBody>
+          </p:sp>
+        </mc:Fallback>
+      </mc:AlternateContent>
+      <p:cxnSp>
+        <p:nvCxnSpPr>
+          <p:cNvPr id="88" name="Straight Arrow Connector 87"/>
+          <p:cNvCxnSpPr>
+            <a:stCxn id="49" idx="4"/>
+            <a:endCxn id="87" idx="0"/>
+          </p:cNvCxnSpPr>
+          <p:nvPr/>
+        </p:nvCxnSpPr>
+        <p:spPr>
+          <a:xfrm rot="16200000" flipH="1">
+            <a:off x="1061306" y="2937032"/>
+            <a:ext cx="3546161" cy="538474"/>
+          </a:xfrm>
+          <a:prstGeom prst="curvedConnector3">
+            <a:avLst>
+              <a:gd name="adj1" fmla="val 15264"/>
+            </a:avLst>
+          </a:prstGeom>
+          <a:ln w="12700">
+            <a:solidFill>
+              <a:schemeClr val="tx1"/>
+            </a:solidFill>
+            <a:tailEnd type="arrow"/>
+          </a:ln>
+        </p:spPr>
+        <p:style>
+          <a:lnRef idx="1">
+            <a:schemeClr val="accent1"/>
+          </a:lnRef>
+          <a:fillRef idx="0">
+            <a:schemeClr val="accent1"/>
+          </a:fillRef>
+          <a:effectRef idx="0">
+            <a:schemeClr val="accent1"/>
+          </a:effectRef>
+          <a:fontRef idx="minor">
+            <a:schemeClr val="tx1"/>
+          </a:fontRef>
+        </p:style>
+      </p:cxnSp>
+      <p:cxnSp>
+        <p:nvCxnSpPr>
+          <p:cNvPr id="91" name="Straight Arrow Connector 90"/>
+          <p:cNvCxnSpPr>
+            <a:stCxn id="66" idx="4"/>
+            <a:endCxn id="87" idx="0"/>
+          </p:cNvCxnSpPr>
+          <p:nvPr/>
+        </p:nvCxnSpPr>
+        <p:spPr>
+          <a:xfrm rot="16200000" flipH="1">
+            <a:off x="1905025" y="3780751"/>
+            <a:ext cx="1858723" cy="538474"/>
+          </a:xfrm>
+          <a:prstGeom prst="curvedConnector3">
+            <a:avLst>
+              <a:gd name="adj1" fmla="val 23573"/>
+            </a:avLst>
+          </a:prstGeom>
+          <a:ln w="12700">
+            <a:solidFill>
+              <a:schemeClr val="tx1"/>
+            </a:solidFill>
+            <a:tailEnd type="arrow"/>
+          </a:ln>
+        </p:spPr>
+        <p:style>
+          <a:lnRef idx="1">
+            <a:schemeClr val="accent1"/>
+          </a:lnRef>
+          <a:fillRef idx="0">
+            <a:schemeClr val="accent1"/>
+          </a:fillRef>
+          <a:effectRef idx="0">
+            <a:schemeClr val="accent1"/>
+          </a:effectRef>
+          <a:fontRef idx="minor">
+            <a:schemeClr val="tx1"/>
+          </a:fontRef>
+        </p:style>
+      </p:cxnSp>
+      <mc:AlternateContent xmlns:mc="http://schemas.openxmlformats.org/markup-compatibility/2006">
+        <mc:Choice xmlns:a14="http://schemas.microsoft.com/office/drawing/2010/main" Requires="a14">
+          <p:sp>
+            <p:nvSpPr>
+              <p:cNvPr id="98" name="Oval 97"/>
+              <p:cNvSpPr>
+                <a:spLocks noChangeAspect="1"/>
+              </p:cNvSpPr>
+              <p:nvPr/>
+            </p:nvSpPr>
+            <p:spPr>
+              <a:xfrm>
+                <a:off x="2896482" y="5699430"/>
+                <a:ext cx="414279" cy="414279"/>
+              </a:xfrm>
+              <a:prstGeom prst="ellipse">
+                <a:avLst/>
+              </a:prstGeom>
+              <a:solidFill>
+                <a:schemeClr val="accent1">
+                  <a:lumMod val="20000"/>
+                  <a:lumOff val="80000"/>
+                </a:schemeClr>
+              </a:solidFill>
+              <a:ln w="12700">
+                <a:solidFill>
+                  <a:schemeClr val="tx1"/>
+                </a:solidFill>
+              </a:ln>
+            </p:spPr>
+            <p:style>
+              <a:lnRef idx="2">
+                <a:schemeClr val="accent1">
+                  <a:shade val="50000"/>
+                </a:schemeClr>
+              </a:lnRef>
+              <a:fillRef idx="1">
+                <a:schemeClr val="accent1"/>
+              </a:fillRef>
+              <a:effectRef idx="0">
+                <a:schemeClr val="accent1"/>
+              </a:effectRef>
+              <a:fontRef idx="minor">
+                <a:schemeClr val="lt1"/>
+              </a:fontRef>
+            </p:style>
+            <p:txBody>
+              <a:bodyPr rtlCol="0" anchor="ctr"/>
+              <a:lstStyle/>
+              <a:p>
+                <a:pPr algn="ctr"/>
+                <a14:m>
+                  <m:oMathPara xmlns:m="http://schemas.openxmlformats.org/officeDocument/2006/math">
+                    <m:oMathParaPr>
+                      <m:jc m:val="centerGroup"/>
+                    </m:oMathParaPr>
+                    <m:oMath xmlns:m="http://schemas.openxmlformats.org/officeDocument/2006/math">
+                      <m:sSub>
+                        <m:sSubPr>
+                          <m:ctrlPr>
+                            <a:rPr lang="pl-PL" sz="1400" i="1" smtClean="0">
+                              <a:solidFill>
+                                <a:schemeClr val="tx1"/>
+                              </a:solidFill>
+                              <a:latin typeface="Cambria Math"/>
+                            </a:rPr>
+                          </m:ctrlPr>
+                        </m:sSubPr>
+                        <m:e>
+                          <m:r>
+                            <a:rPr lang="pl-PL" sz="1400" b="0" i="1" smtClean="0">
+                              <a:solidFill>
+                                <a:schemeClr val="tx1"/>
+                              </a:solidFill>
+                              <a:latin typeface="Cambria Math"/>
+                            </a:rPr>
+                            <m:t>𝑜</m:t>
+                          </m:r>
+                        </m:e>
+                        <m:sub>
+                          <m:r>
+                            <a:rPr lang="pl-PL" sz="1400" i="1">
+                              <a:solidFill>
+                                <a:schemeClr val="tx1"/>
+                              </a:solidFill>
+                              <a:latin typeface="Cambria Math"/>
+                            </a:rPr>
+                            <m:t>1_2</m:t>
+                          </m:r>
+                        </m:sub>
+                      </m:sSub>
+                    </m:oMath>
+                  </m:oMathPara>
+                </a14:m>
+                <a:endParaRPr lang="en-GB" sz="1400" dirty="0">
+                  <a:solidFill>
+                    <a:schemeClr val="tx1"/>
+                  </a:solidFill>
+                </a:endParaRPr>
+              </a:p>
+            </p:txBody>
+          </p:sp>
+        </mc:Choice>
+        <mc:Fallback>
+          <p:sp>
+            <p:nvSpPr>
+              <p:cNvPr id="98" name="Oval 97"/>
+              <p:cNvSpPr>
+                <a:spLocks noRot="1" noChangeAspect="1" noMove="1" noResize="1" noEditPoints="1" noAdjustHandles="1" noChangeArrowheads="1" noChangeShapeType="1" noTextEdit="1"/>
+              </p:cNvSpPr>
+              <p:nvPr/>
+            </p:nvSpPr>
+            <p:spPr>
+              <a:xfrm>
+                <a:off x="2896482" y="5699430"/>
+                <a:ext cx="414279" cy="414279"/>
+              </a:xfrm>
+              <a:prstGeom prst="ellipse">
+                <a:avLst/>
+              </a:prstGeom>
+              <a:blipFill rotWithShape="1">
+                <a:blip r:embed="rId25"/>
+                <a:stretch>
+                  <a:fillRect/>
+                </a:stretch>
+              </a:blipFill>
+              <a:ln w="12700">
+                <a:solidFill>
+                  <a:schemeClr val="tx1"/>
+                </a:solidFill>
+              </a:ln>
+            </p:spPr>
+            <p:txBody>
+              <a:bodyPr/>
+              <a:lstStyle/>
+              <a:p>
+                <a:r>
+                  <a:rPr lang="en-GB">
+                    <a:noFill/>
+                  </a:rPr>
+                  <a:t> </a:t>
+                </a:r>
+              </a:p>
+            </p:txBody>
+          </p:sp>
+        </mc:Fallback>
+      </mc:AlternateContent>
+      <p:cxnSp>
+        <p:nvCxnSpPr>
+          <p:cNvPr id="99" name="Straight Arrow Connector 98"/>
+          <p:cNvCxnSpPr>
+            <a:stCxn id="87" idx="4"/>
+            <a:endCxn id="98" idx="0"/>
+          </p:cNvCxnSpPr>
+          <p:nvPr/>
+        </p:nvCxnSpPr>
+        <p:spPr>
+          <a:xfrm flipH="1">
+            <a:off x="3103622" y="5393629"/>
+            <a:ext cx="1" cy="305801"/>
+          </a:xfrm>
+          <a:prstGeom prst="straightConnector1">
+            <a:avLst/>
+          </a:prstGeom>
+          <a:ln w="12700">
+            <a:solidFill>
+              <a:schemeClr val="tx1"/>
+            </a:solidFill>
+            <a:tailEnd type="arrow"/>
+          </a:ln>
+        </p:spPr>
+        <p:style>
+          <a:lnRef idx="1">
+            <a:schemeClr val="accent1"/>
+          </a:lnRef>
+          <a:fillRef idx="0">
+            <a:schemeClr val="accent1"/>
+          </a:fillRef>
+          <a:effectRef idx="0">
+            <a:schemeClr val="accent1"/>
+          </a:effectRef>
+          <a:fontRef idx="minor">
+            <a:schemeClr val="tx1"/>
+          </a:fontRef>
+        </p:style>
+      </p:cxnSp>
+      <mc:AlternateContent xmlns:mc="http://schemas.openxmlformats.org/markup-compatibility/2006">
+        <mc:Choice xmlns:a14="http://schemas.microsoft.com/office/drawing/2010/main" Requires="a14">
+          <p:sp>
+            <p:nvSpPr>
+              <p:cNvPr id="102" name="Oval 101"/>
+              <p:cNvSpPr>
+                <a:spLocks noChangeAspect="1"/>
+              </p:cNvSpPr>
+              <p:nvPr/>
+            </p:nvSpPr>
+            <p:spPr>
+              <a:xfrm>
+                <a:off x="4216214" y="4979350"/>
+                <a:ext cx="414279" cy="414279"/>
+              </a:xfrm>
+              <a:prstGeom prst="ellipse">
+                <a:avLst/>
+              </a:prstGeom>
+              <a:solidFill>
+                <a:schemeClr val="accent1">
+                  <a:lumMod val="20000"/>
+                  <a:lumOff val="80000"/>
+                </a:schemeClr>
+              </a:solidFill>
+              <a:ln w="12700">
+                <a:solidFill>
+                  <a:schemeClr val="tx1"/>
+                </a:solidFill>
+              </a:ln>
+            </p:spPr>
+            <p:style>
+              <a:lnRef idx="2">
+                <a:schemeClr val="accent1">
+                  <a:shade val="50000"/>
+                </a:schemeClr>
+              </a:lnRef>
+              <a:fillRef idx="1">
+                <a:schemeClr val="accent1"/>
+              </a:fillRef>
+              <a:effectRef idx="0">
+                <a:schemeClr val="accent1"/>
+              </a:effectRef>
+              <a:fontRef idx="minor">
+                <a:schemeClr val="lt1"/>
+              </a:fontRef>
+            </p:style>
+            <p:txBody>
+              <a:bodyPr rtlCol="0" anchor="ctr"/>
+              <a:lstStyle/>
+              <a:p>
+                <a:pPr algn="ctr"/>
+                <a14:m>
+                  <m:oMathPara xmlns:m="http://schemas.openxmlformats.org/officeDocument/2006/math">
+                    <m:oMathParaPr>
+                      <m:jc m:val="centerGroup"/>
+                    </m:oMathParaPr>
+                    <m:oMath xmlns:m="http://schemas.openxmlformats.org/officeDocument/2006/math">
+                      <m:sSub>
+                        <m:sSubPr>
+                          <m:ctrlPr>
+                            <a:rPr lang="pl-PL" sz="1400" i="1">
+                              <a:solidFill>
+                                <a:schemeClr val="tx1"/>
+                              </a:solidFill>
+                              <a:latin typeface="Cambria Math"/>
+                            </a:rPr>
+                          </m:ctrlPr>
+                        </m:sSubPr>
+                        <m:e>
+                          <m:r>
+                            <a:rPr lang="pl-PL" sz="1400" i="1">
+                              <a:solidFill>
+                                <a:schemeClr val="tx1"/>
+                              </a:solidFill>
+                              <a:latin typeface="Cambria Math"/>
+                            </a:rPr>
+                            <m:t>𝑑</m:t>
+                          </m:r>
+                        </m:e>
+                        <m:sub>
+                          <m:r>
+                            <a:rPr lang="pl-PL" sz="1400" i="1">
+                              <a:solidFill>
+                                <a:schemeClr val="tx1"/>
+                              </a:solidFill>
+                              <a:latin typeface="Cambria Math"/>
+                            </a:rPr>
+                            <m:t>1_2</m:t>
+                          </m:r>
+                        </m:sub>
+                      </m:sSub>
+                    </m:oMath>
+                  </m:oMathPara>
+                </a14:m>
+                <a:endParaRPr lang="en-GB" sz="1400" dirty="0">
+                  <a:solidFill>
+                    <a:schemeClr val="tx1"/>
+                  </a:solidFill>
+                </a:endParaRPr>
+              </a:p>
+            </p:txBody>
+          </p:sp>
+        </mc:Choice>
+        <mc:Fallback>
+          <p:sp>
+            <p:nvSpPr>
+              <p:cNvPr id="102" name="Oval 101"/>
+              <p:cNvSpPr>
+                <a:spLocks noRot="1" noChangeAspect="1" noMove="1" noResize="1" noEditPoints="1" noAdjustHandles="1" noChangeArrowheads="1" noChangeShapeType="1" noTextEdit="1"/>
+              </p:cNvSpPr>
+              <p:nvPr/>
+            </p:nvSpPr>
+            <p:spPr>
+              <a:xfrm>
+                <a:off x="4216214" y="4979350"/>
+                <a:ext cx="414279" cy="414279"/>
+              </a:xfrm>
+              <a:prstGeom prst="ellipse">
+                <a:avLst/>
+              </a:prstGeom>
+              <a:blipFill rotWithShape="1">
+                <a:blip r:embed="rId26"/>
+                <a:stretch>
+                  <a:fillRect l="-5714"/>
+                </a:stretch>
+              </a:blipFill>
+              <a:ln w="12700">
+                <a:solidFill>
+                  <a:schemeClr val="tx1"/>
+                </a:solidFill>
+              </a:ln>
+            </p:spPr>
+            <p:txBody>
+              <a:bodyPr/>
+              <a:lstStyle/>
+              <a:p>
+                <a:r>
+                  <a:rPr lang="en-GB">
+                    <a:noFill/>
+                  </a:rPr>
+                  <a:t> </a:t>
+                </a:r>
+              </a:p>
+            </p:txBody>
+          </p:sp>
+        </mc:Fallback>
+      </mc:AlternateContent>
+      <mc:AlternateContent xmlns:mc="http://schemas.openxmlformats.org/markup-compatibility/2006">
+        <mc:Choice xmlns:a14="http://schemas.microsoft.com/office/drawing/2010/main" Requires="a14">
+          <p:sp>
+            <p:nvSpPr>
+              <p:cNvPr id="103" name="Oval 102"/>
+              <p:cNvSpPr>
+                <a:spLocks noChangeAspect="1"/>
+              </p:cNvSpPr>
+              <p:nvPr/>
+            </p:nvSpPr>
+            <p:spPr>
+              <a:xfrm>
+                <a:off x="4216213" y="5699430"/>
+                <a:ext cx="414279" cy="414279"/>
+              </a:xfrm>
+              <a:prstGeom prst="ellipse">
+                <a:avLst/>
+              </a:prstGeom>
+              <a:solidFill>
+                <a:schemeClr val="accent1">
+                  <a:lumMod val="20000"/>
+                  <a:lumOff val="80000"/>
+                </a:schemeClr>
+              </a:solidFill>
+              <a:ln w="12700">
+                <a:solidFill>
+                  <a:schemeClr val="tx1"/>
+                </a:solidFill>
+              </a:ln>
+            </p:spPr>
+            <p:style>
+              <a:lnRef idx="2">
+                <a:schemeClr val="accent1">
+                  <a:shade val="50000"/>
+                </a:schemeClr>
+              </a:lnRef>
+              <a:fillRef idx="1">
+                <a:schemeClr val="accent1"/>
+              </a:fillRef>
+              <a:effectRef idx="0">
+                <a:schemeClr val="accent1"/>
+              </a:effectRef>
+              <a:fontRef idx="minor">
+                <a:schemeClr val="lt1"/>
+              </a:fontRef>
+            </p:style>
+            <p:txBody>
+              <a:bodyPr rtlCol="0" anchor="ctr"/>
+              <a:lstStyle/>
+              <a:p>
+                <a:pPr algn="ctr"/>
+                <a14:m>
+                  <m:oMathPara xmlns:m="http://schemas.openxmlformats.org/officeDocument/2006/math">
+                    <m:oMathParaPr>
+                      <m:jc m:val="centerGroup"/>
+                    </m:oMathParaPr>
+                    <m:oMath xmlns:m="http://schemas.openxmlformats.org/officeDocument/2006/math">
+                      <m:sSub>
+                        <m:sSubPr>
+                          <m:ctrlPr>
+                            <a:rPr lang="pl-PL" sz="1400" i="1" smtClean="0">
+                              <a:solidFill>
+                                <a:schemeClr val="tx1"/>
+                              </a:solidFill>
+                              <a:latin typeface="Cambria Math"/>
+                            </a:rPr>
+                          </m:ctrlPr>
+                        </m:sSubPr>
+                        <m:e>
+                          <m:r>
+                            <a:rPr lang="pl-PL" sz="1400" b="0" i="1" smtClean="0">
+                              <a:solidFill>
+                                <a:schemeClr val="tx1"/>
+                              </a:solidFill>
+                              <a:latin typeface="Cambria Math"/>
+                            </a:rPr>
+                            <m:t>𝑜</m:t>
+                          </m:r>
+                        </m:e>
+                        <m:sub>
+                          <m:r>
+                            <a:rPr lang="pl-PL" sz="1400" i="1">
+                              <a:solidFill>
+                                <a:schemeClr val="tx1"/>
+                              </a:solidFill>
+                              <a:latin typeface="Cambria Math"/>
+                            </a:rPr>
+                            <m:t>1_2</m:t>
+                          </m:r>
+                        </m:sub>
+                      </m:sSub>
+                    </m:oMath>
+                  </m:oMathPara>
+                </a14:m>
+                <a:endParaRPr lang="en-GB" sz="1400" dirty="0">
+                  <a:solidFill>
+                    <a:schemeClr val="tx1"/>
+                  </a:solidFill>
+                </a:endParaRPr>
+              </a:p>
+            </p:txBody>
+          </p:sp>
+        </mc:Choice>
+        <mc:Fallback>
+          <p:sp>
+            <p:nvSpPr>
+              <p:cNvPr id="103" name="Oval 102"/>
+              <p:cNvSpPr>
+                <a:spLocks noRot="1" noChangeAspect="1" noMove="1" noResize="1" noEditPoints="1" noAdjustHandles="1" noChangeArrowheads="1" noChangeShapeType="1" noTextEdit="1"/>
+              </p:cNvSpPr>
+              <p:nvPr/>
+            </p:nvSpPr>
+            <p:spPr>
+              <a:xfrm>
+                <a:off x="4216213" y="5699430"/>
+                <a:ext cx="414279" cy="414279"/>
+              </a:xfrm>
+              <a:prstGeom prst="ellipse">
+                <a:avLst/>
+              </a:prstGeom>
+              <a:blipFill rotWithShape="1">
+                <a:blip r:embed="rId25"/>
+                <a:stretch>
+                  <a:fillRect/>
+                </a:stretch>
+              </a:blipFill>
+              <a:ln w="12700">
+                <a:solidFill>
+                  <a:schemeClr val="tx1"/>
+                </a:solidFill>
+              </a:ln>
+            </p:spPr>
+            <p:txBody>
+              <a:bodyPr/>
+              <a:lstStyle/>
+              <a:p>
+                <a:r>
+                  <a:rPr lang="en-GB">
+                    <a:noFill/>
+                  </a:rPr>
+                  <a:t> </a:t>
+                </a:r>
+              </a:p>
+            </p:txBody>
+          </p:sp>
+        </mc:Fallback>
+      </mc:AlternateContent>
+      <p:cxnSp>
+        <p:nvCxnSpPr>
+          <p:cNvPr id="104" name="Straight Arrow Connector 103"/>
+          <p:cNvCxnSpPr>
+            <a:stCxn id="102" idx="4"/>
+            <a:endCxn id="103" idx="0"/>
+          </p:cNvCxnSpPr>
+          <p:nvPr/>
+        </p:nvCxnSpPr>
+        <p:spPr>
+          <a:xfrm flipH="1">
+            <a:off x="4423353" y="5393629"/>
+            <a:ext cx="1" cy="305801"/>
+          </a:xfrm>
+          <a:prstGeom prst="straightConnector1">
+            <a:avLst/>
+          </a:prstGeom>
+          <a:ln w="12700">
+            <a:solidFill>
+              <a:schemeClr val="tx1"/>
+            </a:solidFill>
+            <a:tailEnd type="arrow"/>
+          </a:ln>
+        </p:spPr>
+        <p:style>
+          <a:lnRef idx="1">
+            <a:schemeClr val="accent1"/>
+          </a:lnRef>
+          <a:fillRef idx="0">
+            <a:schemeClr val="accent1"/>
+          </a:fillRef>
+          <a:effectRef idx="0">
+            <a:schemeClr val="accent1"/>
+          </a:effectRef>
+          <a:fontRef idx="minor">
+            <a:schemeClr val="tx1"/>
+          </a:fontRef>
+        </p:style>
+      </p:cxnSp>
+      <mc:AlternateContent xmlns:mc="http://schemas.openxmlformats.org/markup-compatibility/2006">
+        <mc:Choice xmlns:a14="http://schemas.microsoft.com/office/drawing/2010/main" Requires="a14">
+          <p:sp>
+            <p:nvSpPr>
+              <p:cNvPr id="105" name="Oval 104"/>
+              <p:cNvSpPr>
+                <a:spLocks noChangeAspect="1"/>
+              </p:cNvSpPr>
+              <p:nvPr/>
+            </p:nvSpPr>
+            <p:spPr>
+              <a:xfrm>
+                <a:off x="4741065" y="4979350"/>
+                <a:ext cx="414279" cy="414279"/>
+              </a:xfrm>
+              <a:prstGeom prst="ellipse">
+                <a:avLst/>
+              </a:prstGeom>
+              <a:solidFill>
+                <a:schemeClr val="accent1">
+                  <a:lumMod val="20000"/>
+                  <a:lumOff val="80000"/>
+                </a:schemeClr>
+              </a:solidFill>
+              <a:ln w="12700">
+                <a:solidFill>
+                  <a:schemeClr val="tx1"/>
+                </a:solidFill>
+              </a:ln>
+            </p:spPr>
+            <p:style>
+              <a:lnRef idx="2">
+                <a:schemeClr val="accent1">
+                  <a:shade val="50000"/>
+                </a:schemeClr>
+              </a:lnRef>
+              <a:fillRef idx="1">
+                <a:schemeClr val="accent1"/>
+              </a:fillRef>
+              <a:effectRef idx="0">
+                <a:schemeClr val="accent1"/>
+              </a:effectRef>
+              <a:fontRef idx="minor">
+                <a:schemeClr val="lt1"/>
+              </a:fontRef>
+            </p:style>
+            <p:txBody>
+              <a:bodyPr rtlCol="0" anchor="ctr"/>
+              <a:lstStyle/>
+              <a:p>
+                <a:pPr algn="ctr"/>
+                <a14:m>
+                  <m:oMathPara xmlns:m="http://schemas.openxmlformats.org/officeDocument/2006/math">
+                    <m:oMathParaPr>
+                      <m:jc m:val="centerGroup"/>
+                    </m:oMathParaPr>
+                    <m:oMath xmlns:m="http://schemas.openxmlformats.org/officeDocument/2006/math">
+                      <m:sSub>
+                        <m:sSubPr>
+                          <m:ctrlPr>
+                            <a:rPr lang="pl-PL" sz="1400" i="1" smtClean="0">
+                              <a:solidFill>
+                                <a:schemeClr val="tx1"/>
+                              </a:solidFill>
+                              <a:latin typeface="Cambria Math"/>
+                            </a:rPr>
+                          </m:ctrlPr>
+                        </m:sSubPr>
+                        <m:e>
+                          <m:r>
+                            <a:rPr lang="pl-PL" sz="1400" i="1">
+                              <a:solidFill>
+                                <a:schemeClr val="tx1"/>
+                              </a:solidFill>
+                              <a:latin typeface="Cambria Math"/>
+                            </a:rPr>
+                            <m:t>𝑑</m:t>
+                          </m:r>
+                        </m:e>
+                        <m:sub>
+                          <m:r>
+                            <a:rPr lang="pl-PL" sz="1400" b="0" i="1" smtClean="0">
+                              <a:solidFill>
+                                <a:schemeClr val="tx1"/>
+                              </a:solidFill>
+                              <a:latin typeface="Cambria Math"/>
+                            </a:rPr>
+                            <m:t>2</m:t>
+                          </m:r>
+                          <m:r>
+                            <a:rPr lang="pl-PL" sz="1400" i="1">
+                              <a:solidFill>
+                                <a:schemeClr val="tx1"/>
+                              </a:solidFill>
+                              <a:latin typeface="Cambria Math"/>
+                            </a:rPr>
+                            <m:t>_</m:t>
+                          </m:r>
+                          <m:r>
+                            <a:rPr lang="pl-PL" sz="1400" b="0" i="1" smtClean="0">
+                              <a:solidFill>
+                                <a:schemeClr val="tx1"/>
+                              </a:solidFill>
+                              <a:latin typeface="Cambria Math"/>
+                            </a:rPr>
+                            <m:t>3</m:t>
+                          </m:r>
+                        </m:sub>
+                      </m:sSub>
+                    </m:oMath>
+                  </m:oMathPara>
+                </a14:m>
+                <a:endParaRPr lang="en-GB" sz="1400" dirty="0">
+                  <a:solidFill>
+                    <a:schemeClr val="tx1"/>
+                  </a:solidFill>
+                </a:endParaRPr>
+              </a:p>
+            </p:txBody>
+          </p:sp>
+        </mc:Choice>
+        <mc:Fallback>
+          <p:sp>
+            <p:nvSpPr>
+              <p:cNvPr id="105" name="Oval 104"/>
+              <p:cNvSpPr>
+                <a:spLocks noRot="1" noChangeAspect="1" noMove="1" noResize="1" noEditPoints="1" noAdjustHandles="1" noChangeArrowheads="1" noChangeShapeType="1" noTextEdit="1"/>
+              </p:cNvSpPr>
+              <p:nvPr/>
+            </p:nvSpPr>
+            <p:spPr>
+              <a:xfrm>
+                <a:off x="4741065" y="4979350"/>
+                <a:ext cx="414279" cy="414279"/>
+              </a:xfrm>
+              <a:prstGeom prst="ellipse">
+                <a:avLst/>
+              </a:prstGeom>
+              <a:blipFill rotWithShape="1">
+                <a:blip r:embed="rId27"/>
+                <a:stretch>
+                  <a:fillRect l="-5714"/>
+                </a:stretch>
+              </a:blipFill>
+              <a:ln w="12700">
+                <a:solidFill>
+                  <a:schemeClr val="tx1"/>
+                </a:solidFill>
+              </a:ln>
+            </p:spPr>
+            <p:txBody>
+              <a:bodyPr/>
+              <a:lstStyle/>
+              <a:p>
+                <a:r>
+                  <a:rPr lang="en-GB">
+                    <a:noFill/>
+                  </a:rPr>
+                  <a:t> </a:t>
+                </a:r>
+              </a:p>
+            </p:txBody>
+          </p:sp>
+        </mc:Fallback>
+      </mc:AlternateContent>
+      <mc:AlternateContent xmlns:mc="http://schemas.openxmlformats.org/markup-compatibility/2006">
+        <mc:Choice xmlns:a14="http://schemas.microsoft.com/office/drawing/2010/main" Requires="a14">
+          <p:sp>
+            <p:nvSpPr>
+              <p:cNvPr id="106" name="Oval 105"/>
+              <p:cNvSpPr>
+                <a:spLocks noChangeAspect="1"/>
+              </p:cNvSpPr>
+              <p:nvPr/>
+            </p:nvSpPr>
+            <p:spPr>
+              <a:xfrm>
+                <a:off x="4741064" y="5699430"/>
+                <a:ext cx="414279" cy="414279"/>
+              </a:xfrm>
+              <a:prstGeom prst="ellipse">
+                <a:avLst/>
+              </a:prstGeom>
+              <a:solidFill>
+                <a:schemeClr val="accent1">
+                  <a:lumMod val="20000"/>
+                  <a:lumOff val="80000"/>
+                </a:schemeClr>
+              </a:solidFill>
+              <a:ln w="12700">
+                <a:solidFill>
+                  <a:schemeClr val="tx1"/>
+                </a:solidFill>
+              </a:ln>
+            </p:spPr>
+            <p:style>
+              <a:lnRef idx="2">
+                <a:schemeClr val="accent1">
+                  <a:shade val="50000"/>
+                </a:schemeClr>
+              </a:lnRef>
+              <a:fillRef idx="1">
+                <a:schemeClr val="accent1"/>
+              </a:fillRef>
+              <a:effectRef idx="0">
+                <a:schemeClr val="accent1"/>
+              </a:effectRef>
+              <a:fontRef idx="minor">
+                <a:schemeClr val="lt1"/>
+              </a:fontRef>
+            </p:style>
+            <p:txBody>
+              <a:bodyPr rtlCol="0" anchor="ctr"/>
+              <a:lstStyle/>
+              <a:p>
+                <a:pPr algn="ctr"/>
+                <a14:m>
+                  <m:oMathPara xmlns:m="http://schemas.openxmlformats.org/officeDocument/2006/math">
+                    <m:oMathParaPr>
+                      <m:jc m:val="centerGroup"/>
+                    </m:oMathParaPr>
+                    <m:oMath xmlns:m="http://schemas.openxmlformats.org/officeDocument/2006/math">
+                      <m:sSub>
+                        <m:sSubPr>
+                          <m:ctrlPr>
+                            <a:rPr lang="pl-PL" sz="1400" i="1" smtClean="0">
+                              <a:solidFill>
+                                <a:schemeClr val="tx1"/>
+                              </a:solidFill>
+                              <a:latin typeface="Cambria Math"/>
+                            </a:rPr>
+                          </m:ctrlPr>
+                        </m:sSubPr>
+                        <m:e>
+                          <m:r>
+                            <a:rPr lang="pl-PL" sz="1400" b="0" i="1" smtClean="0">
+                              <a:solidFill>
+                                <a:schemeClr val="tx1"/>
+                              </a:solidFill>
+                              <a:latin typeface="Cambria Math"/>
+                            </a:rPr>
+                            <m:t>𝑜</m:t>
+                          </m:r>
+                        </m:e>
+                        <m:sub>
+                          <m:r>
+                            <a:rPr lang="pl-PL" sz="1400" b="0" i="1" smtClean="0">
+                              <a:solidFill>
+                                <a:schemeClr val="tx1"/>
+                              </a:solidFill>
+                              <a:latin typeface="Cambria Math"/>
+                            </a:rPr>
+                            <m:t>2</m:t>
+                          </m:r>
+                          <m:r>
+                            <a:rPr lang="pl-PL" sz="1400" i="1">
+                              <a:solidFill>
+                                <a:schemeClr val="tx1"/>
+                              </a:solidFill>
+                              <a:latin typeface="Cambria Math"/>
+                            </a:rPr>
+                            <m:t>_</m:t>
+                          </m:r>
+                          <m:r>
+                            <a:rPr lang="pl-PL" sz="1400" b="0" i="1" smtClean="0">
+                              <a:solidFill>
+                                <a:schemeClr val="tx1"/>
+                              </a:solidFill>
+                              <a:latin typeface="Cambria Math"/>
+                            </a:rPr>
+                            <m:t>3</m:t>
+                          </m:r>
+                        </m:sub>
+                      </m:sSub>
+                    </m:oMath>
+                  </m:oMathPara>
+                </a14:m>
+                <a:endParaRPr lang="en-GB" sz="1400" dirty="0">
+                  <a:solidFill>
+                    <a:schemeClr val="tx1"/>
+                  </a:solidFill>
+                </a:endParaRPr>
+              </a:p>
+            </p:txBody>
+          </p:sp>
+        </mc:Choice>
+        <mc:Fallback>
+          <p:sp>
+            <p:nvSpPr>
+              <p:cNvPr id="106" name="Oval 105"/>
+              <p:cNvSpPr>
+                <a:spLocks noRot="1" noChangeAspect="1" noMove="1" noResize="1" noEditPoints="1" noAdjustHandles="1" noChangeArrowheads="1" noChangeShapeType="1" noTextEdit="1"/>
+              </p:cNvSpPr>
+              <p:nvPr/>
+            </p:nvSpPr>
+            <p:spPr>
+              <a:xfrm>
+                <a:off x="4741064" y="5699430"/>
+                <a:ext cx="414279" cy="414279"/>
+              </a:xfrm>
+              <a:prstGeom prst="ellipse">
+                <a:avLst/>
+              </a:prstGeom>
+              <a:blipFill rotWithShape="1">
+                <a:blip r:embed="rId28"/>
+                <a:stretch>
+                  <a:fillRect/>
+                </a:stretch>
+              </a:blipFill>
+              <a:ln w="12700">
+                <a:solidFill>
+                  <a:schemeClr val="tx1"/>
+                </a:solidFill>
+              </a:ln>
+            </p:spPr>
+            <p:txBody>
+              <a:bodyPr/>
+              <a:lstStyle/>
+              <a:p>
+                <a:r>
+                  <a:rPr lang="en-GB">
+                    <a:noFill/>
+                  </a:rPr>
+                  <a:t> </a:t>
+                </a:r>
+              </a:p>
+            </p:txBody>
+          </p:sp>
+        </mc:Fallback>
+      </mc:AlternateContent>
+      <p:cxnSp>
+        <p:nvCxnSpPr>
+          <p:cNvPr id="107" name="Straight Arrow Connector 106"/>
+          <p:cNvCxnSpPr>
+            <a:stCxn id="105" idx="4"/>
+            <a:endCxn id="106" idx="0"/>
+          </p:cNvCxnSpPr>
+          <p:nvPr/>
+        </p:nvCxnSpPr>
+        <p:spPr>
+          <a:xfrm flipH="1">
+            <a:off x="4948204" y="5393629"/>
+            <a:ext cx="1" cy="305801"/>
+          </a:xfrm>
+          <a:prstGeom prst="straightConnector1">
+            <a:avLst/>
+          </a:prstGeom>
+          <a:ln w="12700">
+            <a:solidFill>
+              <a:schemeClr val="tx1"/>
+            </a:solidFill>
+            <a:tailEnd type="arrow"/>
+          </a:ln>
+        </p:spPr>
+        <p:style>
+          <a:lnRef idx="1">
+            <a:schemeClr val="accent1"/>
+          </a:lnRef>
+          <a:fillRef idx="0">
+            <a:schemeClr val="accent1"/>
+          </a:fillRef>
+          <a:effectRef idx="0">
+            <a:schemeClr val="accent1"/>
+          </a:effectRef>
+          <a:fontRef idx="minor">
+            <a:schemeClr val="tx1"/>
+          </a:fontRef>
+        </p:style>
+      </p:cxnSp>
+      <mc:AlternateContent xmlns:mc="http://schemas.openxmlformats.org/markup-compatibility/2006">
+        <mc:Choice xmlns:a14="http://schemas.microsoft.com/office/drawing/2010/main" Requires="a14">
+          <p:sp>
+            <p:nvSpPr>
+              <p:cNvPr id="108" name="Oval 107"/>
+              <p:cNvSpPr>
+                <a:spLocks noChangeAspect="1"/>
+              </p:cNvSpPr>
+              <p:nvPr/>
+            </p:nvSpPr>
+            <p:spPr>
+              <a:xfrm>
+                <a:off x="6056381" y="4976511"/>
+                <a:ext cx="414279" cy="414279"/>
+              </a:xfrm>
+              <a:prstGeom prst="ellipse">
+                <a:avLst/>
+              </a:prstGeom>
+              <a:solidFill>
+                <a:schemeClr val="accent1">
+                  <a:lumMod val="20000"/>
+                  <a:lumOff val="80000"/>
+                </a:schemeClr>
+              </a:solidFill>
+              <a:ln w="12700">
+                <a:solidFill>
+                  <a:schemeClr val="tx1"/>
+                </a:solidFill>
+              </a:ln>
+            </p:spPr>
+            <p:style>
+              <a:lnRef idx="2">
+                <a:schemeClr val="accent1">
+                  <a:shade val="50000"/>
+                </a:schemeClr>
+              </a:lnRef>
+              <a:fillRef idx="1">
+                <a:schemeClr val="accent1"/>
+              </a:fillRef>
+              <a:effectRef idx="0">
+                <a:schemeClr val="accent1"/>
+              </a:effectRef>
+              <a:fontRef idx="minor">
+                <a:schemeClr val="lt1"/>
+              </a:fontRef>
+            </p:style>
+            <p:txBody>
+              <a:bodyPr rtlCol="0" anchor="ctr"/>
+              <a:lstStyle/>
+              <a:p>
+                <a:pPr algn="ctr"/>
+                <a14:m>
+                  <m:oMathPara xmlns:m="http://schemas.openxmlformats.org/officeDocument/2006/math">
+                    <m:oMathParaPr>
+                      <m:jc m:val="centerGroup"/>
+                    </m:oMathParaPr>
+                    <m:oMath xmlns:m="http://schemas.openxmlformats.org/officeDocument/2006/math">
+                      <m:sSub>
+                        <m:sSubPr>
+                          <m:ctrlPr>
+                            <a:rPr lang="pl-PL" sz="1400" i="1">
+                              <a:solidFill>
+                                <a:schemeClr val="tx1"/>
+                              </a:solidFill>
+                              <a:latin typeface="Cambria Math"/>
+                            </a:rPr>
+                          </m:ctrlPr>
+                        </m:sSubPr>
+                        <m:e>
+                          <m:r>
+                            <a:rPr lang="pl-PL" sz="1400" i="1">
+                              <a:solidFill>
+                                <a:schemeClr val="tx1"/>
+                              </a:solidFill>
+                              <a:latin typeface="Cambria Math"/>
+                            </a:rPr>
+                            <m:t>𝑑</m:t>
+                          </m:r>
+                        </m:e>
+                        <m:sub>
+                          <m:r>
+                            <a:rPr lang="pl-PL" sz="1400" i="1">
+                              <a:solidFill>
+                                <a:schemeClr val="tx1"/>
+                              </a:solidFill>
+                              <a:latin typeface="Cambria Math"/>
+                            </a:rPr>
+                            <m:t>1_2</m:t>
+                          </m:r>
+                        </m:sub>
+                      </m:sSub>
+                    </m:oMath>
+                  </m:oMathPara>
+                </a14:m>
+                <a:endParaRPr lang="en-GB" sz="1400" dirty="0">
+                  <a:solidFill>
+                    <a:schemeClr val="tx1"/>
+                  </a:solidFill>
+                </a:endParaRPr>
+              </a:p>
+            </p:txBody>
+          </p:sp>
+        </mc:Choice>
+        <mc:Fallback>
+          <p:sp>
+            <p:nvSpPr>
+              <p:cNvPr id="108" name="Oval 107"/>
+              <p:cNvSpPr>
+                <a:spLocks noRot="1" noChangeAspect="1" noMove="1" noResize="1" noEditPoints="1" noAdjustHandles="1" noChangeArrowheads="1" noChangeShapeType="1" noTextEdit="1"/>
+              </p:cNvSpPr>
+              <p:nvPr/>
+            </p:nvSpPr>
+            <p:spPr>
+              <a:xfrm>
+                <a:off x="6056381" y="4976511"/>
+                <a:ext cx="414279" cy="414279"/>
+              </a:xfrm>
+              <a:prstGeom prst="ellipse">
+                <a:avLst/>
+              </a:prstGeom>
+              <a:blipFill rotWithShape="1">
+                <a:blip r:embed="rId29"/>
+                <a:stretch>
+                  <a:fillRect l="-5797"/>
+                </a:stretch>
+              </a:blipFill>
+              <a:ln w="12700">
+                <a:solidFill>
+                  <a:schemeClr val="tx1"/>
+                </a:solidFill>
+              </a:ln>
+            </p:spPr>
+            <p:txBody>
+              <a:bodyPr/>
+              <a:lstStyle/>
+              <a:p>
+                <a:r>
+                  <a:rPr lang="en-GB">
+                    <a:noFill/>
+                  </a:rPr>
+                  <a:t> </a:t>
+                </a:r>
+              </a:p>
+            </p:txBody>
+          </p:sp>
+        </mc:Fallback>
+      </mc:AlternateContent>
+      <mc:AlternateContent xmlns:mc="http://schemas.openxmlformats.org/markup-compatibility/2006">
+        <mc:Choice xmlns:a14="http://schemas.microsoft.com/office/drawing/2010/main" Requires="a14">
+          <p:sp>
+            <p:nvSpPr>
+              <p:cNvPr id="109" name="Oval 108"/>
+              <p:cNvSpPr>
+                <a:spLocks noChangeAspect="1"/>
+              </p:cNvSpPr>
+              <p:nvPr/>
+            </p:nvSpPr>
+            <p:spPr>
+              <a:xfrm>
+                <a:off x="6056380" y="5696591"/>
+                <a:ext cx="414279" cy="414279"/>
+              </a:xfrm>
+              <a:prstGeom prst="ellipse">
+                <a:avLst/>
+              </a:prstGeom>
+              <a:solidFill>
+                <a:schemeClr val="accent1">
+                  <a:lumMod val="20000"/>
+                  <a:lumOff val="80000"/>
+                </a:schemeClr>
+              </a:solidFill>
+              <a:ln w="12700">
+                <a:solidFill>
+                  <a:schemeClr val="tx1"/>
+                </a:solidFill>
+              </a:ln>
+            </p:spPr>
+            <p:style>
+              <a:lnRef idx="2">
+                <a:schemeClr val="accent1">
+                  <a:shade val="50000"/>
+                </a:schemeClr>
+              </a:lnRef>
+              <a:fillRef idx="1">
+                <a:schemeClr val="accent1"/>
+              </a:fillRef>
+              <a:effectRef idx="0">
+                <a:schemeClr val="accent1"/>
+              </a:effectRef>
+              <a:fontRef idx="minor">
+                <a:schemeClr val="lt1"/>
+              </a:fontRef>
+            </p:style>
+            <p:txBody>
+              <a:bodyPr rtlCol="0" anchor="ctr"/>
+              <a:lstStyle/>
+              <a:p>
+                <a:pPr algn="ctr"/>
+                <a14:m>
+                  <m:oMathPara xmlns:m="http://schemas.openxmlformats.org/officeDocument/2006/math">
+                    <m:oMathParaPr>
+                      <m:jc m:val="centerGroup"/>
+                    </m:oMathParaPr>
+                    <m:oMath xmlns:m="http://schemas.openxmlformats.org/officeDocument/2006/math">
+                      <m:sSub>
+                        <m:sSubPr>
+                          <m:ctrlPr>
+                            <a:rPr lang="pl-PL" sz="1400" i="1" smtClean="0">
+                              <a:solidFill>
+                                <a:schemeClr val="tx1"/>
+                              </a:solidFill>
+                              <a:latin typeface="Cambria Math"/>
+                            </a:rPr>
+                          </m:ctrlPr>
+                        </m:sSubPr>
+                        <m:e>
+                          <m:r>
+                            <a:rPr lang="pl-PL" sz="1400" b="0" i="1" smtClean="0">
+                              <a:solidFill>
+                                <a:schemeClr val="tx1"/>
+                              </a:solidFill>
+                              <a:latin typeface="Cambria Math"/>
+                            </a:rPr>
+                            <m:t>𝑜</m:t>
+                          </m:r>
+                        </m:e>
+                        <m:sub>
+                          <m:r>
+                            <a:rPr lang="pl-PL" sz="1400" i="1">
+                              <a:solidFill>
+                                <a:schemeClr val="tx1"/>
+                              </a:solidFill>
+                              <a:latin typeface="Cambria Math"/>
+                            </a:rPr>
+                            <m:t>1_2</m:t>
+                          </m:r>
+                        </m:sub>
+                      </m:sSub>
+                    </m:oMath>
+                  </m:oMathPara>
+                </a14:m>
+                <a:endParaRPr lang="en-GB" sz="1400" dirty="0">
+                  <a:solidFill>
+                    <a:schemeClr val="tx1"/>
+                  </a:solidFill>
+                </a:endParaRPr>
+              </a:p>
+            </p:txBody>
+          </p:sp>
+        </mc:Choice>
+        <mc:Fallback>
+          <p:sp>
+            <p:nvSpPr>
+              <p:cNvPr id="109" name="Oval 108"/>
+              <p:cNvSpPr>
+                <a:spLocks noRot="1" noChangeAspect="1" noMove="1" noResize="1" noEditPoints="1" noAdjustHandles="1" noChangeArrowheads="1" noChangeShapeType="1" noTextEdit="1"/>
+              </p:cNvSpPr>
+              <p:nvPr/>
+            </p:nvSpPr>
+            <p:spPr>
+              <a:xfrm>
+                <a:off x="6056380" y="5696591"/>
+                <a:ext cx="414279" cy="414279"/>
+              </a:xfrm>
+              <a:prstGeom prst="ellipse">
+                <a:avLst/>
+              </a:prstGeom>
+              <a:blipFill rotWithShape="1">
+                <a:blip r:embed="rId30"/>
+                <a:stretch>
+                  <a:fillRect/>
+                </a:stretch>
+              </a:blipFill>
+              <a:ln w="12700">
+                <a:solidFill>
+                  <a:schemeClr val="tx1"/>
+                </a:solidFill>
+              </a:ln>
+            </p:spPr>
+            <p:txBody>
+              <a:bodyPr/>
+              <a:lstStyle/>
+              <a:p>
+                <a:r>
+                  <a:rPr lang="en-GB">
+                    <a:noFill/>
+                  </a:rPr>
+                  <a:t> </a:t>
+                </a:r>
+              </a:p>
+            </p:txBody>
+          </p:sp>
+        </mc:Fallback>
+      </mc:AlternateContent>
+      <p:cxnSp>
+        <p:nvCxnSpPr>
+          <p:cNvPr id="110" name="Straight Arrow Connector 109"/>
+          <p:cNvCxnSpPr>
+            <a:stCxn id="108" idx="4"/>
+            <a:endCxn id="109" idx="0"/>
+          </p:cNvCxnSpPr>
+          <p:nvPr/>
+        </p:nvCxnSpPr>
+        <p:spPr>
+          <a:xfrm flipH="1">
+            <a:off x="6263520" y="5390790"/>
+            <a:ext cx="1" cy="305801"/>
+          </a:xfrm>
+          <a:prstGeom prst="straightConnector1">
+            <a:avLst/>
+          </a:prstGeom>
+          <a:ln w="12700">
+            <a:solidFill>
+              <a:schemeClr val="tx1"/>
+            </a:solidFill>
+            <a:tailEnd type="arrow"/>
+          </a:ln>
+        </p:spPr>
+        <p:style>
+          <a:lnRef idx="1">
+            <a:schemeClr val="accent1"/>
+          </a:lnRef>
+          <a:fillRef idx="0">
+            <a:schemeClr val="accent1"/>
+          </a:fillRef>
+          <a:effectRef idx="0">
+            <a:schemeClr val="accent1"/>
+          </a:effectRef>
+          <a:fontRef idx="minor">
+            <a:schemeClr val="tx1"/>
+          </a:fontRef>
+        </p:style>
+      </p:cxnSp>
+      <mc:AlternateContent xmlns:mc="http://schemas.openxmlformats.org/markup-compatibility/2006">
+        <mc:Choice xmlns:a14="http://schemas.microsoft.com/office/drawing/2010/main" Requires="a14">
+          <p:sp>
+            <p:nvSpPr>
+              <p:cNvPr id="111" name="Oval 110"/>
+              <p:cNvSpPr>
+                <a:spLocks noChangeAspect="1"/>
+              </p:cNvSpPr>
+              <p:nvPr/>
+            </p:nvSpPr>
+            <p:spPr>
+              <a:xfrm>
+                <a:off x="6623060" y="4976510"/>
+                <a:ext cx="414279" cy="414279"/>
+              </a:xfrm>
+              <a:prstGeom prst="ellipse">
+                <a:avLst/>
+              </a:prstGeom>
+              <a:solidFill>
+                <a:schemeClr val="accent1">
+                  <a:lumMod val="20000"/>
+                  <a:lumOff val="80000"/>
+                </a:schemeClr>
+              </a:solidFill>
+              <a:ln w="12700">
+                <a:solidFill>
+                  <a:schemeClr val="tx1"/>
+                </a:solidFill>
+              </a:ln>
+            </p:spPr>
+            <p:style>
+              <a:lnRef idx="2">
+                <a:schemeClr val="accent1">
+                  <a:shade val="50000"/>
+                </a:schemeClr>
+              </a:lnRef>
+              <a:fillRef idx="1">
+                <a:schemeClr val="accent1"/>
+              </a:fillRef>
+              <a:effectRef idx="0">
+                <a:schemeClr val="accent1"/>
+              </a:effectRef>
+              <a:fontRef idx="minor">
+                <a:schemeClr val="lt1"/>
+              </a:fontRef>
+            </p:style>
+            <p:txBody>
+              <a:bodyPr rtlCol="0" anchor="ctr"/>
+              <a:lstStyle/>
+              <a:p>
+                <a:pPr algn="ctr"/>
+                <a14:m>
+                  <m:oMathPara xmlns:m="http://schemas.openxmlformats.org/officeDocument/2006/math">
+                    <m:oMathParaPr>
+                      <m:jc m:val="centerGroup"/>
+                    </m:oMathParaPr>
+                    <m:oMath xmlns:m="http://schemas.openxmlformats.org/officeDocument/2006/math">
+                      <m:sSub>
+                        <m:sSubPr>
+                          <m:ctrlPr>
+                            <a:rPr lang="pl-PL" sz="1400" i="1" smtClean="0">
+                              <a:solidFill>
+                                <a:schemeClr val="tx1"/>
+                              </a:solidFill>
+                              <a:latin typeface="Cambria Math"/>
+                            </a:rPr>
+                          </m:ctrlPr>
+                        </m:sSubPr>
+                        <m:e>
+                          <m:r>
+                            <a:rPr lang="pl-PL" sz="1400" i="1">
+                              <a:solidFill>
+                                <a:schemeClr val="tx1"/>
+                              </a:solidFill>
+                              <a:latin typeface="Cambria Math"/>
+                            </a:rPr>
+                            <m:t>𝑑</m:t>
+                          </m:r>
+                        </m:e>
+                        <m:sub>
+                          <m:r>
+                            <a:rPr lang="pl-PL" sz="1400" i="1">
+                              <a:solidFill>
+                                <a:schemeClr val="tx1"/>
+                              </a:solidFill>
+                              <a:latin typeface="Cambria Math"/>
+                            </a:rPr>
+                            <m:t>1_</m:t>
+                          </m:r>
+                          <m:r>
+                            <a:rPr lang="pl-PL" sz="1400" b="0" i="1" smtClean="0">
+                              <a:solidFill>
+                                <a:schemeClr val="tx1"/>
+                              </a:solidFill>
+                              <a:latin typeface="Cambria Math"/>
+                            </a:rPr>
+                            <m:t>3</m:t>
+                          </m:r>
+                        </m:sub>
+                      </m:sSub>
+                    </m:oMath>
+                  </m:oMathPara>
+                </a14:m>
+                <a:endParaRPr lang="en-GB" sz="1400" dirty="0">
+                  <a:solidFill>
+                    <a:schemeClr val="tx1"/>
+                  </a:solidFill>
+                </a:endParaRPr>
+              </a:p>
+            </p:txBody>
+          </p:sp>
+        </mc:Choice>
+        <mc:Fallback>
+          <p:sp>
+            <p:nvSpPr>
+              <p:cNvPr id="111" name="Oval 110"/>
+              <p:cNvSpPr>
+                <a:spLocks noRot="1" noChangeAspect="1" noMove="1" noResize="1" noEditPoints="1" noAdjustHandles="1" noChangeArrowheads="1" noChangeShapeType="1" noTextEdit="1"/>
+              </p:cNvSpPr>
+              <p:nvPr/>
+            </p:nvSpPr>
+            <p:spPr>
+              <a:xfrm>
+                <a:off x="6623060" y="4976510"/>
+                <a:ext cx="414279" cy="414279"/>
+              </a:xfrm>
+              <a:prstGeom prst="ellipse">
+                <a:avLst/>
+              </a:prstGeom>
+              <a:blipFill rotWithShape="1">
+                <a:blip r:embed="rId31"/>
+                <a:stretch>
+                  <a:fillRect l="-4286"/>
+                </a:stretch>
+              </a:blipFill>
+              <a:ln w="12700">
+                <a:solidFill>
+                  <a:schemeClr val="tx1"/>
+                </a:solidFill>
+              </a:ln>
+            </p:spPr>
+            <p:txBody>
+              <a:bodyPr/>
+              <a:lstStyle/>
+              <a:p>
+                <a:r>
+                  <a:rPr lang="en-GB">
+                    <a:noFill/>
+                  </a:rPr>
+                  <a:t> </a:t>
+                </a:r>
+              </a:p>
+            </p:txBody>
+          </p:sp>
+        </mc:Fallback>
+      </mc:AlternateContent>
+      <mc:AlternateContent xmlns:mc="http://schemas.openxmlformats.org/markup-compatibility/2006">
+        <mc:Choice xmlns:a14="http://schemas.microsoft.com/office/drawing/2010/main" Requires="a14">
+          <p:sp>
+            <p:nvSpPr>
+              <p:cNvPr id="112" name="Oval 111"/>
+              <p:cNvSpPr>
+                <a:spLocks noChangeAspect="1"/>
+              </p:cNvSpPr>
+              <p:nvPr/>
+            </p:nvSpPr>
+            <p:spPr>
+              <a:xfrm>
+                <a:off x="6623059" y="5696590"/>
+                <a:ext cx="414279" cy="414279"/>
+              </a:xfrm>
+              <a:prstGeom prst="ellipse">
+                <a:avLst/>
+              </a:prstGeom>
+              <a:solidFill>
+                <a:schemeClr val="accent1">
+                  <a:lumMod val="20000"/>
+                  <a:lumOff val="80000"/>
+                </a:schemeClr>
+              </a:solidFill>
+              <a:ln w="12700">
+                <a:solidFill>
+                  <a:schemeClr val="tx1"/>
+                </a:solidFill>
+              </a:ln>
+            </p:spPr>
+            <p:style>
+              <a:lnRef idx="2">
+                <a:schemeClr val="accent1">
+                  <a:shade val="50000"/>
+                </a:schemeClr>
+              </a:lnRef>
+              <a:fillRef idx="1">
+                <a:schemeClr val="accent1"/>
+              </a:fillRef>
+              <a:effectRef idx="0">
+                <a:schemeClr val="accent1"/>
+              </a:effectRef>
+              <a:fontRef idx="minor">
+                <a:schemeClr val="lt1"/>
+              </a:fontRef>
+            </p:style>
+            <p:txBody>
+              <a:bodyPr rtlCol="0" anchor="ctr"/>
+              <a:lstStyle/>
+              <a:p>
+                <a:pPr algn="ctr"/>
+                <a14:m>
+                  <m:oMathPara xmlns:m="http://schemas.openxmlformats.org/officeDocument/2006/math">
+                    <m:oMathParaPr>
+                      <m:jc m:val="centerGroup"/>
+                    </m:oMathParaPr>
+                    <m:oMath xmlns:m="http://schemas.openxmlformats.org/officeDocument/2006/math">
+                      <m:sSub>
+                        <m:sSubPr>
+                          <m:ctrlPr>
+                            <a:rPr lang="pl-PL" sz="1400" i="1" smtClean="0">
+                              <a:solidFill>
+                                <a:schemeClr val="tx1"/>
+                              </a:solidFill>
+                              <a:latin typeface="Cambria Math"/>
+                            </a:rPr>
+                          </m:ctrlPr>
+                        </m:sSubPr>
+                        <m:e>
+                          <m:r>
+                            <a:rPr lang="pl-PL" sz="1400" b="0" i="1" smtClean="0">
+                              <a:solidFill>
+                                <a:schemeClr val="tx1"/>
+                              </a:solidFill>
+                              <a:latin typeface="Cambria Math"/>
+                            </a:rPr>
+                            <m:t>𝑜</m:t>
+                          </m:r>
+                        </m:e>
+                        <m:sub>
+                          <m:r>
+                            <a:rPr lang="pl-PL" sz="1400" i="1">
+                              <a:solidFill>
+                                <a:schemeClr val="tx1"/>
+                              </a:solidFill>
+                              <a:latin typeface="Cambria Math"/>
+                            </a:rPr>
+                            <m:t>1_</m:t>
+                          </m:r>
+                          <m:r>
+                            <a:rPr lang="pl-PL" sz="1400" b="0" i="1" smtClean="0">
+                              <a:solidFill>
+                                <a:schemeClr val="tx1"/>
+                              </a:solidFill>
+                              <a:latin typeface="Cambria Math"/>
+                            </a:rPr>
+                            <m:t>3</m:t>
+                          </m:r>
+                        </m:sub>
+                      </m:sSub>
+                    </m:oMath>
+                  </m:oMathPara>
+                </a14:m>
+                <a:endParaRPr lang="en-GB" sz="1400" dirty="0">
+                  <a:solidFill>
+                    <a:schemeClr val="tx1"/>
+                  </a:solidFill>
+                </a:endParaRPr>
+              </a:p>
+            </p:txBody>
+          </p:sp>
+        </mc:Choice>
+        <mc:Fallback>
+          <p:sp>
+            <p:nvSpPr>
+              <p:cNvPr id="112" name="Oval 111"/>
+              <p:cNvSpPr>
+                <a:spLocks noRot="1" noChangeAspect="1" noMove="1" noResize="1" noEditPoints="1" noAdjustHandles="1" noChangeArrowheads="1" noChangeShapeType="1" noTextEdit="1"/>
+              </p:cNvSpPr>
+              <p:nvPr/>
+            </p:nvSpPr>
+            <p:spPr>
+              <a:xfrm>
+                <a:off x="6623059" y="5696590"/>
+                <a:ext cx="414279" cy="414279"/>
+              </a:xfrm>
+              <a:prstGeom prst="ellipse">
+                <a:avLst/>
+              </a:prstGeom>
+              <a:blipFill rotWithShape="1">
+                <a:blip r:embed="rId32"/>
+                <a:stretch>
+                  <a:fillRect/>
+                </a:stretch>
+              </a:blipFill>
+              <a:ln w="12700">
+                <a:solidFill>
+                  <a:schemeClr val="tx1"/>
+                </a:solidFill>
+              </a:ln>
+            </p:spPr>
+            <p:txBody>
+              <a:bodyPr/>
+              <a:lstStyle/>
+              <a:p>
+                <a:r>
+                  <a:rPr lang="en-GB">
+                    <a:noFill/>
+                  </a:rPr>
+                  <a:t> </a:t>
+                </a:r>
+              </a:p>
+            </p:txBody>
+          </p:sp>
+        </mc:Fallback>
+      </mc:AlternateContent>
+      <p:cxnSp>
+        <p:nvCxnSpPr>
+          <p:cNvPr id="113" name="Straight Arrow Connector 112"/>
+          <p:cNvCxnSpPr>
+            <a:stCxn id="111" idx="4"/>
+            <a:endCxn id="112" idx="0"/>
+          </p:cNvCxnSpPr>
+          <p:nvPr/>
+        </p:nvCxnSpPr>
+        <p:spPr>
+          <a:xfrm flipH="1">
+            <a:off x="6830199" y="5390789"/>
+            <a:ext cx="1" cy="305801"/>
+          </a:xfrm>
+          <a:prstGeom prst="straightConnector1">
+            <a:avLst/>
+          </a:prstGeom>
+          <a:ln w="12700">
+            <a:solidFill>
+              <a:schemeClr val="tx1"/>
+            </a:solidFill>
+            <a:tailEnd type="arrow"/>
+          </a:ln>
+        </p:spPr>
+        <p:style>
+          <a:lnRef idx="1">
+            <a:schemeClr val="accent1"/>
+          </a:lnRef>
+          <a:fillRef idx="0">
+            <a:schemeClr val="accent1"/>
+          </a:fillRef>
+          <a:effectRef idx="0">
+            <a:schemeClr val="accent1"/>
+          </a:effectRef>
+          <a:fontRef idx="minor">
+            <a:schemeClr val="tx1"/>
+          </a:fontRef>
+        </p:style>
+      </p:cxnSp>
+      <mc:AlternateContent xmlns:mc="http://schemas.openxmlformats.org/markup-compatibility/2006">
+        <mc:Choice xmlns:a14="http://schemas.microsoft.com/office/drawing/2010/main" Requires="a14">
+          <p:sp>
+            <p:nvSpPr>
+              <p:cNvPr id="114" name="Oval 113"/>
+              <p:cNvSpPr>
+                <a:spLocks noChangeAspect="1"/>
+              </p:cNvSpPr>
+              <p:nvPr/>
+            </p:nvSpPr>
+            <p:spPr>
+              <a:xfrm>
+                <a:off x="7180229" y="4979348"/>
+                <a:ext cx="414279" cy="414279"/>
+              </a:xfrm>
+              <a:prstGeom prst="ellipse">
+                <a:avLst/>
+              </a:prstGeom>
+              <a:solidFill>
+                <a:schemeClr val="accent1">
+                  <a:lumMod val="20000"/>
+                  <a:lumOff val="80000"/>
+                </a:schemeClr>
+              </a:solidFill>
+              <a:ln w="12700">
+                <a:solidFill>
+                  <a:schemeClr val="tx1"/>
+                </a:solidFill>
+              </a:ln>
+            </p:spPr>
+            <p:style>
+              <a:lnRef idx="2">
+                <a:schemeClr val="accent1">
+                  <a:shade val="50000"/>
+                </a:schemeClr>
+              </a:lnRef>
+              <a:fillRef idx="1">
+                <a:schemeClr val="accent1"/>
+              </a:fillRef>
+              <a:effectRef idx="0">
+                <a:schemeClr val="accent1"/>
+              </a:effectRef>
+              <a:fontRef idx="minor">
+                <a:schemeClr val="lt1"/>
+              </a:fontRef>
+            </p:style>
+            <p:txBody>
+              <a:bodyPr rtlCol="0" anchor="ctr"/>
+              <a:lstStyle/>
+              <a:p>
+                <a:pPr algn="ctr"/>
+                <a14:m>
+                  <m:oMathPara xmlns:m="http://schemas.openxmlformats.org/officeDocument/2006/math">
+                    <m:oMathParaPr>
+                      <m:jc m:val="centerGroup"/>
+                    </m:oMathParaPr>
+                    <m:oMath xmlns:m="http://schemas.openxmlformats.org/officeDocument/2006/math">
+                      <m:sSub>
+                        <m:sSubPr>
+                          <m:ctrlPr>
+                            <a:rPr lang="pl-PL" sz="1400" i="1" smtClean="0">
+                              <a:solidFill>
+                                <a:schemeClr val="tx1"/>
+                              </a:solidFill>
+                              <a:latin typeface="Cambria Math"/>
+                            </a:rPr>
+                          </m:ctrlPr>
+                        </m:sSubPr>
+                        <m:e>
+                          <m:r>
+                            <a:rPr lang="pl-PL" sz="1400" i="1">
+                              <a:solidFill>
+                                <a:schemeClr val="tx1"/>
+                              </a:solidFill>
+                              <a:latin typeface="Cambria Math"/>
+                            </a:rPr>
+                            <m:t>𝑑</m:t>
+                          </m:r>
+                        </m:e>
+                        <m:sub>
+                          <m:r>
+                            <a:rPr lang="pl-PL" sz="1400" b="0" i="1" smtClean="0">
+                              <a:solidFill>
+                                <a:schemeClr val="tx1"/>
+                              </a:solidFill>
+                              <a:latin typeface="Cambria Math"/>
+                            </a:rPr>
+                            <m:t>2</m:t>
+                          </m:r>
+                          <m:r>
+                            <a:rPr lang="pl-PL" sz="1400" i="1">
+                              <a:solidFill>
+                                <a:schemeClr val="tx1"/>
+                              </a:solidFill>
+                              <a:latin typeface="Cambria Math"/>
+                            </a:rPr>
+                            <m:t>_</m:t>
+                          </m:r>
+                          <m:r>
+                            <a:rPr lang="pl-PL" sz="1400" b="0" i="1" smtClean="0">
+                              <a:solidFill>
+                                <a:schemeClr val="tx1"/>
+                              </a:solidFill>
+                              <a:latin typeface="Cambria Math"/>
+                            </a:rPr>
+                            <m:t>3</m:t>
+                          </m:r>
+                        </m:sub>
+                      </m:sSub>
+                    </m:oMath>
+                  </m:oMathPara>
+                </a14:m>
+                <a:endParaRPr lang="en-GB" sz="1400" dirty="0">
+                  <a:solidFill>
+                    <a:schemeClr val="tx1"/>
+                  </a:solidFill>
+                </a:endParaRPr>
+              </a:p>
+            </p:txBody>
+          </p:sp>
+        </mc:Choice>
+        <mc:Fallback>
+          <p:sp>
+            <p:nvSpPr>
+              <p:cNvPr id="114" name="Oval 113"/>
+              <p:cNvSpPr>
+                <a:spLocks noRot="1" noChangeAspect="1" noMove="1" noResize="1" noEditPoints="1" noAdjustHandles="1" noChangeArrowheads="1" noChangeShapeType="1" noTextEdit="1"/>
+              </p:cNvSpPr>
+              <p:nvPr/>
+            </p:nvSpPr>
+            <p:spPr>
+              <a:xfrm>
+                <a:off x="7180229" y="4979348"/>
+                <a:ext cx="414279" cy="414279"/>
+              </a:xfrm>
+              <a:prstGeom prst="ellipse">
+                <a:avLst/>
+              </a:prstGeom>
+              <a:blipFill rotWithShape="1">
+                <a:blip r:embed="rId27"/>
+                <a:stretch>
+                  <a:fillRect l="-5714"/>
+                </a:stretch>
+              </a:blipFill>
+              <a:ln w="12700">
+                <a:solidFill>
+                  <a:schemeClr val="tx1"/>
+                </a:solidFill>
+              </a:ln>
+            </p:spPr>
+            <p:txBody>
+              <a:bodyPr/>
+              <a:lstStyle/>
+              <a:p>
+                <a:r>
+                  <a:rPr lang="en-GB">
+                    <a:noFill/>
+                  </a:rPr>
+                  <a:t> </a:t>
+                </a:r>
+              </a:p>
+            </p:txBody>
+          </p:sp>
+        </mc:Fallback>
+      </mc:AlternateContent>
+      <mc:AlternateContent xmlns:mc="http://schemas.openxmlformats.org/markup-compatibility/2006">
+        <mc:Choice xmlns:a14="http://schemas.microsoft.com/office/drawing/2010/main" Requires="a14">
+          <p:sp>
+            <p:nvSpPr>
+              <p:cNvPr id="115" name="Oval 114"/>
+              <p:cNvSpPr>
+                <a:spLocks noChangeAspect="1"/>
+              </p:cNvSpPr>
+              <p:nvPr/>
+            </p:nvSpPr>
+            <p:spPr>
+              <a:xfrm>
+                <a:off x="7180228" y="5699428"/>
+                <a:ext cx="414279" cy="414279"/>
+              </a:xfrm>
+              <a:prstGeom prst="ellipse">
+                <a:avLst/>
+              </a:prstGeom>
+              <a:solidFill>
+                <a:schemeClr val="accent1">
+                  <a:lumMod val="20000"/>
+                  <a:lumOff val="80000"/>
+                </a:schemeClr>
+              </a:solidFill>
+              <a:ln w="12700">
+                <a:solidFill>
+                  <a:schemeClr val="tx1"/>
+                </a:solidFill>
+              </a:ln>
+            </p:spPr>
+            <p:style>
+              <a:lnRef idx="2">
+                <a:schemeClr val="accent1">
+                  <a:shade val="50000"/>
+                </a:schemeClr>
+              </a:lnRef>
+              <a:fillRef idx="1">
+                <a:schemeClr val="accent1"/>
+              </a:fillRef>
+              <a:effectRef idx="0">
+                <a:schemeClr val="accent1"/>
+              </a:effectRef>
+              <a:fontRef idx="minor">
+                <a:schemeClr val="lt1"/>
+              </a:fontRef>
+            </p:style>
+            <p:txBody>
+              <a:bodyPr rtlCol="0" anchor="ctr"/>
+              <a:lstStyle/>
+              <a:p>
+                <a:pPr algn="ctr"/>
+                <a14:m>
+                  <m:oMathPara xmlns:m="http://schemas.openxmlformats.org/officeDocument/2006/math">
+                    <m:oMathParaPr>
+                      <m:jc m:val="centerGroup"/>
+                    </m:oMathParaPr>
+                    <m:oMath xmlns:m="http://schemas.openxmlformats.org/officeDocument/2006/math">
+                      <m:sSub>
+                        <m:sSubPr>
+                          <m:ctrlPr>
+                            <a:rPr lang="pl-PL" sz="1400" i="1" smtClean="0">
+                              <a:solidFill>
+                                <a:schemeClr val="tx1"/>
+                              </a:solidFill>
+                              <a:latin typeface="Cambria Math"/>
+                            </a:rPr>
+                          </m:ctrlPr>
+                        </m:sSubPr>
+                        <m:e>
+                          <m:r>
+                            <a:rPr lang="pl-PL" sz="1400" b="0" i="1" smtClean="0">
+                              <a:solidFill>
+                                <a:schemeClr val="tx1"/>
+                              </a:solidFill>
+                              <a:latin typeface="Cambria Math"/>
+                            </a:rPr>
+                            <m:t>𝑜</m:t>
+                          </m:r>
+                        </m:e>
+                        <m:sub>
+                          <m:r>
+                            <a:rPr lang="pl-PL" sz="1400" b="0" i="1" smtClean="0">
+                              <a:solidFill>
+                                <a:schemeClr val="tx1"/>
+                              </a:solidFill>
+                              <a:latin typeface="Cambria Math"/>
+                            </a:rPr>
+                            <m:t>2</m:t>
+                          </m:r>
+                          <m:r>
+                            <a:rPr lang="pl-PL" sz="1400" i="1">
+                              <a:solidFill>
+                                <a:schemeClr val="tx1"/>
+                              </a:solidFill>
+                              <a:latin typeface="Cambria Math"/>
+                            </a:rPr>
+                            <m:t>_</m:t>
+                          </m:r>
+                          <m:r>
+                            <a:rPr lang="pl-PL" sz="1400" b="0" i="1" smtClean="0">
+                              <a:solidFill>
+                                <a:schemeClr val="tx1"/>
+                              </a:solidFill>
+                              <a:latin typeface="Cambria Math"/>
+                            </a:rPr>
+                            <m:t>3</m:t>
+                          </m:r>
+                        </m:sub>
+                      </m:sSub>
+                    </m:oMath>
+                  </m:oMathPara>
+                </a14:m>
+                <a:endParaRPr lang="en-GB" sz="1400" dirty="0">
+                  <a:solidFill>
+                    <a:schemeClr val="tx1"/>
+                  </a:solidFill>
+                </a:endParaRPr>
+              </a:p>
+            </p:txBody>
+          </p:sp>
+        </mc:Choice>
+        <mc:Fallback>
+          <p:sp>
+            <p:nvSpPr>
+              <p:cNvPr id="115" name="Oval 114"/>
+              <p:cNvSpPr>
+                <a:spLocks noRot="1" noChangeAspect="1" noMove="1" noResize="1" noEditPoints="1" noAdjustHandles="1" noChangeArrowheads="1" noChangeShapeType="1" noTextEdit="1"/>
+              </p:cNvSpPr>
+              <p:nvPr/>
+            </p:nvSpPr>
+            <p:spPr>
+              <a:xfrm>
+                <a:off x="7180228" y="5699428"/>
+                <a:ext cx="414279" cy="414279"/>
+              </a:xfrm>
+              <a:prstGeom prst="ellipse">
+                <a:avLst/>
+              </a:prstGeom>
+              <a:blipFill rotWithShape="1">
+                <a:blip r:embed="rId33"/>
+                <a:stretch>
+                  <a:fillRect/>
+                </a:stretch>
+              </a:blipFill>
+              <a:ln w="12700">
+                <a:solidFill>
+                  <a:schemeClr val="tx1"/>
+                </a:solidFill>
+              </a:ln>
+            </p:spPr>
+            <p:txBody>
+              <a:bodyPr/>
+              <a:lstStyle/>
+              <a:p>
+                <a:r>
+                  <a:rPr lang="en-GB">
+                    <a:noFill/>
+                  </a:rPr>
+                  <a:t> </a:t>
+                </a:r>
+              </a:p>
+            </p:txBody>
+          </p:sp>
+        </mc:Fallback>
+      </mc:AlternateContent>
+      <p:cxnSp>
+        <p:nvCxnSpPr>
+          <p:cNvPr id="116" name="Straight Arrow Connector 115"/>
+          <p:cNvCxnSpPr>
+            <a:stCxn id="114" idx="4"/>
+            <a:endCxn id="115" idx="0"/>
+          </p:cNvCxnSpPr>
+          <p:nvPr/>
+        </p:nvCxnSpPr>
+        <p:spPr>
+          <a:xfrm flipH="1">
+            <a:off x="7387368" y="5393627"/>
+            <a:ext cx="1" cy="305801"/>
+          </a:xfrm>
+          <a:prstGeom prst="straightConnector1">
+            <a:avLst/>
+          </a:prstGeom>
+          <a:ln w="12700">
+            <a:solidFill>
+              <a:schemeClr val="tx1"/>
+            </a:solidFill>
+            <a:tailEnd type="arrow"/>
+          </a:ln>
+        </p:spPr>
+        <p:style>
+          <a:lnRef idx="1">
+            <a:schemeClr val="accent1"/>
+          </a:lnRef>
+          <a:fillRef idx="0">
+            <a:schemeClr val="accent1"/>
+          </a:fillRef>
+          <a:effectRef idx="0">
+            <a:schemeClr val="accent1"/>
+          </a:effectRef>
+          <a:fontRef idx="minor">
+            <a:schemeClr val="tx1"/>
+          </a:fontRef>
+        </p:style>
+      </p:cxnSp>
+      <p:cxnSp>
+        <p:nvCxnSpPr>
+          <p:cNvPr id="120" name="Straight Arrow Connector 119"/>
+          <p:cNvCxnSpPr>
+            <a:stCxn id="53" idx="4"/>
+            <a:endCxn id="102" idx="0"/>
+          </p:cNvCxnSpPr>
+          <p:nvPr/>
+        </p:nvCxnSpPr>
+        <p:spPr>
+          <a:xfrm rot="16200000" flipH="1">
+            <a:off x="2340048" y="2896043"/>
+            <a:ext cx="3546161" cy="620452"/>
+          </a:xfrm>
+          <a:prstGeom prst="curvedConnector3">
+            <a:avLst>
+              <a:gd name="adj1" fmla="val 8871"/>
+            </a:avLst>
+          </a:prstGeom>
+          <a:ln w="12700">
+            <a:solidFill>
+              <a:schemeClr val="tx1"/>
+            </a:solidFill>
+            <a:tailEnd type="arrow"/>
+          </a:ln>
+        </p:spPr>
+        <p:style>
+          <a:lnRef idx="1">
+            <a:schemeClr val="accent1"/>
+          </a:lnRef>
+          <a:fillRef idx="0">
+            <a:schemeClr val="accent1"/>
+          </a:fillRef>
+          <a:effectRef idx="0">
+            <a:schemeClr val="accent1"/>
+          </a:effectRef>
+          <a:fontRef idx="minor">
+            <a:schemeClr val="tx1"/>
+          </a:fontRef>
+        </p:style>
+      </p:cxnSp>
+      <p:cxnSp>
+        <p:nvCxnSpPr>
+          <p:cNvPr id="123" name="Straight Arrow Connector 122"/>
+          <p:cNvCxnSpPr>
+            <a:stCxn id="68" idx="4"/>
+            <a:endCxn id="102" idx="0"/>
+          </p:cNvCxnSpPr>
+          <p:nvPr/>
+        </p:nvCxnSpPr>
+        <p:spPr>
+          <a:xfrm rot="16200000" flipH="1">
+            <a:off x="3183767" y="3739762"/>
+            <a:ext cx="1858723" cy="620452"/>
+          </a:xfrm>
+          <a:prstGeom prst="curvedConnector3">
+            <a:avLst>
+              <a:gd name="adj1" fmla="val 19914"/>
+            </a:avLst>
+          </a:prstGeom>
+          <a:ln w="12700">
+            <a:solidFill>
+              <a:schemeClr val="tx1"/>
+            </a:solidFill>
+            <a:tailEnd type="arrow"/>
+          </a:ln>
+        </p:spPr>
+        <p:style>
+          <a:lnRef idx="1">
+            <a:schemeClr val="accent1"/>
+          </a:lnRef>
+          <a:fillRef idx="0">
+            <a:schemeClr val="accent1"/>
+          </a:fillRef>
+          <a:effectRef idx="0">
+            <a:schemeClr val="accent1"/>
+          </a:effectRef>
+          <a:fontRef idx="minor">
+            <a:schemeClr val="tx1"/>
+          </a:fontRef>
+        </p:style>
+      </p:cxnSp>
+      <p:cxnSp>
+        <p:nvCxnSpPr>
+          <p:cNvPr id="126" name="Straight Arrow Connector 125"/>
+          <p:cNvCxnSpPr>
+            <a:stCxn id="68" idx="4"/>
+            <a:endCxn id="105" idx="0"/>
+          </p:cNvCxnSpPr>
+          <p:nvPr/>
+        </p:nvCxnSpPr>
+        <p:spPr>
+          <a:xfrm rot="16200000" flipH="1">
+            <a:off x="3446192" y="3477336"/>
+            <a:ext cx="1858723" cy="1145303"/>
+          </a:xfrm>
+          <a:prstGeom prst="curvedConnector3">
+            <a:avLst>
+              <a:gd name="adj1" fmla="val 12596"/>
+            </a:avLst>
+          </a:prstGeom>
+          <a:ln w="12700">
+            <a:solidFill>
+              <a:schemeClr val="tx1"/>
+            </a:solidFill>
+            <a:tailEnd type="arrow"/>
+          </a:ln>
+        </p:spPr>
+        <p:style>
+          <a:lnRef idx="1">
+            <a:schemeClr val="accent1"/>
+          </a:lnRef>
+          <a:fillRef idx="0">
+            <a:schemeClr val="accent1"/>
+          </a:fillRef>
+          <a:effectRef idx="0">
+            <a:schemeClr val="accent1"/>
+          </a:effectRef>
+          <a:fontRef idx="minor">
+            <a:schemeClr val="tx1"/>
+          </a:fontRef>
+        </p:style>
+      </p:cxnSp>
+      <p:cxnSp>
+        <p:nvCxnSpPr>
+          <p:cNvPr id="129" name="Straight Arrow Connector 128"/>
+          <p:cNvCxnSpPr>
+            <a:stCxn id="81" idx="4"/>
+            <a:endCxn id="105" idx="0"/>
+          </p:cNvCxnSpPr>
+          <p:nvPr/>
+        </p:nvCxnSpPr>
+        <p:spPr>
+          <a:xfrm rot="16200000" flipH="1">
+            <a:off x="4264178" y="4295322"/>
+            <a:ext cx="213361" cy="1154693"/>
+          </a:xfrm>
+          <a:prstGeom prst="curvedConnector3">
+            <a:avLst>
+              <a:gd name="adj1" fmla="val 14581"/>
+            </a:avLst>
+          </a:prstGeom>
+          <a:ln w="12700">
+            <a:solidFill>
+              <a:schemeClr val="tx1"/>
+            </a:solidFill>
+            <a:tailEnd type="arrow"/>
+          </a:ln>
+        </p:spPr>
+        <p:style>
+          <a:lnRef idx="1">
+            <a:schemeClr val="accent1"/>
+          </a:lnRef>
+          <a:fillRef idx="0">
+            <a:schemeClr val="accent1"/>
+          </a:fillRef>
+          <a:effectRef idx="0">
+            <a:schemeClr val="accent1"/>
+          </a:effectRef>
+          <a:fontRef idx="minor">
+            <a:schemeClr val="tx1"/>
+          </a:fontRef>
+        </p:style>
+      </p:cxnSp>
+      <p:cxnSp>
+        <p:nvCxnSpPr>
+          <p:cNvPr id="132" name="Straight Arrow Connector 131"/>
+          <p:cNvCxnSpPr>
+            <a:stCxn id="54" idx="4"/>
+            <a:endCxn id="108" idx="0"/>
+          </p:cNvCxnSpPr>
+          <p:nvPr/>
+        </p:nvCxnSpPr>
+        <p:spPr>
+          <a:xfrm rot="16200000" flipH="1">
+            <a:off x="4195019" y="2908008"/>
+            <a:ext cx="3543323" cy="593682"/>
+          </a:xfrm>
+          <a:prstGeom prst="curvedConnector3">
+            <a:avLst>
+              <a:gd name="adj1" fmla="val 9691"/>
+            </a:avLst>
+          </a:prstGeom>
+          <a:ln w="12700">
+            <a:solidFill>
+              <a:schemeClr val="tx1"/>
+            </a:solidFill>
+            <a:tailEnd type="arrow"/>
+          </a:ln>
+        </p:spPr>
+        <p:style>
+          <a:lnRef idx="1">
+            <a:schemeClr val="accent1"/>
+          </a:lnRef>
+          <a:fillRef idx="0">
+            <a:schemeClr val="accent1"/>
+          </a:fillRef>
+          <a:effectRef idx="0">
+            <a:schemeClr val="accent1"/>
+          </a:effectRef>
+          <a:fontRef idx="minor">
+            <a:schemeClr val="tx1"/>
+          </a:fontRef>
+        </p:style>
+      </p:cxnSp>
+      <p:cxnSp>
+        <p:nvCxnSpPr>
+          <p:cNvPr id="135" name="Straight Arrow Connector 134"/>
+          <p:cNvCxnSpPr>
+            <a:stCxn id="69" idx="4"/>
+            <a:endCxn id="108" idx="0"/>
+          </p:cNvCxnSpPr>
+          <p:nvPr/>
+        </p:nvCxnSpPr>
+        <p:spPr>
+          <a:xfrm rot="16200000" flipH="1">
+            <a:off x="5038738" y="3751727"/>
+            <a:ext cx="1855885" cy="593682"/>
+          </a:xfrm>
+          <a:prstGeom prst="curvedConnector3">
+            <a:avLst>
+              <a:gd name="adj1" fmla="val 18646"/>
+            </a:avLst>
+          </a:prstGeom>
+          <a:ln w="12700">
+            <a:solidFill>
+              <a:schemeClr val="tx1"/>
+            </a:solidFill>
+            <a:tailEnd type="arrow"/>
+          </a:ln>
+        </p:spPr>
+        <p:style>
+          <a:lnRef idx="1">
+            <a:schemeClr val="accent1"/>
+          </a:lnRef>
+          <a:fillRef idx="0">
+            <a:schemeClr val="accent1"/>
+          </a:fillRef>
+          <a:effectRef idx="0">
+            <a:schemeClr val="accent1"/>
+          </a:effectRef>
+          <a:fontRef idx="minor">
+            <a:schemeClr val="tx1"/>
+          </a:fontRef>
+        </p:style>
+      </p:cxnSp>
+      <p:cxnSp>
+        <p:nvCxnSpPr>
+          <p:cNvPr id="138" name="Straight Arrow Connector 137"/>
+          <p:cNvCxnSpPr>
+            <a:stCxn id="54" idx="4"/>
+            <a:endCxn id="111" idx="0"/>
+          </p:cNvCxnSpPr>
+          <p:nvPr/>
+        </p:nvCxnSpPr>
+        <p:spPr>
+          <a:xfrm rot="16200000" flipH="1">
+            <a:off x="4478358" y="2624668"/>
+            <a:ext cx="3543322" cy="1160361"/>
+          </a:xfrm>
+          <a:prstGeom prst="curvedConnector3">
+            <a:avLst>
+              <a:gd name="adj1" fmla="val 4572"/>
+            </a:avLst>
+          </a:prstGeom>
+          <a:ln w="12700">
+            <a:solidFill>
+              <a:schemeClr val="tx1"/>
+            </a:solidFill>
+            <a:tailEnd type="arrow"/>
+          </a:ln>
+        </p:spPr>
+        <p:style>
+          <a:lnRef idx="1">
+            <a:schemeClr val="accent1"/>
+          </a:lnRef>
+          <a:fillRef idx="0">
+            <a:schemeClr val="accent1"/>
+          </a:fillRef>
+          <a:effectRef idx="0">
+            <a:schemeClr val="accent1"/>
+          </a:effectRef>
+          <a:fontRef idx="minor">
+            <a:schemeClr val="tx1"/>
+          </a:fontRef>
+        </p:style>
+      </p:cxnSp>
+      <p:cxnSp>
+        <p:nvCxnSpPr>
+          <p:cNvPr id="141" name="Straight Arrow Connector 140"/>
+          <p:cNvCxnSpPr>
+            <a:stCxn id="84" idx="4"/>
+            <a:endCxn id="111" idx="0"/>
+          </p:cNvCxnSpPr>
+          <p:nvPr/>
+        </p:nvCxnSpPr>
+        <p:spPr>
+          <a:xfrm rot="16200000" flipH="1">
+            <a:off x="6140063" y="4286373"/>
+            <a:ext cx="210522" cy="1169751"/>
+          </a:xfrm>
+          <a:prstGeom prst="curvedConnector3">
+            <a:avLst>
+              <a:gd name="adj1" fmla="val 21283"/>
+            </a:avLst>
+          </a:prstGeom>
+          <a:ln w="12700">
+            <a:solidFill>
+              <a:schemeClr val="tx1"/>
+            </a:solidFill>
+            <a:tailEnd type="arrow"/>
+          </a:ln>
+        </p:spPr>
+        <p:style>
+          <a:lnRef idx="1">
+            <a:schemeClr val="accent1"/>
+          </a:lnRef>
+          <a:fillRef idx="0">
+            <a:schemeClr val="accent1"/>
+          </a:fillRef>
+          <a:effectRef idx="0">
+            <a:schemeClr val="accent1"/>
+          </a:effectRef>
+          <a:fontRef idx="minor">
+            <a:schemeClr val="tx1"/>
+          </a:fontRef>
+        </p:style>
+      </p:cxnSp>
+      <p:cxnSp>
+        <p:nvCxnSpPr>
+          <p:cNvPr id="144" name="Straight Arrow Connector 143"/>
+          <p:cNvCxnSpPr>
+            <a:stCxn id="69" idx="4"/>
+            <a:endCxn id="114" idx="0"/>
+          </p:cNvCxnSpPr>
+          <p:nvPr/>
+        </p:nvCxnSpPr>
+        <p:spPr>
+          <a:xfrm rot="16200000" flipH="1">
+            <a:off x="5599243" y="3191222"/>
+            <a:ext cx="1858722" cy="1717530"/>
+          </a:xfrm>
+          <a:prstGeom prst="curvedConnector3">
+            <a:avLst>
+              <a:gd name="adj1" fmla="val 8530"/>
+            </a:avLst>
+          </a:prstGeom>
+          <a:ln w="12700">
+            <a:solidFill>
+              <a:schemeClr val="tx1"/>
+            </a:solidFill>
+            <a:tailEnd type="arrow"/>
+          </a:ln>
+        </p:spPr>
+        <p:style>
+          <a:lnRef idx="1">
+            <a:schemeClr val="accent1"/>
+          </a:lnRef>
+          <a:fillRef idx="0">
+            <a:schemeClr val="accent1"/>
+          </a:fillRef>
+          <a:effectRef idx="0">
+            <a:schemeClr val="accent1"/>
+          </a:effectRef>
+          <a:fontRef idx="minor">
+            <a:schemeClr val="tx1"/>
+          </a:fontRef>
+        </p:style>
+      </p:cxnSp>
+      <p:cxnSp>
+        <p:nvCxnSpPr>
+          <p:cNvPr id="147" name="Straight Arrow Connector 146"/>
+          <p:cNvCxnSpPr>
+            <a:stCxn id="84" idx="4"/>
+            <a:endCxn id="114" idx="0"/>
+          </p:cNvCxnSpPr>
+          <p:nvPr/>
+        </p:nvCxnSpPr>
+        <p:spPr>
+          <a:xfrm rot="16200000" flipH="1">
+            <a:off x="6417229" y="4009208"/>
+            <a:ext cx="213360" cy="1726920"/>
+          </a:xfrm>
+          <a:prstGeom prst="curvedConnector3">
+            <a:avLst>
+              <a:gd name="adj1" fmla="val -10213"/>
+            </a:avLst>
+          </a:prstGeom>
+          <a:ln w="12700">
+            <a:solidFill>
+              <a:schemeClr val="tx1"/>
+            </a:solidFill>
+            <a:tailEnd type="arrow"/>
+          </a:ln>
+        </p:spPr>
+        <p:style>
+          <a:lnRef idx="1">
+            <a:schemeClr val="accent1"/>
+          </a:lnRef>
+          <a:fillRef idx="0">
+            <a:schemeClr val="accent1"/>
+          </a:fillRef>
+          <a:effectRef idx="0">
+            <a:schemeClr val="accent1"/>
+          </a:effectRef>
+          <a:fontRef idx="minor">
+            <a:schemeClr val="tx1"/>
+          </a:fontRef>
+        </p:style>
+      </p:cxnSp>
+    </p:spTree>
+    <p:extLst>
+      <p:ext uri="{BB962C8B-B14F-4D97-AF65-F5344CB8AC3E}">
+        <p14:creationId xmlns:p14="http://schemas.microsoft.com/office/powerpoint/2010/main" val="3708903815"/>
+      </p:ext>
+    </p:extLst>
+  </p:cSld>
+  <p:clrMapOvr>
+    <a:masterClrMapping/>
+  </p:clrMapOvr>
+  <p:timing>
+    <p:tnLst>
+      <p:par>
+        <p:cTn id="1" dur="indefinite" restart="never" nodeType="tmRoot"/>
+      </p:par>
+    </p:tnLst>
+  </p:timing>
+</p:sld>
+</file>
+
+<file path=ppt/slides/slide3.xml><?xml version="1.0" encoding="utf-8"?>
+<p:sld xmlns:a="http://schemas.openxmlformats.org/drawingml/2006/main" xmlns:r="http://schemas.openxmlformats.org/officeDocument/2006/relationships" xmlns:p="http://schemas.openxmlformats.org/presentationml/2006/main">
+  <p:cSld>
+    <p:spTree>
+      <p:nvGrpSpPr>
+        <p:cNvPr id="1" name=""/>
+        <p:cNvGrpSpPr/>
+        <p:nvPr/>
+      </p:nvGrpSpPr>
+      <p:grpSpPr>
+        <a:xfrm>
+          <a:off x="0" y="0"/>
+          <a:ext cx="0" cy="0"/>
+          <a:chOff x="0" y="0"/>
+          <a:chExt cx="0" cy="0"/>
+        </a:xfrm>
+      </p:grpSpPr>
       <mc:AlternateContent xmlns:mc="http://schemas.openxmlformats.org/markup-compatibility/2006" xmlns:a14="http://schemas.microsoft.com/office/drawing/2010/main">
         <mc:Choice Requires="a14">
           <p:sp>
@@ -7072,8 +14043,8 @@
           </a:fontRef>
         </p:style>
       </p:cxnSp>
-      <mc:AlternateContent xmlns:mc="http://schemas.openxmlformats.org/markup-compatibility/2006">
-        <mc:Choice xmlns:a14="http://schemas.microsoft.com/office/drawing/2010/main" Requires="a14">
+      <mc:AlternateContent xmlns:mc="http://schemas.openxmlformats.org/markup-compatibility/2006" xmlns:a14="http://schemas.microsoft.com/office/drawing/2010/main">
+        <mc:Choice Requires="a14">
           <p:sp>
             <p:nvSpPr>
               <p:cNvPr id="29" name="TextBox 28"/>
@@ -7096,6 +14067,7 @@
               </a:bodyPr>
               <a:lstStyle/>
               <a:p>
+                <a:pPr/>
                 <a14:m>
                   <m:oMathPara xmlns:m="http://schemas.openxmlformats.org/officeDocument/2006/math">
                     <m:oMathParaPr>
@@ -7135,7 +14107,7 @@
             </p:txBody>
           </p:sp>
         </mc:Choice>
-        <mc:Fallback>
+        <mc:Fallback xmlns="">
           <p:sp>
             <p:nvSpPr>
               <p:cNvPr id="29" name="TextBox 28"/>
@@ -7174,8 +14146,8 @@
           </p:sp>
         </mc:Fallback>
       </mc:AlternateContent>
-      <mc:AlternateContent xmlns:mc="http://schemas.openxmlformats.org/markup-compatibility/2006">
-        <mc:Choice xmlns:a14="http://schemas.microsoft.com/office/drawing/2010/main" Requires="a14">
+      <mc:AlternateContent xmlns:mc="http://schemas.openxmlformats.org/markup-compatibility/2006" xmlns:a14="http://schemas.microsoft.com/office/drawing/2010/main">
+        <mc:Choice Requires="a14">
           <p:sp>
             <p:nvSpPr>
               <p:cNvPr id="30" name="TextBox 29"/>
@@ -7198,6 +14170,7 @@
               </a:bodyPr>
               <a:lstStyle/>
               <a:p>
+                <a:pPr/>
                 <a14:m>
                   <m:oMathPara xmlns:m="http://schemas.openxmlformats.org/officeDocument/2006/math">
                     <m:oMathParaPr>
@@ -7237,7 +14210,7 @@
             </p:txBody>
           </p:sp>
         </mc:Choice>
-        <mc:Fallback>
+        <mc:Fallback xmlns="">
           <p:sp>
             <p:nvSpPr>
               <p:cNvPr id="30" name="TextBox 29"/>
@@ -7276,8 +14249,8 @@
           </p:sp>
         </mc:Fallback>
       </mc:AlternateContent>
-      <mc:AlternateContent xmlns:mc="http://schemas.openxmlformats.org/markup-compatibility/2006">
-        <mc:Choice xmlns:a14="http://schemas.microsoft.com/office/drawing/2010/main" Requires="a14">
+      <mc:AlternateContent xmlns:mc="http://schemas.openxmlformats.org/markup-compatibility/2006" xmlns:a14="http://schemas.microsoft.com/office/drawing/2010/main">
+        <mc:Choice Requires="a14">
           <p:sp>
             <p:nvSpPr>
               <p:cNvPr id="31" name="TextBox 30"/>
@@ -7300,6 +14273,7 @@
               </a:bodyPr>
               <a:lstStyle/>
               <a:p>
+                <a:pPr/>
                 <a14:m>
                   <m:oMathPara xmlns:m="http://schemas.openxmlformats.org/officeDocument/2006/math">
                     <m:oMathParaPr>
@@ -7339,7 +14313,7 @@
             </p:txBody>
           </p:sp>
         </mc:Choice>
-        <mc:Fallback>
+        <mc:Fallback xmlns="">
           <p:sp>
             <p:nvSpPr>
               <p:cNvPr id="31" name="TextBox 30"/>
@@ -7378,8 +14352,8 @@
           </p:sp>
         </mc:Fallback>
       </mc:AlternateContent>
-      <mc:AlternateContent xmlns:mc="http://schemas.openxmlformats.org/markup-compatibility/2006">
-        <mc:Choice xmlns:a14="http://schemas.microsoft.com/office/drawing/2010/main" Requires="a14">
+      <mc:AlternateContent xmlns:mc="http://schemas.openxmlformats.org/markup-compatibility/2006" xmlns:a14="http://schemas.microsoft.com/office/drawing/2010/main">
+        <mc:Choice Requires="a14">
           <p:sp>
             <p:nvSpPr>
               <p:cNvPr id="33" name="TextBox 32"/>
@@ -7402,6 +14376,7 @@
               </a:bodyPr>
               <a:lstStyle/>
               <a:p>
+                <a:pPr/>
                 <a14:m>
                   <m:oMathPara xmlns:m="http://schemas.openxmlformats.org/officeDocument/2006/math">
                     <m:oMathParaPr>
@@ -7441,7 +14416,7 @@
             </p:txBody>
           </p:sp>
         </mc:Choice>
-        <mc:Fallback>
+        <mc:Fallback xmlns="">
           <p:sp>
             <p:nvSpPr>
               <p:cNvPr id="33" name="TextBox 32"/>
@@ -7480,8 +14455,8 @@
           </p:sp>
         </mc:Fallback>
       </mc:AlternateContent>
-      <mc:AlternateContent xmlns:mc="http://schemas.openxmlformats.org/markup-compatibility/2006">
-        <mc:Choice xmlns:a14="http://schemas.microsoft.com/office/drawing/2010/main" Requires="a14">
+      <mc:AlternateContent xmlns:mc="http://schemas.openxmlformats.org/markup-compatibility/2006" xmlns:a14="http://schemas.microsoft.com/office/drawing/2010/main">
+        <mc:Choice Requires="a14">
           <p:sp>
             <p:nvSpPr>
               <p:cNvPr id="34" name="TextBox 33"/>
@@ -7504,6 +14479,7 @@
               </a:bodyPr>
               <a:lstStyle/>
               <a:p>
+                <a:pPr/>
                 <a14:m>
                   <m:oMathPara xmlns:m="http://schemas.openxmlformats.org/officeDocument/2006/math">
                     <m:oMathParaPr>
@@ -7543,7 +14519,7 @@
             </p:txBody>
           </p:sp>
         </mc:Choice>
-        <mc:Fallback>
+        <mc:Fallback xmlns="">
           <p:sp>
             <p:nvSpPr>
               <p:cNvPr id="34" name="TextBox 33"/>
@@ -7582,8 +14558,8 @@
           </p:sp>
         </mc:Fallback>
       </mc:AlternateContent>
-      <mc:AlternateContent xmlns:mc="http://schemas.openxmlformats.org/markup-compatibility/2006">
-        <mc:Choice xmlns:a14="http://schemas.microsoft.com/office/drawing/2010/main" Requires="a14">
+      <mc:AlternateContent xmlns:mc="http://schemas.openxmlformats.org/markup-compatibility/2006" xmlns:a14="http://schemas.microsoft.com/office/drawing/2010/main">
+        <mc:Choice Requires="a14">
           <p:sp>
             <p:nvSpPr>
               <p:cNvPr id="35" name="TextBox 34"/>
@@ -7606,6 +14582,7 @@
               </a:bodyPr>
               <a:lstStyle/>
               <a:p>
+                <a:pPr/>
                 <a14:m>
                   <m:oMathPara xmlns:m="http://schemas.openxmlformats.org/officeDocument/2006/math">
                     <m:oMathParaPr>
@@ -7645,7 +14622,7 @@
             </p:txBody>
           </p:sp>
         </mc:Choice>
-        <mc:Fallback>
+        <mc:Fallback xmlns="">
           <p:sp>
             <p:nvSpPr>
               <p:cNvPr id="35" name="TextBox 34"/>
